--- a/99.ppt/Ch2. 동기 서비스 구현 (Spring MVC).pptx
+++ b/99.ppt/Ch2. 동기 서비스 구현 (Spring MVC).pptx
@@ -2,7 +2,7 @@
 <file path=ppt/presentation.xml><?xml version="1.0" encoding="utf-8"?>
 <p:presentation xmlns:a="http://schemas.openxmlformats.org/drawingml/2006/main" xmlns:r="http://schemas.openxmlformats.org/officeDocument/2006/relationships" xmlns:p="http://schemas.openxmlformats.org/presentationml/2006/main" saveSubsetFonts="1">
   <p:sldMasterIdLst>
-    <p:sldMasterId id="2147483665" r:id="rId1"/>
+    <p:sldMasterId id="2147483669" r:id="rId1"/>
   </p:sldMasterIdLst>
   <p:notesMasterIdLst>
     <p:notesMasterId r:id="rId10"/>
@@ -215,7 +215,7 @@
           <a:p>
             <a:fld id="{9B770909-2C76-4DF9-BB76-4EE283593418}" type="datetimeFigureOut">
               <a:rPr lang="ko-KR" altLang="en-US" smtClean="0"/>
-              <a:t>2023-08-12</a:t>
+              <a:t>2024-09-08</a:t>
             </a:fld>
             <a:endParaRPr lang="ko-KR" altLang="en-US"/>
           </a:p>
@@ -2385,19 +2385,13 @@
 </file>
 
 <file path=ppt/slideLayouts/slideLayout1.xml><?xml version="1.0" encoding="utf-8"?>
-<p:sldLayout xmlns:a="http://schemas.openxmlformats.org/drawingml/2006/main" xmlns:r="http://schemas.openxmlformats.org/officeDocument/2006/relationships" xmlns:p="http://schemas.openxmlformats.org/presentationml/2006/main" type="title" preserve="1">
-  <p:cSld name="제목 슬라이드">
+<p:sldLayout xmlns:a="http://schemas.openxmlformats.org/drawingml/2006/main" xmlns:r="http://schemas.openxmlformats.org/officeDocument/2006/relationships" xmlns:p="http://schemas.openxmlformats.org/presentationml/2006/main" preserve="1" userDrawn="1">
+  <p:cSld name="본문">
     <p:bg>
       <p:bgPr>
-        <a:blipFill dpi="0" rotWithShape="1">
-          <a:blip r:embed="rId2">
-            <a:lum/>
-          </a:blip>
-          <a:srcRect/>
-          <a:stretch>
-            <a:fillRect/>
-          </a:stretch>
-        </a:blipFill>
+        <a:solidFill>
+          <a:schemeClr val="bg1"/>
+        </a:solidFill>
         <a:effectLst/>
       </p:bgPr>
     </p:bg>
@@ -2422,26 +2416,45 @@
             <a:spLocks noGrp="1"/>
           </p:cNvSpPr>
           <p:nvPr>
-            <p:ph type="ctrTitle"/>
+            <p:ph type="title"/>
           </p:nvPr>
         </p:nvSpPr>
         <p:spPr>
           <a:xfrm>
-            <a:off x="664366" y="1356118"/>
-            <a:ext cx="6858000" cy="629841"/>
+            <a:off x="417524" y="394276"/>
+            <a:ext cx="8490731" cy="433387"/>
           </a:xfrm>
+          <a:prstGeom prst="rect">
+            <a:avLst/>
+          </a:prstGeom>
         </p:spPr>
         <p:txBody>
-          <a:bodyPr anchor="ctr" anchorCtr="0"/>
+          <a:bodyPr anchor="ctr">
+            <a:noAutofit/>
+          </a:bodyPr>
           <a:lstStyle>
-            <a:lvl1pPr algn="r">
-              <a:defRPr sz="2800">
-                <a:latin typeface="Spoqa Han Sans Neo Bold" panose="020B0800000000000000" pitchFamily="50" charset="-127"/>
-                <a:ea typeface="Spoqa Han Sans Neo Bold" panose="020B0800000000000000" pitchFamily="50" charset="-127"/>
+            <a:lvl1pPr>
+              <a:defRPr kumimoji="1" lang="en-US" sz="2000" b="1" i="0" spc="-30" baseline="0" dirty="0">
+                <a:solidFill>
+                  <a:schemeClr val="tx1"/>
+                </a:solidFill>
+                <a:effectLst/>
+                <a:latin typeface="Pretendard" panose="02000503000000020004" pitchFamily="2" charset="-127"/>
+                <a:ea typeface="Pretendard" panose="02000503000000020004" pitchFamily="2" charset="-127"/>
+                <a:cs typeface="Pretendard" panose="02000503000000020004" pitchFamily="2" charset="-127"/>
               </a:defRPr>
             </a:lvl1pPr>
           </a:lstStyle>
           <a:p>
+            <a:pPr marL="0" lvl="0" indent="0" defTabSz="914400" latinLnBrk="0">
+              <a:lnSpc>
+                <a:spcPct val="100000"/>
+              </a:lnSpc>
+              <a:spcBef>
+                <a:spcPts val="1000"/>
+              </a:spcBef>
+              <a:buFontTx/>
+            </a:pPr>
             <a:r>
               <a:rPr lang="ko-KR" altLang="en-US" dirty="0"/>
               <a:t>마스터 제목 스타일 편집</a:t>
@@ -2452,43 +2465,428 @@
       </p:sp>
       <p:sp>
         <p:nvSpPr>
-          <p:cNvPr id="3" name="Subtitle 2"/>
+          <p:cNvPr id="3" name="Content Placeholder 2"/>
           <p:cNvSpPr>
             <a:spLocks noGrp="1"/>
           </p:cNvSpPr>
           <p:nvPr>
-            <p:ph type="subTitle" idx="1"/>
+            <p:ph idx="1"/>
           </p:nvPr>
         </p:nvSpPr>
         <p:spPr>
           <a:xfrm>
-            <a:off x="664365" y="2001434"/>
-            <a:ext cx="6858000" cy="377428"/>
+            <a:off x="417524" y="936070"/>
+            <a:ext cx="8490730" cy="3871162"/>
           </a:xfrm>
+          <a:prstGeom prst="rect">
+            <a:avLst/>
+          </a:prstGeom>
         </p:spPr>
         <p:txBody>
-          <a:bodyPr vert="horz" lIns="91440" tIns="45720" rIns="91440" bIns="45720" rtlCol="0" anchor="ctr" anchorCtr="0">
+          <a:bodyPr vert="horz" lIns="91440" tIns="45720" rIns="91440" bIns="45720" rtlCol="0">
             <a:normAutofit/>
           </a:bodyPr>
           <a:lstStyle>
             <a:lvl1pPr>
+              <a:lnSpc>
+                <a:spcPct val="120000"/>
+              </a:lnSpc>
+              <a:defRPr lang="ko-KR" altLang="en-US" sz="1800" dirty="0" smtClean="0">
+                <a:solidFill>
+                  <a:schemeClr val="tx1">
+                    <a:lumMod val="65000"/>
+                    <a:lumOff val="35000"/>
+                  </a:schemeClr>
+                </a:solidFill>
+                <a:latin typeface="Pretendard" panose="02000503000000020004" pitchFamily="2" charset="-127"/>
+                <a:ea typeface="Pretendard" panose="02000503000000020004" pitchFamily="2" charset="-127"/>
+                <a:cs typeface="Pretendard" panose="02000503000000020004" pitchFamily="2" charset="-127"/>
+              </a:defRPr>
+            </a:lvl1pPr>
+            <a:lvl2pPr>
+              <a:lnSpc>
+                <a:spcPct val="120000"/>
+              </a:lnSpc>
+              <a:defRPr lang="ko-KR" altLang="en-US" sz="1700" dirty="0" smtClean="0">
+                <a:solidFill>
+                  <a:schemeClr val="tx1">
+                    <a:lumMod val="65000"/>
+                    <a:lumOff val="35000"/>
+                  </a:schemeClr>
+                </a:solidFill>
+                <a:latin typeface="Pretendard" panose="02000503000000020004" pitchFamily="2" charset="-127"/>
+                <a:ea typeface="Pretendard" panose="02000503000000020004" pitchFamily="2" charset="-127"/>
+                <a:cs typeface="Pretendard" panose="02000503000000020004" pitchFamily="2" charset="-127"/>
+              </a:defRPr>
+            </a:lvl2pPr>
+            <a:lvl3pPr>
+              <a:lnSpc>
+                <a:spcPct val="120000"/>
+              </a:lnSpc>
+              <a:defRPr lang="ko-KR" altLang="en-US" dirty="0" smtClean="0">
+                <a:solidFill>
+                  <a:schemeClr val="tx1">
+                    <a:lumMod val="65000"/>
+                    <a:lumOff val="35000"/>
+                  </a:schemeClr>
+                </a:solidFill>
+                <a:latin typeface="Pretendard" panose="02000503000000020004" pitchFamily="2" charset="-127"/>
+                <a:ea typeface="Pretendard" panose="02000503000000020004" pitchFamily="2" charset="-127"/>
+                <a:cs typeface="Pretendard" panose="02000503000000020004" pitchFamily="2" charset="-127"/>
+              </a:defRPr>
+            </a:lvl3pPr>
+            <a:lvl4pPr>
+              <a:lnSpc>
+                <a:spcPct val="120000"/>
+              </a:lnSpc>
+              <a:defRPr lang="ko-KR" altLang="en-US" sz="1300" dirty="0" smtClean="0">
+                <a:solidFill>
+                  <a:schemeClr val="tx1">
+                    <a:lumMod val="65000"/>
+                    <a:lumOff val="35000"/>
+                  </a:schemeClr>
+                </a:solidFill>
+                <a:latin typeface="Pretendard" panose="02000503000000020004" pitchFamily="2" charset="-127"/>
+                <a:ea typeface="Pretendard" panose="02000503000000020004" pitchFamily="2" charset="-127"/>
+                <a:cs typeface="Pretendard" panose="02000503000000020004" pitchFamily="2" charset="-127"/>
+              </a:defRPr>
+            </a:lvl4pPr>
+            <a:lvl5pPr>
+              <a:lnSpc>
+                <a:spcPct val="120000"/>
+              </a:lnSpc>
               <a:defRPr lang="en-US" sz="1300" dirty="0">
-                <a:latin typeface="Spoqa Han Sans Neo Bold" panose="020B0800000000000000" pitchFamily="50" charset="-127"/>
-                <a:ea typeface="Spoqa Han Sans Neo Bold" panose="020B0800000000000000" pitchFamily="50" charset="-127"/>
-                <a:cs typeface="+mj-cs"/>
+                <a:solidFill>
+                  <a:schemeClr val="tx1">
+                    <a:lumMod val="65000"/>
+                    <a:lumOff val="35000"/>
+                  </a:schemeClr>
+                </a:solidFill>
+                <a:latin typeface="Pretendard" panose="02000503000000020004" pitchFamily="2" charset="-127"/>
+                <a:ea typeface="Pretendard" panose="02000503000000020004" pitchFamily="2" charset="-127"/>
+                <a:cs typeface="Pretendard" panose="02000503000000020004" pitchFamily="2" charset="-127"/>
+              </a:defRPr>
+            </a:lvl5pPr>
+          </a:lstStyle>
+          <a:p>
+            <a:pPr marL="0" lvl="0" indent="0">
+              <a:spcAft>
+                <a:spcPts val="800"/>
+              </a:spcAft>
+              <a:buNone/>
+            </a:pPr>
+            <a:r>
+              <a:rPr lang="ko-KR" altLang="en-US" dirty="0"/>
+              <a:t>마스터 텍스트 스타일을 편집하려면 클릭</a:t>
+            </a:r>
+          </a:p>
+          <a:p>
+            <a:pPr marL="357188" lvl="1">
+              <a:spcAft>
+                <a:spcPts val="800"/>
+              </a:spcAft>
+            </a:pPr>
+            <a:r>
+              <a:rPr lang="ko-KR" altLang="en-US" dirty="0"/>
+              <a:t>두 번째 수준</a:t>
+            </a:r>
+          </a:p>
+          <a:p>
+            <a:pPr marL="536575" lvl="2">
+              <a:spcAft>
+                <a:spcPts val="800"/>
+              </a:spcAft>
+            </a:pPr>
+            <a:r>
+              <a:rPr lang="ko-KR" altLang="en-US" dirty="0"/>
+              <a:t>세 번째 수준</a:t>
+            </a:r>
+          </a:p>
+          <a:p>
+            <a:pPr marL="714375" lvl="3">
+              <a:spcAft>
+                <a:spcPts val="800"/>
+              </a:spcAft>
+            </a:pPr>
+            <a:r>
+              <a:rPr lang="ko-KR" altLang="en-US" dirty="0"/>
+              <a:t>네 번째 수준</a:t>
+            </a:r>
+          </a:p>
+          <a:p>
+            <a:pPr marL="900113" lvl="4">
+              <a:spcAft>
+                <a:spcPts val="800"/>
+              </a:spcAft>
+            </a:pPr>
+            <a:r>
+              <a:rPr lang="ko-KR" altLang="en-US" dirty="0"/>
+              <a:t>다섯 번째 수준</a:t>
+            </a:r>
+            <a:endParaRPr lang="en-US" dirty="0"/>
+          </a:p>
+        </p:txBody>
+      </p:sp>
+      <p:sp>
+        <p:nvSpPr>
+          <p:cNvPr id="12" name="바닥글 개체 틀 4">
+            <a:extLst>
+              <a:ext uri="{FF2B5EF4-FFF2-40B4-BE49-F238E27FC236}">
+                <a16:creationId xmlns:a16="http://schemas.microsoft.com/office/drawing/2014/main" id="{C45D0CE0-CFD2-F3A6-FD6B-202119C25094}"/>
+              </a:ext>
+            </a:extLst>
+          </p:cNvPr>
+          <p:cNvSpPr>
+            <a:spLocks noGrp="1"/>
+          </p:cNvSpPr>
+          <p:nvPr>
+            <p:ph type="ftr" sz="quarter" idx="3"/>
+          </p:nvPr>
+        </p:nvSpPr>
+        <p:spPr>
+          <a:xfrm>
+            <a:off x="6467474" y="109941"/>
+            <a:ext cx="2440780" cy="215510"/>
+          </a:xfrm>
+          <a:prstGeom prst="rect">
+            <a:avLst/>
+          </a:prstGeom>
+        </p:spPr>
+        <p:txBody>
+          <a:bodyPr vert="horz" lIns="91440" tIns="45720" rIns="0" bIns="45720" rtlCol="0" anchor="ctr"/>
+          <a:lstStyle>
+            <a:lvl1pPr algn="r">
+              <a:defRPr sz="1000">
+                <a:solidFill>
+                  <a:schemeClr val="tx1">
+                    <a:tint val="82000"/>
+                  </a:schemeClr>
+                </a:solidFill>
+                <a:latin typeface="Gilroy SemiBold" panose="00000700000000000000" pitchFamily="50" charset="0"/>
               </a:defRPr>
             </a:lvl1pPr>
           </a:lstStyle>
           <a:p>
-            <a:pPr lvl="0" algn="r">
-              <a:spcBef>
-                <a:spcPct val="0"/>
-              </a:spcBef>
+            <a:r>
+              <a:rPr lang="en-US" altLang="ko-KR"/>
+              <a:t>Spring MVC</a:t>
+            </a:r>
+            <a:endParaRPr lang="ko-KR" altLang="en-US" dirty="0"/>
+          </a:p>
+        </p:txBody>
+      </p:sp>
+      <p:cxnSp>
+        <p:nvCxnSpPr>
+          <p:cNvPr id="7" name="직선 연결선[R] 19">
+            <a:extLst>
+              <a:ext uri="{FF2B5EF4-FFF2-40B4-BE49-F238E27FC236}">
+                <a16:creationId xmlns:a16="http://schemas.microsoft.com/office/drawing/2014/main" id="{F499D1A4-2358-07AC-4578-8B6C7D8F24C7}"/>
+              </a:ext>
+            </a:extLst>
+          </p:cNvPr>
+          <p:cNvCxnSpPr>
+            <a:cxnSpLocks/>
+          </p:cNvCxnSpPr>
+          <p:nvPr userDrawn="1"/>
+        </p:nvCxnSpPr>
+        <p:spPr>
+          <a:xfrm>
+            <a:off x="142875" y="336268"/>
+            <a:ext cx="8819347" cy="0"/>
+          </a:xfrm>
+          <a:prstGeom prst="line">
+            <a:avLst/>
+          </a:prstGeom>
+          <a:ln>
+            <a:solidFill>
+              <a:srgbClr val="B3B3B3"/>
+            </a:solidFill>
+          </a:ln>
+        </p:spPr>
+        <p:style>
+          <a:lnRef idx="1">
+            <a:schemeClr val="accent1"/>
+          </a:lnRef>
+          <a:fillRef idx="0">
+            <a:schemeClr val="accent1"/>
+          </a:fillRef>
+          <a:effectRef idx="0">
+            <a:schemeClr val="accent1"/>
+          </a:effectRef>
+          <a:fontRef idx="minor">
+            <a:schemeClr val="tx1"/>
+          </a:fontRef>
+        </p:style>
+      </p:cxnSp>
+      <p:pic>
+        <p:nvPicPr>
+          <p:cNvPr id="8" name="그림 7">
+            <a:extLst>
+              <a:ext uri="{FF2B5EF4-FFF2-40B4-BE49-F238E27FC236}">
+                <a16:creationId xmlns:a16="http://schemas.microsoft.com/office/drawing/2014/main" id="{26A02154-560B-E5A2-FCA3-2079CC3482F9}"/>
+              </a:ext>
+            </a:extLst>
+          </p:cNvPr>
+          <p:cNvPicPr>
+            <a:picLocks noChangeAspect="1"/>
+          </p:cNvPicPr>
+          <p:nvPr userDrawn="1"/>
+        </p:nvPicPr>
+        <p:blipFill>
+          <a:blip r:embed="rId2"/>
+          <a:stretch>
+            <a:fillRect/>
+          </a:stretch>
+        </p:blipFill>
+        <p:spPr>
+          <a:xfrm>
+            <a:off x="171451" y="4903762"/>
+            <a:ext cx="757234" cy="232514"/>
+          </a:xfrm>
+          <a:prstGeom prst="rect">
+            <a:avLst/>
+          </a:prstGeom>
+        </p:spPr>
+      </p:pic>
+      <p:cxnSp>
+        <p:nvCxnSpPr>
+          <p:cNvPr id="10" name="직선 연결선[R] 19">
+            <a:extLst>
+              <a:ext uri="{FF2B5EF4-FFF2-40B4-BE49-F238E27FC236}">
+                <a16:creationId xmlns:a16="http://schemas.microsoft.com/office/drawing/2014/main" id="{7C81B446-6183-D0DC-6407-1EE2F639A632}"/>
+              </a:ext>
+            </a:extLst>
+          </p:cNvPr>
+          <p:cNvCxnSpPr>
+            <a:cxnSpLocks/>
+          </p:cNvCxnSpPr>
+          <p:nvPr userDrawn="1"/>
+        </p:nvCxnSpPr>
+        <p:spPr>
+          <a:xfrm>
+            <a:off x="162326" y="4876057"/>
+            <a:ext cx="8819347" cy="0"/>
+          </a:xfrm>
+          <a:prstGeom prst="line">
+            <a:avLst/>
+          </a:prstGeom>
+          <a:ln>
+            <a:solidFill>
+              <a:srgbClr val="B3B3B3"/>
+            </a:solidFill>
+          </a:ln>
+        </p:spPr>
+        <p:style>
+          <a:lnRef idx="1">
+            <a:schemeClr val="accent1"/>
+          </a:lnRef>
+          <a:fillRef idx="0">
+            <a:schemeClr val="accent1"/>
+          </a:fillRef>
+          <a:effectRef idx="0">
+            <a:schemeClr val="accent1"/>
+          </a:effectRef>
+          <a:fontRef idx="minor">
+            <a:schemeClr val="tx1"/>
+          </a:fontRef>
+        </p:style>
+      </p:cxnSp>
+      <p:sp>
+        <p:nvSpPr>
+          <p:cNvPr id="9" name="Content Placeholder 2">
+            <a:extLst>
+              <a:ext uri="{FF2B5EF4-FFF2-40B4-BE49-F238E27FC236}">
+                <a16:creationId xmlns:a16="http://schemas.microsoft.com/office/drawing/2014/main" id="{18B75347-98CF-2D30-79D6-42DD8776DCAF}"/>
+              </a:ext>
+            </a:extLst>
+          </p:cNvPr>
+          <p:cNvSpPr>
+            <a:spLocks noGrp="1"/>
+          </p:cNvSpPr>
+          <p:nvPr>
+            <p:ph idx="11" hasCustomPrompt="1"/>
+          </p:nvPr>
+        </p:nvSpPr>
+        <p:spPr>
+          <a:xfrm>
+            <a:off x="6467475" y="347086"/>
+            <a:ext cx="2440780" cy="223092"/>
+          </a:xfrm>
+          <a:prstGeom prst="rect">
+            <a:avLst/>
+          </a:prstGeom>
+        </p:spPr>
+        <p:txBody>
+          <a:bodyPr vert="horz" lIns="0" tIns="45720" rIns="0" bIns="45720" rtlCol="0" anchor="ctr" anchorCtr="0">
+            <a:noAutofit/>
+          </a:bodyPr>
+          <a:lstStyle>
+            <a:lvl1pPr marL="0" indent="0" algn="r">
+              <a:lnSpc>
+                <a:spcPct val="100000"/>
+              </a:lnSpc>
               <a:buNone/>
+              <a:defRPr lang="ko-KR" altLang="en-US" sz="700" i="1" dirty="0" smtClean="0">
+                <a:solidFill>
+                  <a:schemeClr val="bg1">
+                    <a:lumMod val="50000"/>
+                  </a:schemeClr>
+                </a:solidFill>
+                <a:latin typeface="Gilroy SemiBold" panose="00000700000000000000" pitchFamily="50" charset="0"/>
+                <a:ea typeface="Pretendard" panose="02000503000000020004" pitchFamily="2" charset="-127"/>
+                <a:cs typeface="Pretendard" panose="02000503000000020004" pitchFamily="2" charset="-127"/>
+              </a:defRPr>
+            </a:lvl1pPr>
+            <a:lvl2pPr>
+              <a:lnSpc>
+                <a:spcPct val="120000"/>
+              </a:lnSpc>
+              <a:defRPr lang="ko-KR" altLang="en-US" dirty="0" smtClean="0">
+                <a:latin typeface="Pretendard" panose="02000503000000020004" pitchFamily="2" charset="-127"/>
+                <a:ea typeface="Pretendard" panose="02000503000000020004" pitchFamily="2" charset="-127"/>
+                <a:cs typeface="Pretendard" panose="02000503000000020004" pitchFamily="2" charset="-127"/>
+              </a:defRPr>
+            </a:lvl2pPr>
+            <a:lvl3pPr>
+              <a:lnSpc>
+                <a:spcPct val="120000"/>
+              </a:lnSpc>
+              <a:defRPr lang="ko-KR" altLang="en-US" dirty="0" smtClean="0">
+                <a:latin typeface="Pretendard" panose="02000503000000020004" pitchFamily="2" charset="-127"/>
+                <a:ea typeface="Pretendard" panose="02000503000000020004" pitchFamily="2" charset="-127"/>
+                <a:cs typeface="Pretendard" panose="02000503000000020004" pitchFamily="2" charset="-127"/>
+              </a:defRPr>
+            </a:lvl3pPr>
+            <a:lvl4pPr>
+              <a:lnSpc>
+                <a:spcPct val="120000"/>
+              </a:lnSpc>
+              <a:defRPr lang="ko-KR" altLang="en-US" dirty="0" smtClean="0">
+                <a:latin typeface="Pretendard" panose="02000503000000020004" pitchFamily="2" charset="-127"/>
+                <a:ea typeface="Pretendard" panose="02000503000000020004" pitchFamily="2" charset="-127"/>
+                <a:cs typeface="Pretendard" panose="02000503000000020004" pitchFamily="2" charset="-127"/>
+              </a:defRPr>
+            </a:lvl4pPr>
+            <a:lvl5pPr>
+              <a:lnSpc>
+                <a:spcPct val="120000"/>
+              </a:lnSpc>
+              <a:defRPr lang="en-US" dirty="0">
+                <a:latin typeface="Pretendard" panose="02000503000000020004" pitchFamily="2" charset="-127"/>
+                <a:ea typeface="Pretendard" panose="02000503000000020004" pitchFamily="2" charset="-127"/>
+                <a:cs typeface="Pretendard" panose="02000503000000020004" pitchFamily="2" charset="-127"/>
+              </a:defRPr>
+            </a:lvl5pPr>
+          </a:lstStyle>
+          <a:p>
+            <a:pPr marL="171450" lvl="0" indent="-171450">
+              <a:spcAft>
+                <a:spcPts val="800"/>
+              </a:spcAft>
             </a:pPr>
             <a:r>
-              <a:rPr lang="ko-KR" altLang="en-US" dirty="0"/>
-              <a:t>클릭하여 마스터 부제목 스타일 편집</a:t>
+              <a:rPr lang="en-US" altLang="ko-KR" dirty="0" err="1"/>
+              <a:t>SubTitle</a:t>
             </a:r>
             <a:endParaRPr lang="en-US" dirty="0"/>
           </a:p>
@@ -2497,7 +2895,7 @@
     </p:spTree>
     <p:extLst>
       <p:ext uri="{BB962C8B-B14F-4D97-AF65-F5344CB8AC3E}">
-        <p14:creationId xmlns:p14="http://schemas.microsoft.com/office/powerpoint/2010/main" val="1303108689"/>
+        <p14:creationId xmlns:p14="http://schemas.microsoft.com/office/powerpoint/2010/main" val="2891008064"/>
       </p:ext>
     </p:extLst>
   </p:cSld>
@@ -2507,12 +2905,12 @@
   <p:extLst>
     <p:ext uri="{DCECCB84-F9BA-43D5-87BE-67443E8EF086}">
       <p15:sldGuideLst xmlns:p15="http://schemas.microsoft.com/office/powerpoint/2012/main">
-        <p15:guide id="1" orient="horz" pos="1620" userDrawn="1">
+        <p15:guide id="1" orient="horz" pos="1620">
           <p15:clr>
             <a:srgbClr val="FBAE40"/>
           </p15:clr>
         </p15:guide>
-        <p15:guide id="2" pos="2880" userDrawn="1">
+        <p15:guide id="2" pos="90">
           <p15:clr>
             <a:srgbClr val="FBAE40"/>
           </p15:clr>
@@ -2524,19 +2922,13 @@
 </file>
 
 <file path=ppt/slideLayouts/slideLayout2.xml><?xml version="1.0" encoding="utf-8"?>
-<p:sldLayout xmlns:a="http://schemas.openxmlformats.org/drawingml/2006/main" xmlns:r="http://schemas.openxmlformats.org/officeDocument/2006/relationships" xmlns:p="http://schemas.openxmlformats.org/presentationml/2006/main" type="title" preserve="1">
-  <p:cSld name="1_제목 슬라이드">
+<p:sldLayout xmlns:a="http://schemas.openxmlformats.org/drawingml/2006/main" xmlns:r="http://schemas.openxmlformats.org/officeDocument/2006/relationships" xmlns:p="http://schemas.openxmlformats.org/presentationml/2006/main" preserve="1" userDrawn="1">
+  <p:cSld name="간지_토픽">
     <p:bg>
       <p:bgPr>
-        <a:blipFill dpi="0" rotWithShape="1">
-          <a:blip r:embed="rId2">
-            <a:lum/>
-          </a:blip>
-          <a:srcRect/>
-          <a:stretch>
-            <a:fillRect/>
-          </a:stretch>
-        </a:blipFill>
+        <a:solidFill>
+          <a:schemeClr val="bg1"/>
+        </a:solidFill>
         <a:effectLst/>
       </p:bgPr>
     </p:bg>
@@ -2556,7 +2948,13 @@
       </p:grpSpPr>
       <p:sp>
         <p:nvSpPr>
-          <p:cNvPr id="2" name="Title 1"/>
+          <p:cNvPr id="4" name="Title 1">
+            <a:extLst>
+              <a:ext uri="{FF2B5EF4-FFF2-40B4-BE49-F238E27FC236}">
+                <a16:creationId xmlns:a16="http://schemas.microsoft.com/office/drawing/2014/main" id="{CE5DB7A8-F6F0-23A6-D9D1-6D1BFD021931}"/>
+              </a:ext>
+            </a:extLst>
+          </p:cNvPr>
           <p:cNvSpPr>
             <a:spLocks noGrp="1"/>
           </p:cNvSpPr>
@@ -2566,17 +2964,24 @@
         </p:nvSpPr>
         <p:spPr>
           <a:xfrm>
-            <a:off x="664366" y="1356118"/>
-            <a:ext cx="6858000" cy="629841"/>
+            <a:off x="664365" y="1334347"/>
+            <a:ext cx="7724891" cy="629841"/>
           </a:xfrm>
+          <a:prstGeom prst="rect">
+            <a:avLst/>
+          </a:prstGeom>
         </p:spPr>
         <p:txBody>
           <a:bodyPr anchor="ctr" anchorCtr="0"/>
           <a:lstStyle>
-            <a:lvl1pPr algn="r">
+            <a:lvl1pPr algn="ctr">
               <a:defRPr sz="2800">
-                <a:latin typeface="Spoqa Han Sans Neo Bold" panose="020B0800000000000000" pitchFamily="50" charset="-127"/>
-                <a:ea typeface="Spoqa Han Sans Neo Bold" panose="020B0800000000000000" pitchFamily="50" charset="-127"/>
+                <a:solidFill>
+                  <a:srgbClr val="BD0326"/>
+                </a:solidFill>
+                <a:latin typeface="Pretendard ExtraBold" panose="02000903000000020004" pitchFamily="2" charset="-127"/>
+                <a:ea typeface="Pretendard ExtraBold" panose="02000903000000020004" pitchFamily="2" charset="-127"/>
+                <a:cs typeface="Pretendard ExtraBold" panose="02000903000000020004" pitchFamily="2" charset="-127"/>
               </a:defRPr>
             </a:lvl1pPr>
           </a:lstStyle>
@@ -2591,7 +2996,13 @@
       </p:sp>
       <p:sp>
         <p:nvSpPr>
-          <p:cNvPr id="3" name="Subtitle 2"/>
+          <p:cNvPr id="5" name="Subtitle 2">
+            <a:extLst>
+              <a:ext uri="{FF2B5EF4-FFF2-40B4-BE49-F238E27FC236}">
+                <a16:creationId xmlns:a16="http://schemas.microsoft.com/office/drawing/2014/main" id="{AC97D1B6-E48E-BC0C-5E60-3091C25FB202}"/>
+              </a:ext>
+            </a:extLst>
+          </p:cNvPr>
           <p:cNvSpPr>
             <a:spLocks noGrp="1"/>
           </p:cNvSpPr>
@@ -2601,20 +3012,26 @@
         </p:nvSpPr>
         <p:spPr>
           <a:xfrm>
-            <a:off x="664365" y="2001434"/>
-            <a:ext cx="6858000" cy="377428"/>
+            <a:off x="657108" y="1965502"/>
+            <a:ext cx="7724890" cy="357214"/>
           </a:xfrm>
+          <a:prstGeom prst="rect">
+            <a:avLst/>
+          </a:prstGeom>
         </p:spPr>
         <p:txBody>
-          <a:bodyPr vert="horz" lIns="91440" tIns="45720" rIns="91440" bIns="45720" rtlCol="0" anchor="ctr" anchorCtr="0">
-            <a:normAutofit/>
+          <a:bodyPr vert="horz" wrap="square" lIns="91440" tIns="45720" rIns="91440" bIns="45720" rtlCol="0" anchor="ctr" anchorCtr="1">
+            <a:spAutoFit/>
           </a:bodyPr>
           <a:lstStyle>
-            <a:lvl1pPr>
+            <a:lvl1pPr algn="l">
               <a:defRPr lang="en-US" sz="1300" dirty="0">
-                <a:latin typeface="Spoqa Han Sans Neo Bold" panose="020B0800000000000000" pitchFamily="50" charset="-127"/>
-                <a:ea typeface="Spoqa Han Sans Neo Bold" panose="020B0800000000000000" pitchFamily="50" charset="-127"/>
-                <a:cs typeface="+mj-cs"/>
+                <a:solidFill>
+                  <a:srgbClr val="FC4E6F"/>
+                </a:solidFill>
+                <a:latin typeface="Pretendard ExtraBold" panose="02000903000000020004" pitchFamily="2" charset="-127"/>
+                <a:ea typeface="Pretendard ExtraBold" panose="02000903000000020004" pitchFamily="2" charset="-127"/>
+                <a:cs typeface="Pretendard ExtraBold" panose="02000903000000020004" pitchFamily="2" charset="-127"/>
               </a:defRPr>
             </a:lvl1pPr>
           </a:lstStyle>
@@ -2633,10 +3050,237 @@
           </a:p>
         </p:txBody>
       </p:sp>
+      <p:cxnSp>
+        <p:nvCxnSpPr>
+          <p:cNvPr id="6" name="직선 연결선[R] 19">
+            <a:extLst>
+              <a:ext uri="{FF2B5EF4-FFF2-40B4-BE49-F238E27FC236}">
+                <a16:creationId xmlns:a16="http://schemas.microsoft.com/office/drawing/2014/main" id="{35E66E0E-3208-8254-FCEB-6FCB9F4F53A6}"/>
+              </a:ext>
+            </a:extLst>
+          </p:cNvPr>
+          <p:cNvCxnSpPr>
+            <a:cxnSpLocks/>
+          </p:cNvCxnSpPr>
+          <p:nvPr userDrawn="1"/>
+        </p:nvCxnSpPr>
+        <p:spPr>
+          <a:xfrm>
+            <a:off x="142875" y="423352"/>
+            <a:ext cx="8819347" cy="0"/>
+          </a:xfrm>
+          <a:prstGeom prst="line">
+            <a:avLst/>
+          </a:prstGeom>
+          <a:ln>
+            <a:solidFill>
+              <a:srgbClr val="B3B3B3"/>
+            </a:solidFill>
+          </a:ln>
+        </p:spPr>
+        <p:style>
+          <a:lnRef idx="1">
+            <a:schemeClr val="accent1"/>
+          </a:lnRef>
+          <a:fillRef idx="0">
+            <a:schemeClr val="accent1"/>
+          </a:fillRef>
+          <a:effectRef idx="0">
+            <a:schemeClr val="accent1"/>
+          </a:effectRef>
+          <a:fontRef idx="minor">
+            <a:schemeClr val="tx1"/>
+          </a:fontRef>
+        </p:style>
+      </p:cxnSp>
+      <p:cxnSp>
+        <p:nvCxnSpPr>
+          <p:cNvPr id="7" name="직선 연결선[R] 19">
+            <a:extLst>
+              <a:ext uri="{FF2B5EF4-FFF2-40B4-BE49-F238E27FC236}">
+                <a16:creationId xmlns:a16="http://schemas.microsoft.com/office/drawing/2014/main" id="{FB45A898-A93E-DB88-C39E-4124D8502530}"/>
+              </a:ext>
+            </a:extLst>
+          </p:cNvPr>
+          <p:cNvCxnSpPr>
+            <a:cxnSpLocks/>
+          </p:cNvCxnSpPr>
+          <p:nvPr userDrawn="1"/>
+        </p:nvCxnSpPr>
+        <p:spPr>
+          <a:xfrm>
+            <a:off x="162326" y="4774459"/>
+            <a:ext cx="8819347" cy="0"/>
+          </a:xfrm>
+          <a:prstGeom prst="line">
+            <a:avLst/>
+          </a:prstGeom>
+          <a:ln>
+            <a:solidFill>
+              <a:srgbClr val="B3B3B3"/>
+            </a:solidFill>
+          </a:ln>
+        </p:spPr>
+        <p:style>
+          <a:lnRef idx="1">
+            <a:schemeClr val="accent1"/>
+          </a:lnRef>
+          <a:fillRef idx="0">
+            <a:schemeClr val="accent1"/>
+          </a:fillRef>
+          <a:effectRef idx="0">
+            <a:schemeClr val="accent1"/>
+          </a:effectRef>
+          <a:fontRef idx="minor">
+            <a:schemeClr val="tx1"/>
+          </a:fontRef>
+        </p:style>
+      </p:cxnSp>
+      <p:pic>
+        <p:nvPicPr>
+          <p:cNvPr id="8" name="그림 7">
+            <a:extLst>
+              <a:ext uri="{FF2B5EF4-FFF2-40B4-BE49-F238E27FC236}">
+                <a16:creationId xmlns:a16="http://schemas.microsoft.com/office/drawing/2014/main" id="{6164E4B6-DC7C-02D4-5370-C9D9B9E5029E}"/>
+              </a:ext>
+            </a:extLst>
+          </p:cNvPr>
+          <p:cNvPicPr>
+            <a:picLocks noChangeAspect="1"/>
+          </p:cNvPicPr>
+          <p:nvPr userDrawn="1"/>
+        </p:nvPicPr>
+        <p:blipFill>
+          <a:blip r:embed="rId2"/>
+          <a:stretch>
+            <a:fillRect/>
+          </a:stretch>
+        </p:blipFill>
+        <p:spPr>
+          <a:xfrm>
+            <a:off x="3969217" y="4774459"/>
+            <a:ext cx="1205565" cy="370178"/>
+          </a:xfrm>
+          <a:prstGeom prst="rect">
+            <a:avLst/>
+          </a:prstGeom>
+        </p:spPr>
+      </p:pic>
+      <p:sp>
+        <p:nvSpPr>
+          <p:cNvPr id="9" name="텍스트 개체 틀 52">
+            <a:extLst>
+              <a:ext uri="{FF2B5EF4-FFF2-40B4-BE49-F238E27FC236}">
+                <a16:creationId xmlns:a16="http://schemas.microsoft.com/office/drawing/2014/main" id="{2756E176-AED9-C6E3-03D3-D9B449B264DC}"/>
+              </a:ext>
+            </a:extLst>
+          </p:cNvPr>
+          <p:cNvSpPr>
+            <a:spLocks noGrp="1"/>
+          </p:cNvSpPr>
+          <p:nvPr>
+            <p:ph type="body" sz="quarter" idx="10" hasCustomPrompt="1"/>
+          </p:nvPr>
+        </p:nvSpPr>
+        <p:spPr>
+          <a:xfrm>
+            <a:off x="1904044" y="108472"/>
+            <a:ext cx="5335912" cy="260568"/>
+          </a:xfrm>
+          <a:prstGeom prst="rect">
+            <a:avLst/>
+          </a:prstGeom>
+        </p:spPr>
+        <p:txBody>
+          <a:bodyPr wrap="square">
+            <a:spAutoFit/>
+          </a:bodyPr>
+          <a:lstStyle>
+            <a:lvl1pPr marL="0" indent="0" algn="ctr" defTabSz="914400" rtl="0" eaLnBrk="1" latinLnBrk="0" hangingPunct="1">
+              <a:lnSpc>
+                <a:spcPct val="100000"/>
+              </a:lnSpc>
+              <a:buFontTx/>
+              <a:buNone/>
+              <a:defRPr kumimoji="1" lang="ko-KR" altLang="en-US" sz="1100" b="1" kern="1200" dirty="0" smtClean="0">
+                <a:solidFill>
+                  <a:srgbClr val="FB2752"/>
+                </a:solidFill>
+                <a:latin typeface="Gilroy SemiBold" pitchFamily="2" charset="0"/>
+                <a:ea typeface="Pretendard ExtraBold" panose="02000503000000020004" pitchFamily="2" charset="-127"/>
+                <a:cs typeface="Pretendard ExtraBold" panose="02000503000000020004" pitchFamily="2" charset="-127"/>
+              </a:defRPr>
+            </a:lvl1pPr>
+            <a:lvl2pPr marL="0" indent="0" algn="l" defTabSz="914400" rtl="0" eaLnBrk="1" latinLnBrk="0" hangingPunct="1">
+              <a:buFontTx/>
+              <a:buNone/>
+              <a:defRPr kumimoji="1" lang="ko-KR" altLang="en-US" sz="1100" b="1" kern="1200" dirty="0" smtClean="0">
+                <a:solidFill>
+                  <a:schemeClr val="tx1"/>
+                </a:solidFill>
+                <a:latin typeface="Gilroy SemiBold" pitchFamily="2" charset="0"/>
+                <a:ea typeface="Pretendard ExtraBold" panose="02000503000000020004" pitchFamily="2" charset="-127"/>
+                <a:cs typeface="Pretendard ExtraBold" panose="02000503000000020004" pitchFamily="2" charset="-127"/>
+              </a:defRPr>
+            </a:lvl2pPr>
+            <a:lvl3pPr marL="0" indent="0" algn="l" defTabSz="914400" rtl="0" eaLnBrk="1" latinLnBrk="0" hangingPunct="1">
+              <a:buFontTx/>
+              <a:buNone/>
+              <a:defRPr kumimoji="1" lang="ko-KR" altLang="en-US" sz="1100" b="1" kern="1200" dirty="0" smtClean="0">
+                <a:solidFill>
+                  <a:schemeClr val="tx1"/>
+                </a:solidFill>
+                <a:latin typeface="Gilroy SemiBold" pitchFamily="2" charset="0"/>
+                <a:ea typeface="Pretendard ExtraBold" panose="02000503000000020004" pitchFamily="2" charset="-127"/>
+                <a:cs typeface="Pretendard ExtraBold" panose="02000503000000020004" pitchFamily="2" charset="-127"/>
+              </a:defRPr>
+            </a:lvl3pPr>
+            <a:lvl4pPr marL="0" indent="0" algn="l" defTabSz="914400" rtl="0" eaLnBrk="1" latinLnBrk="0" hangingPunct="1">
+              <a:buFontTx/>
+              <a:buNone/>
+              <a:defRPr kumimoji="1" lang="ko-KR" altLang="en-US" sz="1100" b="1" kern="1200" dirty="0" smtClean="0">
+                <a:solidFill>
+                  <a:schemeClr val="tx1"/>
+                </a:solidFill>
+                <a:latin typeface="Gilroy SemiBold" pitchFamily="2" charset="0"/>
+                <a:ea typeface="Pretendard ExtraBold" panose="02000503000000020004" pitchFamily="2" charset="-127"/>
+                <a:cs typeface="Pretendard ExtraBold" panose="02000503000000020004" pitchFamily="2" charset="-127"/>
+              </a:defRPr>
+            </a:lvl4pPr>
+            <a:lvl5pPr marL="0" indent="0" algn="l" defTabSz="914400" rtl="0" eaLnBrk="1" latinLnBrk="0" hangingPunct="1">
+              <a:buFontTx/>
+              <a:buNone/>
+              <a:defRPr kumimoji="1" lang="ko-Kore-KR" altLang="en-US" sz="1100" b="1" kern="1200" dirty="0">
+                <a:solidFill>
+                  <a:schemeClr val="tx1"/>
+                </a:solidFill>
+                <a:latin typeface="Gilroy SemiBold" pitchFamily="2" charset="0"/>
+                <a:ea typeface="Pretendard ExtraBold" panose="02000503000000020004" pitchFamily="2" charset="-127"/>
+                <a:cs typeface="Pretendard ExtraBold" panose="02000503000000020004" pitchFamily="2" charset="-127"/>
+              </a:defRPr>
+            </a:lvl5pPr>
+          </a:lstStyle>
+          <a:p>
+            <a:r>
+              <a:rPr kumimoji="1" lang="en-US" altLang="ko-Kore-KR" sz="1100" b="1" dirty="0">
+                <a:latin typeface="Gilroy SemiBold" pitchFamily="2" charset="0"/>
+                <a:ea typeface="Pretendard ExtraBold" panose="02000503000000020004" pitchFamily="2" charset="-127"/>
+                <a:cs typeface="Pretendard ExtraBold" panose="02000503000000020004" pitchFamily="2" charset="-127"/>
+              </a:rPr>
+              <a:t>PART</a:t>
+            </a:r>
+            <a:endParaRPr kumimoji="1" lang="ko-Kore-KR" altLang="en-US" sz="1100" b="1" dirty="0">
+              <a:latin typeface="Gilroy SemiBold" pitchFamily="2" charset="0"/>
+              <a:ea typeface="Pretendard ExtraBold" panose="02000503000000020004" pitchFamily="2" charset="-127"/>
+              <a:cs typeface="Pretendard ExtraBold" panose="02000503000000020004" pitchFamily="2" charset="-127"/>
+            </a:endParaRPr>
+          </a:p>
+        </p:txBody>
+      </p:sp>
     </p:spTree>
     <p:extLst>
       <p:ext uri="{BB962C8B-B14F-4D97-AF65-F5344CB8AC3E}">
-        <p14:creationId xmlns:p14="http://schemas.microsoft.com/office/powerpoint/2010/main" val="514687504"/>
+        <p14:creationId xmlns:p14="http://schemas.microsoft.com/office/powerpoint/2010/main" val="3350193415"/>
       </p:ext>
     </p:extLst>
   </p:cSld>
@@ -2663,19 +3307,13 @@
 </file>
 
 <file path=ppt/slideLayouts/slideLayout3.xml><?xml version="1.0" encoding="utf-8"?>
-<p:sldLayout xmlns:a="http://schemas.openxmlformats.org/drawingml/2006/main" xmlns:r="http://schemas.openxmlformats.org/officeDocument/2006/relationships" xmlns:p="http://schemas.openxmlformats.org/presentationml/2006/main" type="title" preserve="1">
-  <p:cSld name="2_제목 슬라이드">
+<p:sldLayout xmlns:a="http://schemas.openxmlformats.org/drawingml/2006/main" xmlns:r="http://schemas.openxmlformats.org/officeDocument/2006/relationships" xmlns:p="http://schemas.openxmlformats.org/presentationml/2006/main" preserve="1" userDrawn="1">
+  <p:cSld name="간지_서브">
     <p:bg>
       <p:bgPr>
-        <a:blipFill dpi="0" rotWithShape="1">
-          <a:blip r:embed="rId2">
-            <a:lum/>
-          </a:blip>
-          <a:srcRect/>
-          <a:stretch>
-            <a:fillRect/>
-          </a:stretch>
-        </a:blipFill>
+        <a:solidFill>
+          <a:schemeClr val="bg1"/>
+        </a:solidFill>
         <a:effectLst/>
       </p:bgPr>
     </p:bg>
@@ -2705,17 +3343,27 @@
         </p:nvSpPr>
         <p:spPr>
           <a:xfrm>
-            <a:off x="664366" y="1356118"/>
-            <a:ext cx="6858000" cy="629841"/>
+            <a:off x="664366" y="1334347"/>
+            <a:ext cx="7703120" cy="629841"/>
           </a:xfrm>
+          <a:prstGeom prst="rect">
+            <a:avLst/>
+          </a:prstGeom>
         </p:spPr>
         <p:txBody>
-          <a:bodyPr anchor="ctr" anchorCtr="0"/>
+          <a:bodyPr anchor="ctr" anchorCtr="1"/>
           <a:lstStyle>
-            <a:lvl1pPr algn="r">
+            <a:lvl1pPr algn="ctr">
               <a:defRPr sz="2800">
-                <a:latin typeface="Spoqa Han Sans Neo Bold" panose="020B0800000000000000" pitchFamily="50" charset="-127"/>
-                <a:ea typeface="Spoqa Han Sans Neo Bold" panose="020B0800000000000000" pitchFamily="50" charset="-127"/>
+                <a:solidFill>
+                  <a:schemeClr val="tx1">
+                    <a:lumMod val="85000"/>
+                    <a:lumOff val="15000"/>
+                  </a:schemeClr>
+                </a:solidFill>
+                <a:latin typeface="Pretendard ExtraBold" panose="02000903000000020004" pitchFamily="2" charset="-127"/>
+                <a:ea typeface="Pretendard ExtraBold" panose="02000903000000020004" pitchFamily="2" charset="-127"/>
+                <a:cs typeface="Pretendard ExtraBold" panose="02000903000000020004" pitchFamily="2" charset="-127"/>
               </a:defRPr>
             </a:lvl1pPr>
           </a:lstStyle>
@@ -2740,20 +3388,29 @@
         </p:nvSpPr>
         <p:spPr>
           <a:xfrm>
-            <a:off x="664365" y="2001434"/>
-            <a:ext cx="6858000" cy="377428"/>
+            <a:off x="664366" y="1965502"/>
+            <a:ext cx="7703120" cy="357214"/>
           </a:xfrm>
+          <a:prstGeom prst="rect">
+            <a:avLst/>
+          </a:prstGeom>
         </p:spPr>
         <p:txBody>
-          <a:bodyPr vert="horz" lIns="91440" tIns="45720" rIns="91440" bIns="45720" rtlCol="0" anchor="ctr" anchorCtr="0">
-            <a:normAutofit/>
+          <a:bodyPr vert="horz" wrap="square" lIns="91440" tIns="45720" rIns="91440" bIns="45720" rtlCol="0" anchor="ctr" anchorCtr="1">
+            <a:spAutoFit/>
           </a:bodyPr>
           <a:lstStyle>
-            <a:lvl1pPr>
+            <a:lvl1pPr algn="r">
               <a:defRPr lang="en-US" sz="1300" dirty="0">
-                <a:latin typeface="Spoqa Han Sans Neo Bold" panose="020B0800000000000000" pitchFamily="50" charset="-127"/>
-                <a:ea typeface="Spoqa Han Sans Neo Bold" panose="020B0800000000000000" pitchFamily="50" charset="-127"/>
-                <a:cs typeface="+mj-cs"/>
+                <a:solidFill>
+                  <a:schemeClr val="tx1">
+                    <a:lumMod val="65000"/>
+                    <a:lumOff val="35000"/>
+                  </a:schemeClr>
+                </a:solidFill>
+                <a:latin typeface="Pretendard ExtraBold" panose="02000903000000020004" pitchFamily="2" charset="-127"/>
+                <a:ea typeface="Pretendard ExtraBold" panose="02000903000000020004" pitchFamily="2" charset="-127"/>
+                <a:cs typeface="Pretendard ExtraBold" panose="02000903000000020004" pitchFamily="2" charset="-127"/>
               </a:defRPr>
             </a:lvl1pPr>
           </a:lstStyle>
@@ -2772,10 +3429,237 @@
           </a:p>
         </p:txBody>
       </p:sp>
+      <p:cxnSp>
+        <p:nvCxnSpPr>
+          <p:cNvPr id="4" name="직선 연결선[R] 19">
+            <a:extLst>
+              <a:ext uri="{FF2B5EF4-FFF2-40B4-BE49-F238E27FC236}">
+                <a16:creationId xmlns:a16="http://schemas.microsoft.com/office/drawing/2014/main" id="{85AC3ABC-27F1-19F1-9674-0777BF0C6BCC}"/>
+              </a:ext>
+            </a:extLst>
+          </p:cNvPr>
+          <p:cNvCxnSpPr>
+            <a:cxnSpLocks/>
+          </p:cNvCxnSpPr>
+          <p:nvPr userDrawn="1"/>
+        </p:nvCxnSpPr>
+        <p:spPr>
+          <a:xfrm>
+            <a:off x="142875" y="423352"/>
+            <a:ext cx="8819347" cy="0"/>
+          </a:xfrm>
+          <a:prstGeom prst="line">
+            <a:avLst/>
+          </a:prstGeom>
+          <a:ln>
+            <a:solidFill>
+              <a:srgbClr val="B3B3B3"/>
+            </a:solidFill>
+          </a:ln>
+        </p:spPr>
+        <p:style>
+          <a:lnRef idx="1">
+            <a:schemeClr val="accent1"/>
+          </a:lnRef>
+          <a:fillRef idx="0">
+            <a:schemeClr val="accent1"/>
+          </a:fillRef>
+          <a:effectRef idx="0">
+            <a:schemeClr val="accent1"/>
+          </a:effectRef>
+          <a:fontRef idx="minor">
+            <a:schemeClr val="tx1"/>
+          </a:fontRef>
+        </p:style>
+      </p:cxnSp>
+      <p:cxnSp>
+        <p:nvCxnSpPr>
+          <p:cNvPr id="5" name="직선 연결선[R] 19">
+            <a:extLst>
+              <a:ext uri="{FF2B5EF4-FFF2-40B4-BE49-F238E27FC236}">
+                <a16:creationId xmlns:a16="http://schemas.microsoft.com/office/drawing/2014/main" id="{8BC07E48-AB77-F79B-6F7C-A67E8C9F5BC6}"/>
+              </a:ext>
+            </a:extLst>
+          </p:cNvPr>
+          <p:cNvCxnSpPr>
+            <a:cxnSpLocks/>
+          </p:cNvCxnSpPr>
+          <p:nvPr userDrawn="1"/>
+        </p:nvCxnSpPr>
+        <p:spPr>
+          <a:xfrm>
+            <a:off x="162326" y="4774459"/>
+            <a:ext cx="8819347" cy="0"/>
+          </a:xfrm>
+          <a:prstGeom prst="line">
+            <a:avLst/>
+          </a:prstGeom>
+          <a:ln>
+            <a:solidFill>
+              <a:srgbClr val="B3B3B3"/>
+            </a:solidFill>
+          </a:ln>
+        </p:spPr>
+        <p:style>
+          <a:lnRef idx="1">
+            <a:schemeClr val="accent1"/>
+          </a:lnRef>
+          <a:fillRef idx="0">
+            <a:schemeClr val="accent1"/>
+          </a:fillRef>
+          <a:effectRef idx="0">
+            <a:schemeClr val="accent1"/>
+          </a:effectRef>
+          <a:fontRef idx="minor">
+            <a:schemeClr val="tx1"/>
+          </a:fontRef>
+        </p:style>
+      </p:cxnSp>
+      <p:pic>
+        <p:nvPicPr>
+          <p:cNvPr id="7" name="그림 6">
+            <a:extLst>
+              <a:ext uri="{FF2B5EF4-FFF2-40B4-BE49-F238E27FC236}">
+                <a16:creationId xmlns:a16="http://schemas.microsoft.com/office/drawing/2014/main" id="{31071FF2-711C-9AC0-979E-627D186D88EE}"/>
+              </a:ext>
+            </a:extLst>
+          </p:cNvPr>
+          <p:cNvPicPr>
+            <a:picLocks noChangeAspect="1"/>
+          </p:cNvPicPr>
+          <p:nvPr userDrawn="1"/>
+        </p:nvPicPr>
+        <p:blipFill>
+          <a:blip r:embed="rId2"/>
+          <a:stretch>
+            <a:fillRect/>
+          </a:stretch>
+        </p:blipFill>
+        <p:spPr>
+          <a:xfrm>
+            <a:off x="3969217" y="4774459"/>
+            <a:ext cx="1205565" cy="370178"/>
+          </a:xfrm>
+          <a:prstGeom prst="rect">
+            <a:avLst/>
+          </a:prstGeom>
+        </p:spPr>
+      </p:pic>
+      <p:sp>
+        <p:nvSpPr>
+          <p:cNvPr id="9" name="텍스트 개체 틀 52">
+            <a:extLst>
+              <a:ext uri="{FF2B5EF4-FFF2-40B4-BE49-F238E27FC236}">
+                <a16:creationId xmlns:a16="http://schemas.microsoft.com/office/drawing/2014/main" id="{37DA8257-444C-E0A5-7F79-6D33BD15381C}"/>
+              </a:ext>
+            </a:extLst>
+          </p:cNvPr>
+          <p:cNvSpPr>
+            <a:spLocks noGrp="1"/>
+          </p:cNvSpPr>
+          <p:nvPr>
+            <p:ph type="body" sz="quarter" idx="10" hasCustomPrompt="1"/>
+          </p:nvPr>
+        </p:nvSpPr>
+        <p:spPr>
+          <a:xfrm>
+            <a:off x="1904044" y="108472"/>
+            <a:ext cx="5335912" cy="260568"/>
+          </a:xfrm>
+          <a:prstGeom prst="rect">
+            <a:avLst/>
+          </a:prstGeom>
+        </p:spPr>
+        <p:txBody>
+          <a:bodyPr wrap="square">
+            <a:spAutoFit/>
+          </a:bodyPr>
+          <a:lstStyle>
+            <a:lvl1pPr marL="0" indent="0" algn="ctr" defTabSz="914400" rtl="0" eaLnBrk="1" latinLnBrk="0" hangingPunct="1">
+              <a:lnSpc>
+                <a:spcPct val="100000"/>
+              </a:lnSpc>
+              <a:buFontTx/>
+              <a:buNone/>
+              <a:defRPr kumimoji="1" lang="ko-KR" altLang="en-US" sz="1100" b="1" kern="1200" dirty="0" smtClean="0">
+                <a:solidFill>
+                  <a:schemeClr val="tx1"/>
+                </a:solidFill>
+                <a:latin typeface="Gilroy SemiBold" pitchFamily="2" charset="0"/>
+                <a:ea typeface="Pretendard ExtraBold" panose="02000503000000020004" pitchFamily="2" charset="-127"/>
+                <a:cs typeface="Pretendard ExtraBold" panose="02000503000000020004" pitchFamily="2" charset="-127"/>
+              </a:defRPr>
+            </a:lvl1pPr>
+            <a:lvl2pPr marL="0" indent="0" algn="l" defTabSz="914400" rtl="0" eaLnBrk="1" latinLnBrk="0" hangingPunct="1">
+              <a:buFontTx/>
+              <a:buNone/>
+              <a:defRPr kumimoji="1" lang="ko-KR" altLang="en-US" sz="1100" b="1" kern="1200" dirty="0" smtClean="0">
+                <a:solidFill>
+                  <a:schemeClr val="tx1"/>
+                </a:solidFill>
+                <a:latin typeface="Gilroy SemiBold" pitchFamily="2" charset="0"/>
+                <a:ea typeface="Pretendard ExtraBold" panose="02000503000000020004" pitchFamily="2" charset="-127"/>
+                <a:cs typeface="Pretendard ExtraBold" panose="02000503000000020004" pitchFamily="2" charset="-127"/>
+              </a:defRPr>
+            </a:lvl2pPr>
+            <a:lvl3pPr marL="0" indent="0" algn="l" defTabSz="914400" rtl="0" eaLnBrk="1" latinLnBrk="0" hangingPunct="1">
+              <a:buFontTx/>
+              <a:buNone/>
+              <a:defRPr kumimoji="1" lang="ko-KR" altLang="en-US" sz="1100" b="1" kern="1200" dirty="0" smtClean="0">
+                <a:solidFill>
+                  <a:schemeClr val="tx1"/>
+                </a:solidFill>
+                <a:latin typeface="Gilroy SemiBold" pitchFamily="2" charset="0"/>
+                <a:ea typeface="Pretendard ExtraBold" panose="02000503000000020004" pitchFamily="2" charset="-127"/>
+                <a:cs typeface="Pretendard ExtraBold" panose="02000503000000020004" pitchFamily="2" charset="-127"/>
+              </a:defRPr>
+            </a:lvl3pPr>
+            <a:lvl4pPr marL="0" indent="0" algn="l" defTabSz="914400" rtl="0" eaLnBrk="1" latinLnBrk="0" hangingPunct="1">
+              <a:buFontTx/>
+              <a:buNone/>
+              <a:defRPr kumimoji="1" lang="ko-KR" altLang="en-US" sz="1100" b="1" kern="1200" dirty="0" smtClean="0">
+                <a:solidFill>
+                  <a:schemeClr val="tx1"/>
+                </a:solidFill>
+                <a:latin typeface="Gilroy SemiBold" pitchFamily="2" charset="0"/>
+                <a:ea typeface="Pretendard ExtraBold" panose="02000503000000020004" pitchFamily="2" charset="-127"/>
+                <a:cs typeface="Pretendard ExtraBold" panose="02000503000000020004" pitchFamily="2" charset="-127"/>
+              </a:defRPr>
+            </a:lvl4pPr>
+            <a:lvl5pPr marL="0" indent="0" algn="l" defTabSz="914400" rtl="0" eaLnBrk="1" latinLnBrk="0" hangingPunct="1">
+              <a:buFontTx/>
+              <a:buNone/>
+              <a:defRPr kumimoji="1" lang="ko-Kore-KR" altLang="en-US" sz="1100" b="1" kern="1200" dirty="0">
+                <a:solidFill>
+                  <a:schemeClr val="tx1"/>
+                </a:solidFill>
+                <a:latin typeface="Gilroy SemiBold" pitchFamily="2" charset="0"/>
+                <a:ea typeface="Pretendard ExtraBold" panose="02000503000000020004" pitchFamily="2" charset="-127"/>
+                <a:cs typeface="Pretendard ExtraBold" panose="02000503000000020004" pitchFamily="2" charset="-127"/>
+              </a:defRPr>
+            </a:lvl5pPr>
+          </a:lstStyle>
+          <a:p>
+            <a:r>
+              <a:rPr kumimoji="1" lang="en-US" altLang="ko-Kore-KR" sz="1100" b="1" dirty="0">
+                <a:latin typeface="Gilroy SemiBold" pitchFamily="2" charset="0"/>
+                <a:ea typeface="Pretendard ExtraBold" panose="02000503000000020004" pitchFamily="2" charset="-127"/>
+                <a:cs typeface="Pretendard ExtraBold" panose="02000503000000020004" pitchFamily="2" charset="-127"/>
+              </a:rPr>
+              <a:t>CLIP</a:t>
+            </a:r>
+            <a:endParaRPr kumimoji="1" lang="ko-Kore-KR" altLang="en-US" sz="1100" b="1" dirty="0">
+              <a:latin typeface="Gilroy SemiBold" pitchFamily="2" charset="0"/>
+              <a:ea typeface="Pretendard ExtraBold" panose="02000503000000020004" pitchFamily="2" charset="-127"/>
+              <a:cs typeface="Pretendard ExtraBold" panose="02000503000000020004" pitchFamily="2" charset="-127"/>
+            </a:endParaRPr>
+          </a:p>
+        </p:txBody>
+      </p:sp>
     </p:spTree>
     <p:extLst>
       <p:ext uri="{BB962C8B-B14F-4D97-AF65-F5344CB8AC3E}">
-        <p14:creationId xmlns:p14="http://schemas.microsoft.com/office/powerpoint/2010/main" val="2962454733"/>
+        <p14:creationId xmlns:p14="http://schemas.microsoft.com/office/powerpoint/2010/main" val="1680873479"/>
       </p:ext>
     </p:extLst>
   </p:cSld>
@@ -2801,20 +3685,14 @@
 </p:sldLayout>
 </file>
 
-<file path=ppt/slideLayouts/slideLayout4.xml><?xml version="1.0" encoding="utf-8"?>
-<p:sldLayout xmlns:a="http://schemas.openxmlformats.org/drawingml/2006/main" xmlns:r="http://schemas.openxmlformats.org/officeDocument/2006/relationships" xmlns:p="http://schemas.openxmlformats.org/presentationml/2006/main" type="title" preserve="1">
-  <p:cSld name="3_제목 슬라이드">
+<file path=ppt/slideMasters/slideMaster1.xml><?xml version="1.0" encoding="utf-8"?>
+<p:sldMaster xmlns:a="http://schemas.openxmlformats.org/drawingml/2006/main" xmlns:r="http://schemas.openxmlformats.org/officeDocument/2006/relationships" xmlns:p="http://schemas.openxmlformats.org/presentationml/2006/main" preserve="1">
+  <p:cSld>
     <p:bg>
       <p:bgPr>
-        <a:blipFill dpi="0" rotWithShape="1">
-          <a:blip r:embed="rId2">
-            <a:lum/>
-          </a:blip>
-          <a:srcRect/>
-          <a:stretch>
-            <a:fillRect/>
-          </a:stretch>
-        </a:blipFill>
+        <a:solidFill>
+          <a:schemeClr val="bg1"/>
+        </a:solidFill>
         <a:effectLst/>
       </p:bgPr>
     </p:bg>
@@ -2832,784 +3710,20 @@
           <a:chExt cx="0" cy="0"/>
         </a:xfrm>
       </p:grpSpPr>
-      <p:sp>
-        <p:nvSpPr>
-          <p:cNvPr id="2" name="Title 1"/>
-          <p:cNvSpPr>
-            <a:spLocks noGrp="1"/>
-          </p:cNvSpPr>
-          <p:nvPr>
-            <p:ph type="ctrTitle"/>
-          </p:nvPr>
-        </p:nvSpPr>
-        <p:spPr>
-          <a:xfrm>
-            <a:off x="664366" y="1356118"/>
-            <a:ext cx="6858000" cy="629841"/>
-          </a:xfrm>
-        </p:spPr>
-        <p:txBody>
-          <a:bodyPr anchor="ctr" anchorCtr="0"/>
-          <a:lstStyle>
-            <a:lvl1pPr algn="r">
-              <a:defRPr sz="2800">
-                <a:latin typeface="Spoqa Han Sans Neo Bold" panose="020B0800000000000000" pitchFamily="50" charset="-127"/>
-                <a:ea typeface="Spoqa Han Sans Neo Bold" panose="020B0800000000000000" pitchFamily="50" charset="-127"/>
-              </a:defRPr>
-            </a:lvl1pPr>
-          </a:lstStyle>
-          <a:p>
-            <a:r>
-              <a:rPr lang="ko-KR" altLang="en-US" dirty="0"/>
-              <a:t>마스터 제목 스타일 편집</a:t>
-            </a:r>
-            <a:endParaRPr lang="en-US" dirty="0"/>
-          </a:p>
-        </p:txBody>
-      </p:sp>
-      <p:sp>
-        <p:nvSpPr>
-          <p:cNvPr id="3" name="Subtitle 2"/>
-          <p:cNvSpPr>
-            <a:spLocks noGrp="1"/>
-          </p:cNvSpPr>
-          <p:nvPr>
-            <p:ph type="subTitle" idx="1"/>
-          </p:nvPr>
-        </p:nvSpPr>
-        <p:spPr>
-          <a:xfrm>
-            <a:off x="664365" y="2001434"/>
-            <a:ext cx="6858000" cy="377428"/>
-          </a:xfrm>
-        </p:spPr>
-        <p:txBody>
-          <a:bodyPr vert="horz" lIns="91440" tIns="45720" rIns="91440" bIns="45720" rtlCol="0" anchor="ctr" anchorCtr="0">
-            <a:normAutofit/>
-          </a:bodyPr>
-          <a:lstStyle>
-            <a:lvl1pPr>
-              <a:defRPr lang="en-US" sz="1300" dirty="0">
-                <a:latin typeface="Spoqa Han Sans Neo Bold" panose="020B0800000000000000" pitchFamily="50" charset="-127"/>
-                <a:ea typeface="Spoqa Han Sans Neo Bold" panose="020B0800000000000000" pitchFamily="50" charset="-127"/>
-                <a:cs typeface="+mj-cs"/>
-              </a:defRPr>
-            </a:lvl1pPr>
-          </a:lstStyle>
-          <a:p>
-            <a:pPr lvl="0" algn="r">
-              <a:spcBef>
-                <a:spcPct val="0"/>
-              </a:spcBef>
-              <a:buNone/>
-            </a:pPr>
-            <a:r>
-              <a:rPr lang="ko-KR" altLang="en-US" dirty="0"/>
-              <a:t>클릭하여 마스터 부제목 스타일 편집</a:t>
-            </a:r>
-            <a:endParaRPr lang="en-US" dirty="0"/>
-          </a:p>
-        </p:txBody>
-      </p:sp>
     </p:spTree>
     <p:extLst>
       <p:ext uri="{BB962C8B-B14F-4D97-AF65-F5344CB8AC3E}">
-        <p14:creationId xmlns:p14="http://schemas.microsoft.com/office/powerpoint/2010/main" val="2241845978"/>
-      </p:ext>
-    </p:extLst>
-  </p:cSld>
-  <p:clrMapOvr>
-    <a:masterClrMapping/>
-  </p:clrMapOvr>
-  <p:extLst>
-    <p:ext uri="{DCECCB84-F9BA-43D5-87BE-67443E8EF086}">
-      <p15:sldGuideLst xmlns:p15="http://schemas.microsoft.com/office/powerpoint/2012/main">
-        <p15:guide id="1" orient="horz" pos="1620">
-          <p15:clr>
-            <a:srgbClr val="FBAE40"/>
-          </p15:clr>
-        </p15:guide>
-        <p15:guide id="2" pos="2880">
-          <p15:clr>
-            <a:srgbClr val="FBAE40"/>
-          </p15:clr>
-        </p15:guide>
-      </p15:sldGuideLst>
-    </p:ext>
-  </p:extLst>
-</p:sldLayout>
-</file>
-
-<file path=ppt/slideLayouts/slideLayout5.xml><?xml version="1.0" encoding="utf-8"?>
-<p:sldLayout xmlns:a="http://schemas.openxmlformats.org/drawingml/2006/main" xmlns:r="http://schemas.openxmlformats.org/officeDocument/2006/relationships" xmlns:p="http://schemas.openxmlformats.org/presentationml/2006/main" type="title" preserve="1">
-  <p:cSld name="4_제목 슬라이드">
-    <p:bg>
-      <p:bgPr>
-        <a:blipFill dpi="0" rotWithShape="1">
-          <a:blip r:embed="rId2">
-            <a:lum/>
-          </a:blip>
-          <a:srcRect/>
-          <a:stretch>
-            <a:fillRect/>
-          </a:stretch>
-        </a:blipFill>
-        <a:effectLst/>
-      </p:bgPr>
-    </p:bg>
-    <p:spTree>
-      <p:nvGrpSpPr>
-        <p:cNvPr id="1" name=""/>
-        <p:cNvGrpSpPr/>
-        <p:nvPr/>
-      </p:nvGrpSpPr>
-      <p:grpSpPr>
-        <a:xfrm>
-          <a:off x="0" y="0"/>
-          <a:ext cx="0" cy="0"/>
-          <a:chOff x="0" y="0"/>
-          <a:chExt cx="0" cy="0"/>
-        </a:xfrm>
-      </p:grpSpPr>
-      <p:sp>
-        <p:nvSpPr>
-          <p:cNvPr id="2" name="Title 1"/>
-          <p:cNvSpPr>
-            <a:spLocks noGrp="1"/>
-          </p:cNvSpPr>
-          <p:nvPr>
-            <p:ph type="ctrTitle"/>
-          </p:nvPr>
-        </p:nvSpPr>
-        <p:spPr>
-          <a:xfrm>
-            <a:off x="664366" y="1356118"/>
-            <a:ext cx="6858000" cy="629841"/>
-          </a:xfrm>
-        </p:spPr>
-        <p:txBody>
-          <a:bodyPr anchor="ctr" anchorCtr="0"/>
-          <a:lstStyle>
-            <a:lvl1pPr algn="r">
-              <a:defRPr sz="2800">
-                <a:latin typeface="Spoqa Han Sans Neo Bold" panose="020B0800000000000000" pitchFamily="50" charset="-127"/>
-                <a:ea typeface="Spoqa Han Sans Neo Bold" panose="020B0800000000000000" pitchFamily="50" charset="-127"/>
-              </a:defRPr>
-            </a:lvl1pPr>
-          </a:lstStyle>
-          <a:p>
-            <a:r>
-              <a:rPr lang="ko-KR" altLang="en-US" dirty="0"/>
-              <a:t>마스터 제목 스타일 편집</a:t>
-            </a:r>
-            <a:endParaRPr lang="en-US" dirty="0"/>
-          </a:p>
-        </p:txBody>
-      </p:sp>
-      <p:sp>
-        <p:nvSpPr>
-          <p:cNvPr id="3" name="Subtitle 2"/>
-          <p:cNvSpPr>
-            <a:spLocks noGrp="1"/>
-          </p:cNvSpPr>
-          <p:nvPr>
-            <p:ph type="subTitle" idx="1"/>
-          </p:nvPr>
-        </p:nvSpPr>
-        <p:spPr>
-          <a:xfrm>
-            <a:off x="664365" y="2001434"/>
-            <a:ext cx="6858000" cy="377428"/>
-          </a:xfrm>
-        </p:spPr>
-        <p:txBody>
-          <a:bodyPr vert="horz" lIns="91440" tIns="45720" rIns="91440" bIns="45720" rtlCol="0" anchor="ctr" anchorCtr="0">
-            <a:normAutofit/>
-          </a:bodyPr>
-          <a:lstStyle>
-            <a:lvl1pPr>
-              <a:defRPr lang="en-US" sz="1300" dirty="0">
-                <a:latin typeface="Spoqa Han Sans Neo Bold" panose="020B0800000000000000" pitchFamily="50" charset="-127"/>
-                <a:ea typeface="Spoqa Han Sans Neo Bold" panose="020B0800000000000000" pitchFamily="50" charset="-127"/>
-                <a:cs typeface="+mj-cs"/>
-              </a:defRPr>
-            </a:lvl1pPr>
-          </a:lstStyle>
-          <a:p>
-            <a:pPr lvl="0" algn="r">
-              <a:spcBef>
-                <a:spcPct val="0"/>
-              </a:spcBef>
-              <a:buNone/>
-            </a:pPr>
-            <a:r>
-              <a:rPr lang="ko-KR" altLang="en-US" dirty="0"/>
-              <a:t>클릭하여 마스터 부제목 스타일 편집</a:t>
-            </a:r>
-            <a:endParaRPr lang="en-US" dirty="0"/>
-          </a:p>
-        </p:txBody>
-      </p:sp>
-    </p:spTree>
-    <p:extLst>
-      <p:ext uri="{BB962C8B-B14F-4D97-AF65-F5344CB8AC3E}">
-        <p14:creationId xmlns:p14="http://schemas.microsoft.com/office/powerpoint/2010/main" val="2368410905"/>
-      </p:ext>
-    </p:extLst>
-  </p:cSld>
-  <p:clrMapOvr>
-    <a:masterClrMapping/>
-  </p:clrMapOvr>
-  <p:extLst>
-    <p:ext uri="{DCECCB84-F9BA-43D5-87BE-67443E8EF086}">
-      <p15:sldGuideLst xmlns:p15="http://schemas.microsoft.com/office/powerpoint/2012/main">
-        <p15:guide id="1" orient="horz" pos="1620">
-          <p15:clr>
-            <a:srgbClr val="FBAE40"/>
-          </p15:clr>
-        </p15:guide>
-        <p15:guide id="2" pos="2880">
-          <p15:clr>
-            <a:srgbClr val="FBAE40"/>
-          </p15:clr>
-        </p15:guide>
-      </p15:sldGuideLst>
-    </p:ext>
-  </p:extLst>
-</p:sldLayout>
-</file>
-
-<file path=ppt/slideLayouts/slideLayout6.xml><?xml version="1.0" encoding="utf-8"?>
-<p:sldLayout xmlns:a="http://schemas.openxmlformats.org/drawingml/2006/main" xmlns:r="http://schemas.openxmlformats.org/officeDocument/2006/relationships" xmlns:p="http://schemas.openxmlformats.org/presentationml/2006/main" type="title" preserve="1">
-  <p:cSld name="7_제목 슬라이드">
-    <p:bg>
-      <p:bgPr>
-        <a:blipFill dpi="0" rotWithShape="1">
-          <a:blip r:embed="rId2">
-            <a:lum/>
-          </a:blip>
-          <a:srcRect/>
-          <a:stretch>
-            <a:fillRect/>
-          </a:stretch>
-        </a:blipFill>
-        <a:effectLst/>
-      </p:bgPr>
-    </p:bg>
-    <p:spTree>
-      <p:nvGrpSpPr>
-        <p:cNvPr id="1" name=""/>
-        <p:cNvGrpSpPr/>
-        <p:nvPr/>
-      </p:nvGrpSpPr>
-      <p:grpSpPr>
-        <a:xfrm>
-          <a:off x="0" y="0"/>
-          <a:ext cx="0" cy="0"/>
-          <a:chOff x="0" y="0"/>
-          <a:chExt cx="0" cy="0"/>
-        </a:xfrm>
-      </p:grpSpPr>
-      <p:sp>
-        <p:nvSpPr>
-          <p:cNvPr id="2" name="Title 1"/>
-          <p:cNvSpPr>
-            <a:spLocks noGrp="1"/>
-          </p:cNvSpPr>
-          <p:nvPr>
-            <p:ph type="ctrTitle"/>
-          </p:nvPr>
-        </p:nvSpPr>
-        <p:spPr>
-          <a:xfrm>
-            <a:off x="664366" y="1356118"/>
-            <a:ext cx="6858000" cy="629841"/>
-          </a:xfrm>
-        </p:spPr>
-        <p:txBody>
-          <a:bodyPr anchor="ctr" anchorCtr="0"/>
-          <a:lstStyle>
-            <a:lvl1pPr algn="r">
-              <a:defRPr sz="2800">
-                <a:solidFill>
-                  <a:schemeClr val="bg1"/>
-                </a:solidFill>
-                <a:latin typeface="Spoqa Han Sans Neo Bold" panose="020B0800000000000000" pitchFamily="50" charset="-127"/>
-                <a:ea typeface="Spoqa Han Sans Neo Bold" panose="020B0800000000000000" pitchFamily="50" charset="-127"/>
-              </a:defRPr>
-            </a:lvl1pPr>
-          </a:lstStyle>
-          <a:p>
-            <a:r>
-              <a:rPr lang="ko-KR" altLang="en-US" dirty="0"/>
-              <a:t>마스터 제목 스타일 편집</a:t>
-            </a:r>
-            <a:endParaRPr lang="en-US" dirty="0"/>
-          </a:p>
-        </p:txBody>
-      </p:sp>
-      <p:sp>
-        <p:nvSpPr>
-          <p:cNvPr id="3" name="Subtitle 2"/>
-          <p:cNvSpPr>
-            <a:spLocks noGrp="1"/>
-          </p:cNvSpPr>
-          <p:nvPr>
-            <p:ph type="subTitle" idx="1"/>
-          </p:nvPr>
-        </p:nvSpPr>
-        <p:spPr>
-          <a:xfrm>
-            <a:off x="664365" y="2001434"/>
-            <a:ext cx="6858000" cy="377428"/>
-          </a:xfrm>
-        </p:spPr>
-        <p:txBody>
-          <a:bodyPr vert="horz" lIns="91440" tIns="45720" rIns="91440" bIns="45720" rtlCol="0" anchor="ctr" anchorCtr="0">
-            <a:normAutofit/>
-          </a:bodyPr>
-          <a:lstStyle>
-            <a:lvl1pPr>
-              <a:defRPr lang="en-US" sz="1300" dirty="0">
-                <a:solidFill>
-                  <a:schemeClr val="bg1"/>
-                </a:solidFill>
-                <a:latin typeface="Spoqa Han Sans Neo Bold" panose="020B0800000000000000" pitchFamily="50" charset="-127"/>
-                <a:ea typeface="Spoqa Han Sans Neo Bold" panose="020B0800000000000000" pitchFamily="50" charset="-127"/>
-                <a:cs typeface="+mj-cs"/>
-              </a:defRPr>
-            </a:lvl1pPr>
-          </a:lstStyle>
-          <a:p>
-            <a:pPr lvl="0" algn="r">
-              <a:spcBef>
-                <a:spcPct val="0"/>
-              </a:spcBef>
-              <a:buNone/>
-            </a:pPr>
-            <a:r>
-              <a:rPr lang="ko-KR" altLang="en-US" dirty="0"/>
-              <a:t>클릭하여 마스터 부제목 스타일 편집</a:t>
-            </a:r>
-            <a:endParaRPr lang="en-US" dirty="0"/>
-          </a:p>
-        </p:txBody>
-      </p:sp>
-    </p:spTree>
-    <p:extLst>
-      <p:ext uri="{BB962C8B-B14F-4D97-AF65-F5344CB8AC3E}">
-        <p14:creationId xmlns:p14="http://schemas.microsoft.com/office/powerpoint/2010/main" val="3729108942"/>
-      </p:ext>
-    </p:extLst>
-  </p:cSld>
-  <p:clrMapOvr>
-    <a:masterClrMapping/>
-  </p:clrMapOvr>
-  <p:extLst>
-    <p:ext uri="{DCECCB84-F9BA-43D5-87BE-67443E8EF086}">
-      <p15:sldGuideLst xmlns:p15="http://schemas.microsoft.com/office/powerpoint/2012/main">
-        <p15:guide id="1" orient="horz" pos="1620">
-          <p15:clr>
-            <a:srgbClr val="FBAE40"/>
-          </p15:clr>
-        </p15:guide>
-        <p15:guide id="2" pos="2880">
-          <p15:clr>
-            <a:srgbClr val="FBAE40"/>
-          </p15:clr>
-        </p15:guide>
-      </p15:sldGuideLst>
-    </p:ext>
-  </p:extLst>
-</p:sldLayout>
-</file>
-
-<file path=ppt/slideLayouts/slideLayout7.xml><?xml version="1.0" encoding="utf-8"?>
-<p:sldLayout xmlns:a="http://schemas.openxmlformats.org/drawingml/2006/main" xmlns:r="http://schemas.openxmlformats.org/officeDocument/2006/relationships" xmlns:p="http://schemas.openxmlformats.org/presentationml/2006/main" type="obj" preserve="1">
-  <p:cSld name="제목 및 내용">
-    <p:bg>
-      <p:bgPr>
-        <a:blipFill dpi="0" rotWithShape="1">
-          <a:blip r:embed="rId2">
-            <a:lum/>
-          </a:blip>
-          <a:srcRect/>
-          <a:stretch>
-            <a:fillRect/>
-          </a:stretch>
-        </a:blipFill>
-        <a:effectLst/>
-      </p:bgPr>
-    </p:bg>
-    <p:spTree>
-      <p:nvGrpSpPr>
-        <p:cNvPr id="1" name=""/>
-        <p:cNvGrpSpPr/>
-        <p:nvPr/>
-      </p:nvGrpSpPr>
-      <p:grpSpPr>
-        <a:xfrm>
-          <a:off x="0" y="0"/>
-          <a:ext cx="0" cy="0"/>
-          <a:chOff x="0" y="0"/>
-          <a:chExt cx="0" cy="0"/>
-        </a:xfrm>
-      </p:grpSpPr>
-      <p:sp>
-        <p:nvSpPr>
-          <p:cNvPr id="2" name="Title 1"/>
-          <p:cNvSpPr>
-            <a:spLocks noGrp="1"/>
-          </p:cNvSpPr>
-          <p:nvPr>
-            <p:ph type="title"/>
-          </p:nvPr>
-        </p:nvSpPr>
-        <p:spPr>
-          <a:xfrm>
-            <a:off x="628650" y="581030"/>
-            <a:ext cx="7886700" cy="433387"/>
-          </a:xfrm>
-        </p:spPr>
-        <p:txBody>
-          <a:bodyPr lIns="0" anchor="t" anchorCtr="0"/>
-          <a:lstStyle>
-            <a:lvl1pPr>
-              <a:defRPr sz="1100">
-                <a:latin typeface="Spoqa Han Sans Neo Bold" panose="020B0800000000000000" pitchFamily="50" charset="-127"/>
-                <a:ea typeface="Spoqa Han Sans Neo Bold" panose="020B0800000000000000" pitchFamily="50" charset="-127"/>
-              </a:defRPr>
-            </a:lvl1pPr>
-          </a:lstStyle>
-          <a:p>
-            <a:r>
-              <a:rPr lang="ko-KR" altLang="en-US" dirty="0"/>
-              <a:t>마스터 제목 스타일 편집</a:t>
-            </a:r>
-            <a:endParaRPr lang="en-US" dirty="0"/>
-          </a:p>
-        </p:txBody>
-      </p:sp>
-      <p:sp>
-        <p:nvSpPr>
-          <p:cNvPr id="3" name="Content Placeholder 2"/>
-          <p:cNvSpPr>
-            <a:spLocks noGrp="1"/>
-          </p:cNvSpPr>
-          <p:nvPr>
-            <p:ph idx="1"/>
-          </p:nvPr>
-        </p:nvSpPr>
-        <p:spPr>
-          <a:xfrm>
-            <a:off x="628650" y="1171575"/>
-            <a:ext cx="7886700" cy="3971924"/>
-          </a:xfrm>
-        </p:spPr>
-        <p:txBody>
-          <a:bodyPr vert="horz" lIns="91440" tIns="45720" rIns="91440" bIns="45720" rtlCol="0">
-            <a:normAutofit/>
-          </a:bodyPr>
-          <a:lstStyle>
-            <a:lvl1pPr>
-              <a:lnSpc>
-                <a:spcPct val="150000"/>
-              </a:lnSpc>
-              <a:defRPr lang="ko-KR" altLang="en-US" dirty="0" smtClean="0">
-                <a:latin typeface="Spoqa Han Sans Neo Medium" pitchFamily="2" charset="-127"/>
-                <a:ea typeface="Spoqa Han Sans Neo Medium" pitchFamily="2" charset="-127"/>
-              </a:defRPr>
-            </a:lvl1pPr>
-            <a:lvl2pPr>
-              <a:lnSpc>
-                <a:spcPct val="150000"/>
-              </a:lnSpc>
-              <a:defRPr lang="ko-KR" altLang="en-US" dirty="0" smtClean="0">
-                <a:latin typeface="Spoqa Han Sans Neo Medium" pitchFamily="2" charset="-127"/>
-                <a:ea typeface="Spoqa Han Sans Neo Medium" pitchFamily="2" charset="-127"/>
-              </a:defRPr>
-            </a:lvl2pPr>
-            <a:lvl3pPr>
-              <a:lnSpc>
-                <a:spcPct val="150000"/>
-              </a:lnSpc>
-              <a:defRPr lang="ko-KR" altLang="en-US" dirty="0" smtClean="0">
-                <a:latin typeface="Spoqa Han Sans Neo Medium" pitchFamily="2" charset="-127"/>
-                <a:ea typeface="Spoqa Han Sans Neo Medium" pitchFamily="2" charset="-127"/>
-              </a:defRPr>
-            </a:lvl3pPr>
-            <a:lvl4pPr>
-              <a:lnSpc>
-                <a:spcPct val="150000"/>
-              </a:lnSpc>
-              <a:defRPr lang="ko-KR" altLang="en-US" dirty="0" smtClean="0">
-                <a:latin typeface="Spoqa Han Sans Neo Medium" pitchFamily="2" charset="-127"/>
-                <a:ea typeface="Spoqa Han Sans Neo Medium" pitchFamily="2" charset="-127"/>
-              </a:defRPr>
-            </a:lvl4pPr>
-            <a:lvl5pPr>
-              <a:lnSpc>
-                <a:spcPct val="150000"/>
-              </a:lnSpc>
-              <a:defRPr lang="en-US" dirty="0">
-                <a:latin typeface="Spoqa Han Sans Neo Medium" pitchFamily="2" charset="-127"/>
-                <a:ea typeface="Spoqa Han Sans Neo Medium" pitchFamily="2" charset="-127"/>
-              </a:defRPr>
-            </a:lvl5pPr>
-          </a:lstStyle>
-          <a:p>
-            <a:pPr marL="0" lvl="0" indent="0">
-              <a:spcAft>
-                <a:spcPts val="800"/>
-              </a:spcAft>
-              <a:buNone/>
-            </a:pPr>
-            <a:r>
-              <a:rPr lang="ko-KR" altLang="en-US" dirty="0"/>
-              <a:t>마스터 텍스트 스타일을 편집하려면 클릭</a:t>
-            </a:r>
-          </a:p>
-          <a:p>
-            <a:pPr marL="357188" lvl="1">
-              <a:spcAft>
-                <a:spcPts val="800"/>
-              </a:spcAft>
-            </a:pPr>
-            <a:r>
-              <a:rPr lang="ko-KR" altLang="en-US" dirty="0"/>
-              <a:t>두 번째 수준</a:t>
-            </a:r>
-          </a:p>
-          <a:p>
-            <a:pPr marL="536575" lvl="2">
-              <a:spcAft>
-                <a:spcPts val="800"/>
-              </a:spcAft>
-            </a:pPr>
-            <a:r>
-              <a:rPr lang="ko-KR" altLang="en-US" dirty="0"/>
-              <a:t>세 번째 수준</a:t>
-            </a:r>
-          </a:p>
-          <a:p>
-            <a:pPr marL="714375" lvl="3">
-              <a:spcAft>
-                <a:spcPts val="800"/>
-              </a:spcAft>
-            </a:pPr>
-            <a:r>
-              <a:rPr lang="ko-KR" altLang="en-US" dirty="0"/>
-              <a:t>네 번째 수준</a:t>
-            </a:r>
-          </a:p>
-          <a:p>
-            <a:pPr marL="900113" lvl="4">
-              <a:spcAft>
-                <a:spcPts val="800"/>
-              </a:spcAft>
-            </a:pPr>
-            <a:r>
-              <a:rPr lang="ko-KR" altLang="en-US" dirty="0"/>
-              <a:t>다섯 번째 수준</a:t>
-            </a:r>
-            <a:endParaRPr lang="en-US" dirty="0"/>
-          </a:p>
-        </p:txBody>
-      </p:sp>
-    </p:spTree>
-    <p:extLst>
-      <p:ext uri="{BB962C8B-B14F-4D97-AF65-F5344CB8AC3E}">
-        <p14:creationId xmlns:p14="http://schemas.microsoft.com/office/powerpoint/2010/main" val="2925648918"/>
-      </p:ext>
-    </p:extLst>
-  </p:cSld>
-  <p:clrMapOvr>
-    <a:masterClrMapping/>
-  </p:clrMapOvr>
-  <p:extLst>
-    <p:ext uri="{DCECCB84-F9BA-43D5-87BE-67443E8EF086}">
-      <p15:sldGuideLst xmlns:p15="http://schemas.microsoft.com/office/powerpoint/2012/main">
-        <p15:guide id="1" orient="horz" pos="1620" userDrawn="1">
-          <p15:clr>
-            <a:srgbClr val="FBAE40"/>
-          </p15:clr>
-        </p15:guide>
-        <p15:guide id="2" pos="2880" userDrawn="1">
-          <p15:clr>
-            <a:srgbClr val="FBAE40"/>
-          </p15:clr>
-        </p15:guide>
-      </p15:sldGuideLst>
-    </p:ext>
-  </p:extLst>
-</p:sldLayout>
-</file>
-
-<file path=ppt/slideMasters/slideMaster1.xml><?xml version="1.0" encoding="utf-8"?>
-<p:sldMaster xmlns:a="http://schemas.openxmlformats.org/drawingml/2006/main" xmlns:r="http://schemas.openxmlformats.org/officeDocument/2006/relationships" xmlns:p="http://schemas.openxmlformats.org/presentationml/2006/main">
-  <p:cSld>
-    <p:bg>
-      <p:bgPr>
-        <a:blipFill dpi="0" rotWithShape="1">
-          <a:blip r:embed="rId9">
-            <a:lum/>
-          </a:blip>
-          <a:srcRect/>
-          <a:stretch>
-            <a:fillRect/>
-          </a:stretch>
-        </a:blipFill>
-        <a:effectLst/>
-      </p:bgPr>
-    </p:bg>
-    <p:spTree>
-      <p:nvGrpSpPr>
-        <p:cNvPr id="1" name=""/>
-        <p:cNvGrpSpPr/>
-        <p:nvPr/>
-      </p:nvGrpSpPr>
-      <p:grpSpPr>
-        <a:xfrm>
-          <a:off x="0" y="0"/>
-          <a:ext cx="0" cy="0"/>
-          <a:chOff x="0" y="0"/>
-          <a:chExt cx="0" cy="0"/>
-        </a:xfrm>
-      </p:grpSpPr>
-      <p:sp>
-        <p:nvSpPr>
-          <p:cNvPr id="2" name="Title Placeholder 1"/>
-          <p:cNvSpPr>
-            <a:spLocks noGrp="1"/>
-          </p:cNvSpPr>
-          <p:nvPr>
-            <p:ph type="title"/>
-          </p:nvPr>
-        </p:nvSpPr>
-        <p:spPr>
-          <a:xfrm>
-            <a:off x="628650" y="581033"/>
-            <a:ext cx="7886700" cy="533396"/>
-          </a:xfrm>
-          <a:prstGeom prst="rect">
-            <a:avLst/>
-          </a:prstGeom>
-        </p:spPr>
-        <p:txBody>
-          <a:bodyPr vert="horz" lIns="0" tIns="45720" rIns="91440" bIns="45720" rtlCol="0" anchor="t" anchorCtr="0">
-            <a:normAutofit/>
-          </a:bodyPr>
-          <a:lstStyle/>
-          <a:p>
-            <a:pPr lvl="0"/>
-            <a:r>
-              <a:rPr lang="ko-KR" altLang="en-US"/>
-              <a:t>마스터 제목 스타일 편집</a:t>
-            </a:r>
-            <a:endParaRPr lang="en-US" dirty="0"/>
-          </a:p>
-        </p:txBody>
-      </p:sp>
-      <p:sp>
-        <p:nvSpPr>
-          <p:cNvPr id="3" name="Text Placeholder 2"/>
-          <p:cNvSpPr>
-            <a:spLocks noGrp="1"/>
-          </p:cNvSpPr>
-          <p:nvPr>
-            <p:ph type="body" idx="1"/>
-          </p:nvPr>
-        </p:nvSpPr>
-        <p:spPr>
-          <a:xfrm>
-            <a:off x="628650" y="1200150"/>
-            <a:ext cx="7886700" cy="3943349"/>
-          </a:xfrm>
-          <a:prstGeom prst="rect">
-            <a:avLst/>
-          </a:prstGeom>
-        </p:spPr>
-        <p:txBody>
-          <a:bodyPr vert="horz" lIns="91440" tIns="45720" rIns="91440" bIns="45720" rtlCol="0">
-            <a:normAutofit/>
-          </a:bodyPr>
-          <a:lstStyle/>
-          <a:p>
-            <a:pPr marL="0" lvl="0" indent="0">
-              <a:spcAft>
-                <a:spcPts val="800"/>
-              </a:spcAft>
-              <a:buNone/>
-            </a:pPr>
-            <a:r>
-              <a:rPr lang="ko-KR" altLang="en-US" dirty="0"/>
-              <a:t>마스터 텍스트 스타일을 편집하려면 클릭</a:t>
-            </a:r>
-          </a:p>
-          <a:p>
-            <a:pPr marL="357188" lvl="1">
-              <a:spcAft>
-                <a:spcPts val="800"/>
-              </a:spcAft>
-            </a:pPr>
-            <a:r>
-              <a:rPr lang="ko-KR" altLang="en-US" dirty="0"/>
-              <a:t>두 번째 수준</a:t>
-            </a:r>
-          </a:p>
-          <a:p>
-            <a:pPr marL="536575" lvl="2">
-              <a:spcAft>
-                <a:spcPts val="800"/>
-              </a:spcAft>
-            </a:pPr>
-            <a:r>
-              <a:rPr lang="ko-KR" altLang="en-US" dirty="0"/>
-              <a:t>세 번째 수준</a:t>
-            </a:r>
-          </a:p>
-          <a:p>
-            <a:pPr marL="714375" lvl="3">
-              <a:spcAft>
-                <a:spcPts val="800"/>
-              </a:spcAft>
-            </a:pPr>
-            <a:r>
-              <a:rPr lang="ko-KR" altLang="en-US" dirty="0"/>
-              <a:t>네 번째 수준</a:t>
-            </a:r>
-          </a:p>
-          <a:p>
-            <a:pPr marL="900113" lvl="4">
-              <a:spcAft>
-                <a:spcPts val="800"/>
-              </a:spcAft>
-            </a:pPr>
-            <a:r>
-              <a:rPr lang="ko-KR" altLang="en-US" dirty="0"/>
-              <a:t>다섯 번째 수준</a:t>
-            </a:r>
-            <a:endParaRPr lang="en-US" dirty="0"/>
-          </a:p>
-        </p:txBody>
-      </p:sp>
-    </p:spTree>
-    <p:extLst>
-      <p:ext uri="{BB962C8B-B14F-4D97-AF65-F5344CB8AC3E}">
-        <p14:creationId xmlns:p14="http://schemas.microsoft.com/office/powerpoint/2010/main" val="129698848"/>
+        <p14:creationId xmlns:p14="http://schemas.microsoft.com/office/powerpoint/2010/main" val="3181161797"/>
       </p:ext>
     </p:extLst>
   </p:cSld>
   <p:clrMap bg1="lt1" tx1="dk1" bg2="lt2" tx2="dk2" accent1="accent1" accent2="accent2" accent3="accent3" accent4="accent4" accent5="accent5" accent6="accent6" hlink="hlink" folHlink="folHlink"/>
   <p:sldLayoutIdLst>
-    <p:sldLayoutId id="2147483666" r:id="rId1"/>
-    <p:sldLayoutId id="2147483669" r:id="rId2"/>
-    <p:sldLayoutId id="2147483670" r:id="rId3"/>
-    <p:sldLayoutId id="2147483671" r:id="rId4"/>
-    <p:sldLayoutId id="2147483672" r:id="rId5"/>
-    <p:sldLayoutId id="2147483668" r:id="rId6"/>
-    <p:sldLayoutId id="2147483667" r:id="rId7"/>
+    <p:sldLayoutId id="2147483670" r:id="rId1"/>
+    <p:sldLayoutId id="2147483671" r:id="rId2"/>
+    <p:sldLayoutId id="2147483672" r:id="rId3"/>
   </p:sldLayoutIdLst>
+  <p:hf sldNum="0" hdr="0" dt="0"/>
   <p:txStyles>
     <p:titleStyle>
       <a:lvl1pPr algn="l" defTabSz="685800" rtl="0" eaLnBrk="1" latinLnBrk="1" hangingPunct="1">
@@ -3620,13 +3734,15 @@
           <a:spcPct val="0"/>
         </a:spcBef>
         <a:buNone/>
-        <a:defRPr lang="en-US" altLang="en-US" sz="1100" kern="1200" dirty="0">
+        <a:defRPr lang="ko-KR" altLang="en-US" sz="800" kern="1200" smtClean="0">
           <a:solidFill>
-            <a:schemeClr val="tx1"/>
+            <a:schemeClr val="tx1">
+              <a:tint val="82000"/>
+            </a:schemeClr>
           </a:solidFill>
-          <a:latin typeface="Spoqa Han Sans Neo Bold" panose="020B0800000000000000" pitchFamily="50" charset="-127"/>
-          <a:ea typeface="Spoqa Han Sans Neo Bold" panose="020B0800000000000000" pitchFamily="50" charset="-127"/>
-          <a:cs typeface="+mj-cs"/>
+          <a:latin typeface="Gilroy SemiBold" panose="00000700000000000000" pitchFamily="50" charset="0"/>
+          <a:ea typeface="+mn-ea"/>
+          <a:cs typeface="+mn-cs"/>
         </a:defRPr>
       </a:lvl1pPr>
     </p:titleStyle>
@@ -3893,12 +4009,12 @@
   <p:extLst>
     <p:ext uri="{27BBF7A9-308A-43DC-89C8-2F10F3537804}">
       <p15:sldGuideLst xmlns:p15="http://schemas.microsoft.com/office/powerpoint/2012/main">
-        <p15:guide id="1" orient="horz" pos="1620" userDrawn="1">
+        <p15:guide id="1" orient="horz" pos="1620">
           <p15:clr>
             <a:srgbClr val="F26B43"/>
           </p15:clr>
         </p15:guide>
-        <p15:guide id="2" pos="2880" userDrawn="1">
+        <p15:guide id="2" pos="90">
           <p15:clr>
             <a:srgbClr val="F26B43"/>
           </p15:clr>
@@ -3950,12 +4066,8 @@
           <a:lstStyle/>
           <a:p>
             <a:r>
-              <a:rPr lang="ko-KR" altLang="en-US" b="1" dirty="0"/>
-              <a:t>동기 서비스 구현 </a:t>
-            </a:r>
-            <a:r>
-              <a:rPr lang="en-US" altLang="ko-KR" sz="2000" b="1" dirty="0"/>
-              <a:t>(Spring MVC)</a:t>
+              <a:rPr lang="en-US" altLang="ko-KR" b="1" dirty="0"/>
+              <a:t>Spring MVC</a:t>
             </a:r>
             <a:endParaRPr lang="ko-KR" altLang="en-US" b="1" dirty="0"/>
           </a:p>
@@ -3988,25 +4100,35 @@
               <a:buNone/>
             </a:pPr>
             <a:r>
-              <a:rPr lang="en-US" altLang="ko" b="1" dirty="0">
-                <a:solidFill>
-                  <a:srgbClr val="ED234B"/>
-                </a:solidFill>
-              </a:rPr>
-              <a:t>1</a:t>
-            </a:r>
-            <a:r>
-              <a:rPr lang="ko" altLang="ko-KR" b="1" dirty="0">
-                <a:solidFill>
-                  <a:srgbClr val="ED234B"/>
-                </a:solidFill>
-              </a:rPr>
-              <a:t> </a:t>
-            </a:r>
-            <a:r>
-              <a:rPr lang="ko-KR" altLang="en-US" dirty="0"/>
+              <a:rPr lang="ko-KR" altLang="en-US" b="1" dirty="0"/>
               <a:t>소개 및 환경구성</a:t>
             </a:r>
+            <a:endParaRPr lang="ko-KR" altLang="en-US" dirty="0"/>
+          </a:p>
+        </p:txBody>
+      </p:sp>
+      <p:sp>
+        <p:nvSpPr>
+          <p:cNvPr id="3" name="텍스트 개체 틀 2">
+            <a:extLst>
+              <a:ext uri="{FF2B5EF4-FFF2-40B4-BE49-F238E27FC236}">
+                <a16:creationId xmlns:a16="http://schemas.microsoft.com/office/drawing/2014/main" id="{27F5F7AF-1BDF-4E26-3853-E2B43A77EC33}"/>
+              </a:ext>
+            </a:extLst>
+          </p:cNvPr>
+          <p:cNvSpPr>
+            <a:spLocks noGrp="1"/>
+          </p:cNvSpPr>
+          <p:nvPr>
+            <p:ph type="body" sz="quarter" idx="10"/>
+          </p:nvPr>
+        </p:nvSpPr>
+        <p:spPr/>
+        <p:txBody>
+          <a:bodyPr/>
+          <a:lstStyle/>
+          <a:p>
+            <a:endParaRPr lang="ko-KR" altLang="en-US"/>
           </a:p>
         </p:txBody>
       </p:sp>
@@ -4062,9 +4184,10 @@
           <a:lstStyle/>
           <a:p>
             <a:r>
-              <a:rPr lang="ko-KR" altLang="en-US" dirty="0"/>
-              <a:t>구현내용 및 개발환경 구성</a:t>
-            </a:r>
+              <a:rPr lang="en-US" altLang="ko-KR" dirty="0"/>
+              <a:t>Spring MVC</a:t>
+            </a:r>
+            <a:endParaRPr lang="ko-KR" altLang="en-US" dirty="0"/>
           </a:p>
         </p:txBody>
       </p:sp>
@@ -4094,68 +4217,65 @@
             </a:pPr>
             <a:r>
               <a:rPr lang="en-US" altLang="ko-KR" dirty="0"/>
-              <a:t>Spring MVC</a:t>
-            </a:r>
+              <a:t>Java</a:t>
+            </a:r>
+            <a:r>
+              <a:rPr lang="ko-KR" altLang="en-US" dirty="0"/>
+              <a:t>용 오픈소스 프레임워크 </a:t>
+            </a:r>
+            <a:r>
+              <a:rPr lang="en-US" altLang="ko-KR" dirty="0"/>
+              <a:t>(2003.06 release)</a:t>
+            </a:r>
+          </a:p>
+          <a:p>
+            <a:pPr marL="0" indent="0">
+              <a:buNone/>
+            </a:pPr>
+            <a:r>
+              <a:rPr lang="en-US" altLang="ko-KR" dirty="0"/>
+              <a:t>J2EE </a:t>
+            </a:r>
+            <a:r>
+              <a:rPr lang="ko-KR" altLang="en-US" dirty="0"/>
+              <a:t>경량 대체제로 큰 인기를 누렸음</a:t>
+            </a:r>
+            <a:endParaRPr lang="en-US" altLang="ko-KR" dirty="0"/>
           </a:p>
           <a:p>
             <a:pPr lvl="1"/>
             <a:r>
               <a:rPr lang="en-US" altLang="ko-KR" dirty="0"/>
-              <a:t>Java</a:t>
-            </a:r>
-            <a:r>
-              <a:rPr lang="ko-KR" altLang="en-US" dirty="0"/>
-              <a:t>용 오픈소스 프레임워크 </a:t>
-            </a:r>
-            <a:r>
-              <a:rPr lang="en-US" altLang="ko-KR" dirty="0"/>
-              <a:t>(2003.06 release)</a:t>
+              <a:t>POJO</a:t>
             </a:r>
           </a:p>
           <a:p>
             <a:pPr lvl="1"/>
             <a:r>
               <a:rPr lang="en-US" altLang="ko-KR" dirty="0"/>
-              <a:t>J2EE </a:t>
-            </a:r>
-            <a:r>
-              <a:rPr lang="ko-KR" altLang="en-US" dirty="0"/>
-              <a:t>경량 대체제로 큰 인기를 누렸음</a:t>
+              <a:t>AOP</a:t>
+            </a:r>
+          </a:p>
+          <a:p>
+            <a:pPr lvl="1"/>
+            <a:r>
+              <a:rPr lang="en-US" altLang="ko-KR" dirty="0"/>
+              <a:t>Data access framework</a:t>
+            </a:r>
+          </a:p>
+          <a:p>
+            <a:pPr marL="0" indent="0">
+              <a:buNone/>
+            </a:pPr>
+            <a:r>
+              <a:rPr lang="ko-KR" altLang="en-US" dirty="0"/>
+              <a:t>설정보다 관습</a:t>
             </a:r>
             <a:endParaRPr lang="en-US" altLang="ko-KR" dirty="0"/>
           </a:p>
           <a:p>
-            <a:pPr lvl="2"/>
-            <a:r>
-              <a:rPr lang="en-US" altLang="ko-KR" dirty="0"/>
-              <a:t>POJO</a:t>
-            </a:r>
-          </a:p>
-          <a:p>
-            <a:pPr lvl="2"/>
-            <a:r>
-              <a:rPr lang="en-US" altLang="ko-KR" dirty="0"/>
-              <a:t>AOP</a:t>
-            </a:r>
-          </a:p>
-          <a:p>
-            <a:pPr lvl="2"/>
-            <a:r>
-              <a:rPr lang="en-US" altLang="ko-KR" dirty="0"/>
-              <a:t>Data access framework</a:t>
-            </a:r>
-          </a:p>
-          <a:p>
             <a:pPr lvl="1"/>
             <a:r>
-              <a:rPr lang="ko-KR" altLang="en-US" dirty="0"/>
-              <a:t>설정보다 관습</a:t>
-            </a:r>
-            <a:endParaRPr lang="en-US" altLang="ko-KR" dirty="0"/>
-          </a:p>
-          <a:p>
-            <a:pPr lvl="2"/>
-            <a:r>
               <a:rPr lang="en-US" altLang="ko-KR" dirty="0"/>
               <a:t>Spring Boot</a:t>
             </a:r>
@@ -4165,136 +4285,59 @@
       </p:sp>
       <p:sp>
         <p:nvSpPr>
-          <p:cNvPr id="7" name="Google Shape;209;p30">
+          <p:cNvPr id="3" name="내용 개체 틀 2">
             <a:extLst>
               <a:ext uri="{FF2B5EF4-FFF2-40B4-BE49-F238E27FC236}">
-                <a16:creationId xmlns:a16="http://schemas.microsoft.com/office/drawing/2014/main" id="{35F3E219-4EBB-8DE8-0966-E4317399395E}"/>
+                <a16:creationId xmlns:a16="http://schemas.microsoft.com/office/drawing/2014/main" id="{5C60B21B-D9F0-3457-2FCA-9D5402683985}"/>
               </a:ext>
             </a:extLst>
           </p:cNvPr>
-          <p:cNvSpPr/>
-          <p:nvPr/>
-        </p:nvSpPr>
-        <p:spPr>
-          <a:xfrm>
-            <a:off x="7811013" y="528014"/>
-            <a:ext cx="952500" cy="298200"/>
-          </a:xfrm>
-          <a:prstGeom prst="rect">
-            <a:avLst/>
-          </a:prstGeom>
-          <a:noFill/>
-          <a:ln>
-            <a:noFill/>
-          </a:ln>
-        </p:spPr>
-        <p:txBody>
-          <a:bodyPr spcFirstLastPara="1" wrap="square" lIns="19050" tIns="19050" rIns="19050" bIns="19050" anchor="t" anchorCtr="0">
-            <a:noAutofit/>
-          </a:bodyPr>
+          <p:cNvSpPr>
+            <a:spLocks noGrp="1"/>
+          </p:cNvSpPr>
+          <p:nvPr>
+            <p:ph idx="11"/>
+          </p:nvPr>
+        </p:nvSpPr>
+        <p:spPr/>
+        <p:txBody>
+          <a:bodyPr/>
           <a:lstStyle/>
           <a:p>
-            <a:pPr marL="63500" marR="0" lvl="1" indent="0" algn="l" rtl="0">
-              <a:lnSpc>
-                <a:spcPct val="90000"/>
-              </a:lnSpc>
-              <a:spcBef>
-                <a:spcPts val="0"/>
-              </a:spcBef>
-              <a:spcAft>
-                <a:spcPts val="0"/>
-              </a:spcAft>
-              <a:buNone/>
-            </a:pPr>
-            <a:r>
-              <a:rPr lang="en-US" altLang="ko" sz="1200" b="1" i="0" u="none" strike="noStrike" cap="none" dirty="0">
-                <a:solidFill>
-                  <a:schemeClr val="bg1"/>
-                </a:solidFill>
-                <a:latin typeface="Arial"/>
-                <a:ea typeface="Arial"/>
-                <a:cs typeface="Arial"/>
-                <a:sym typeface="Arial"/>
-              </a:rPr>
-              <a:t>1</a:t>
-            </a:r>
-            <a:r>
-              <a:rPr lang="ko" sz="1200" b="1" i="0" u="none" strike="noStrike" cap="none" dirty="0">
-                <a:solidFill>
-                  <a:schemeClr val="bg1"/>
-                </a:solidFill>
-                <a:latin typeface="Arial"/>
-                <a:ea typeface="Arial"/>
-                <a:cs typeface="Arial"/>
-                <a:sym typeface="Arial"/>
-              </a:rPr>
-              <a:t>.</a:t>
-            </a:r>
-            <a:endParaRPr sz="500" dirty="0">
-              <a:solidFill>
-                <a:schemeClr val="bg1"/>
-              </a:solidFill>
-            </a:endParaRPr>
-          </a:p>
-        </p:txBody>
-      </p:sp>
-      <p:sp>
-        <p:nvSpPr>
-          <p:cNvPr id="8" name="Google Shape;210;p30">
+            <a:r>
+              <a:rPr lang="ko-KR" altLang="en-US" b="1" dirty="0"/>
+              <a:t>소개 및 환경구성</a:t>
+            </a:r>
+            <a:endParaRPr lang="ko-KR" altLang="en-US" dirty="0"/>
+          </a:p>
+        </p:txBody>
+      </p:sp>
+      <p:sp>
+        <p:nvSpPr>
+          <p:cNvPr id="5" name="바닥글 개체 틀 4">
             <a:extLst>
               <a:ext uri="{FF2B5EF4-FFF2-40B4-BE49-F238E27FC236}">
-                <a16:creationId xmlns:a16="http://schemas.microsoft.com/office/drawing/2014/main" id="{8CB63A74-B5C7-DCAA-53F5-96E44004D694}"/>
+                <a16:creationId xmlns:a16="http://schemas.microsoft.com/office/drawing/2014/main" id="{FDE1F7BF-E126-70EB-826B-E45A4706B986}"/>
               </a:ext>
             </a:extLst>
           </p:cNvPr>
-          <p:cNvSpPr/>
-          <p:nvPr/>
-        </p:nvSpPr>
-        <p:spPr>
-          <a:xfrm>
-            <a:off x="7811013" y="825047"/>
-            <a:ext cx="952500" cy="293400"/>
-          </a:xfrm>
-          <a:prstGeom prst="rect">
-            <a:avLst/>
-          </a:prstGeom>
-          <a:noFill/>
-          <a:ln>
-            <a:noFill/>
-          </a:ln>
-        </p:spPr>
-        <p:txBody>
-          <a:bodyPr spcFirstLastPara="1" wrap="square" lIns="19050" tIns="19050" rIns="19050" bIns="19050" anchor="t" anchorCtr="0">
-            <a:noAutofit/>
-          </a:bodyPr>
+          <p:cNvSpPr>
+            <a:spLocks noGrp="1"/>
+          </p:cNvSpPr>
+          <p:nvPr>
+            <p:ph type="ftr" sz="quarter" idx="3"/>
+          </p:nvPr>
+        </p:nvSpPr>
+        <p:spPr/>
+        <p:txBody>
+          <a:bodyPr/>
           <a:lstStyle/>
           <a:p>
-            <a:pPr marL="63500" marR="0" lvl="1" indent="0" algn="l" rtl="0">
-              <a:spcBef>
-                <a:spcPts val="200"/>
-              </a:spcBef>
-              <a:spcAft>
-                <a:spcPts val="0"/>
-              </a:spcAft>
-              <a:buClr>
-                <a:srgbClr val="000000"/>
-              </a:buClr>
-              <a:buFont typeface="Arial"/>
-              <a:buNone/>
-            </a:pPr>
-            <a:r>
-              <a:rPr lang="ko-KR" altLang="en-US" sz="800" dirty="0">
-                <a:solidFill>
-                  <a:schemeClr val="bg1"/>
-                </a:solidFill>
-              </a:rPr>
-              <a:t>소개 및 환경구성</a:t>
-            </a:r>
-            <a:endParaRPr sz="800" dirty="0">
-              <a:solidFill>
-                <a:schemeClr val="bg1"/>
-              </a:solidFill>
-            </a:endParaRPr>
+            <a:r>
+              <a:rPr lang="en-US" altLang="ko-KR"/>
+              <a:t>Spring MVC</a:t>
+            </a:r>
+            <a:endParaRPr lang="ko-KR" altLang="en-US" dirty="0"/>
           </a:p>
         </p:txBody>
       </p:sp>
@@ -4390,136 +4433,30 @@
       </p:sp>
       <p:sp>
         <p:nvSpPr>
-          <p:cNvPr id="7" name="Google Shape;209;p30">
+          <p:cNvPr id="3" name="내용 개체 틀 2">
             <a:extLst>
               <a:ext uri="{FF2B5EF4-FFF2-40B4-BE49-F238E27FC236}">
-                <a16:creationId xmlns:a16="http://schemas.microsoft.com/office/drawing/2014/main" id="{35F3E219-4EBB-8DE8-0966-E4317399395E}"/>
+                <a16:creationId xmlns:a16="http://schemas.microsoft.com/office/drawing/2014/main" id="{4E8142AA-5395-349A-E01B-C47831D728CC}"/>
               </a:ext>
             </a:extLst>
           </p:cNvPr>
-          <p:cNvSpPr/>
-          <p:nvPr/>
-        </p:nvSpPr>
-        <p:spPr>
-          <a:xfrm>
-            <a:off x="7811013" y="528014"/>
-            <a:ext cx="952500" cy="298200"/>
-          </a:xfrm>
-          <a:prstGeom prst="rect">
-            <a:avLst/>
-          </a:prstGeom>
-          <a:noFill/>
-          <a:ln>
-            <a:noFill/>
-          </a:ln>
-        </p:spPr>
-        <p:txBody>
-          <a:bodyPr spcFirstLastPara="1" wrap="square" lIns="19050" tIns="19050" rIns="19050" bIns="19050" anchor="t" anchorCtr="0">
-            <a:noAutofit/>
-          </a:bodyPr>
+          <p:cNvSpPr>
+            <a:spLocks noGrp="1"/>
+          </p:cNvSpPr>
+          <p:nvPr>
+            <p:ph idx="11"/>
+          </p:nvPr>
+        </p:nvSpPr>
+        <p:spPr/>
+        <p:txBody>
+          <a:bodyPr/>
           <a:lstStyle/>
           <a:p>
-            <a:pPr marL="63500" marR="0" lvl="1" indent="0" algn="l" rtl="0">
-              <a:lnSpc>
-                <a:spcPct val="90000"/>
-              </a:lnSpc>
-              <a:spcBef>
-                <a:spcPts val="0"/>
-              </a:spcBef>
-              <a:spcAft>
-                <a:spcPts val="0"/>
-              </a:spcAft>
-              <a:buNone/>
-            </a:pPr>
-            <a:r>
-              <a:rPr lang="en-US" altLang="ko" sz="1200" b="1" i="0" u="none" strike="noStrike" cap="none" dirty="0">
-                <a:solidFill>
-                  <a:schemeClr val="bg1"/>
-                </a:solidFill>
-                <a:latin typeface="Arial"/>
-                <a:ea typeface="Arial"/>
-                <a:cs typeface="Arial"/>
-                <a:sym typeface="Arial"/>
-              </a:rPr>
-              <a:t>1</a:t>
-            </a:r>
-            <a:r>
-              <a:rPr lang="ko" sz="1200" b="1" i="0" u="none" strike="noStrike" cap="none" dirty="0">
-                <a:solidFill>
-                  <a:schemeClr val="bg1"/>
-                </a:solidFill>
-                <a:latin typeface="Arial"/>
-                <a:ea typeface="Arial"/>
-                <a:cs typeface="Arial"/>
-                <a:sym typeface="Arial"/>
-              </a:rPr>
-              <a:t>.</a:t>
-            </a:r>
-            <a:endParaRPr sz="500" dirty="0">
-              <a:solidFill>
-                <a:schemeClr val="bg1"/>
-              </a:solidFill>
-            </a:endParaRPr>
-          </a:p>
-        </p:txBody>
-      </p:sp>
-      <p:sp>
-        <p:nvSpPr>
-          <p:cNvPr id="8" name="Google Shape;210;p30">
-            <a:extLst>
-              <a:ext uri="{FF2B5EF4-FFF2-40B4-BE49-F238E27FC236}">
-                <a16:creationId xmlns:a16="http://schemas.microsoft.com/office/drawing/2014/main" id="{8CB63A74-B5C7-DCAA-53F5-96E44004D694}"/>
-              </a:ext>
-            </a:extLst>
-          </p:cNvPr>
-          <p:cNvSpPr/>
-          <p:nvPr/>
-        </p:nvSpPr>
-        <p:spPr>
-          <a:xfrm>
-            <a:off x="7811013" y="825047"/>
-            <a:ext cx="952500" cy="293400"/>
-          </a:xfrm>
-          <a:prstGeom prst="rect">
-            <a:avLst/>
-          </a:prstGeom>
-          <a:noFill/>
-          <a:ln>
-            <a:noFill/>
-          </a:ln>
-        </p:spPr>
-        <p:txBody>
-          <a:bodyPr spcFirstLastPara="1" wrap="square" lIns="19050" tIns="19050" rIns="19050" bIns="19050" anchor="t" anchorCtr="0">
-            <a:noAutofit/>
-          </a:bodyPr>
-          <a:lstStyle/>
-          <a:p>
-            <a:pPr marL="63500" marR="0" lvl="1" indent="0" algn="l" rtl="0">
-              <a:spcBef>
-                <a:spcPts val="200"/>
-              </a:spcBef>
-              <a:spcAft>
-                <a:spcPts val="0"/>
-              </a:spcAft>
-              <a:buClr>
-                <a:srgbClr val="000000"/>
-              </a:buClr>
-              <a:buFont typeface="Arial"/>
-              <a:buNone/>
-            </a:pPr>
-            <a:r>
-              <a:rPr lang="ko-KR" altLang="en-US" sz="800" dirty="0">
-                <a:solidFill>
-                  <a:schemeClr val="bg1"/>
-                </a:solidFill>
-              </a:rPr>
+            <a:r>
+              <a:rPr lang="ko-KR" altLang="en-US" b="1" dirty="0"/>
               <a:t>소개 및 환경구성</a:t>
             </a:r>
-            <a:endParaRPr sz="800" dirty="0">
-              <a:solidFill>
-                <a:schemeClr val="bg1"/>
-              </a:solidFill>
-            </a:endParaRPr>
+            <a:endParaRPr lang="ko-KR" altLang="en-US" dirty="0"/>
           </a:p>
         </p:txBody>
       </p:sp>
@@ -4537,7 +4474,7 @@
         </p:nvSpPr>
         <p:spPr>
           <a:xfrm>
-            <a:off x="4572000" y="2014406"/>
+            <a:off x="4572000" y="1625113"/>
             <a:ext cx="609462" cy="415498"/>
           </a:xfrm>
           <a:prstGeom prst="rect">
@@ -4587,7 +4524,7 @@
         </p:blipFill>
         <p:spPr>
           <a:xfrm>
-            <a:off x="4401063" y="2423854"/>
+            <a:off x="4401063" y="2034561"/>
             <a:ext cx="4249311" cy="2522318"/>
           </a:xfrm>
           <a:prstGeom prst="rect">
@@ -4617,7 +4554,7 @@
         </p:blipFill>
         <p:spPr>
           <a:xfrm>
-            <a:off x="802803" y="2423854"/>
+            <a:off x="802803" y="2034561"/>
             <a:ext cx="3313233" cy="2522318"/>
           </a:xfrm>
           <a:prstGeom prst="rect">
@@ -4639,7 +4576,7 @@
         </p:nvSpPr>
         <p:spPr>
           <a:xfrm>
-            <a:off x="831495" y="1981792"/>
+            <a:off x="831495" y="1592499"/>
             <a:ext cx="1178528" cy="415498"/>
           </a:xfrm>
           <a:prstGeom prst="rect">
@@ -4660,6 +4597,35 @@
               </a:rPr>
               <a:t>자료구조</a:t>
             </a:r>
+          </a:p>
+        </p:txBody>
+      </p:sp>
+      <p:sp>
+        <p:nvSpPr>
+          <p:cNvPr id="5" name="바닥글 개체 틀 4">
+            <a:extLst>
+              <a:ext uri="{FF2B5EF4-FFF2-40B4-BE49-F238E27FC236}">
+                <a16:creationId xmlns:a16="http://schemas.microsoft.com/office/drawing/2014/main" id="{745E46E5-157F-0B4A-6A36-275CB8C58BDF}"/>
+              </a:ext>
+            </a:extLst>
+          </p:cNvPr>
+          <p:cNvSpPr>
+            <a:spLocks noGrp="1"/>
+          </p:cNvSpPr>
+          <p:nvPr>
+            <p:ph type="ftr" sz="quarter" idx="3"/>
+          </p:nvPr>
+        </p:nvSpPr>
+        <p:spPr/>
+        <p:txBody>
+          <a:bodyPr/>
+          <a:lstStyle/>
+          <a:p>
+            <a:r>
+              <a:rPr lang="en-US" altLang="ko-KR"/>
+              <a:t>Spring MVC</a:t>
+            </a:r>
+            <a:endParaRPr lang="ko-KR" altLang="en-US" dirty="0"/>
           </a:p>
         </p:txBody>
       </p:sp>
@@ -4737,7 +4703,12 @@
             <p:ph idx="1"/>
           </p:nvPr>
         </p:nvSpPr>
-        <p:spPr/>
+        <p:spPr>
+          <a:xfrm>
+            <a:off x="417524" y="881752"/>
+            <a:ext cx="8490730" cy="3871162"/>
+          </a:xfrm>
+        </p:spPr>
         <p:txBody>
           <a:bodyPr/>
           <a:lstStyle/>
@@ -4815,136 +4786,30 @@
       </p:sp>
       <p:sp>
         <p:nvSpPr>
-          <p:cNvPr id="7" name="Google Shape;209;p30">
+          <p:cNvPr id="3" name="내용 개체 틀 2">
             <a:extLst>
               <a:ext uri="{FF2B5EF4-FFF2-40B4-BE49-F238E27FC236}">
-                <a16:creationId xmlns:a16="http://schemas.microsoft.com/office/drawing/2014/main" id="{35F3E219-4EBB-8DE8-0966-E4317399395E}"/>
+                <a16:creationId xmlns:a16="http://schemas.microsoft.com/office/drawing/2014/main" id="{D365921F-FD73-602A-04A4-3ADE45C98339}"/>
               </a:ext>
             </a:extLst>
           </p:cNvPr>
-          <p:cNvSpPr/>
-          <p:nvPr/>
-        </p:nvSpPr>
-        <p:spPr>
-          <a:xfrm>
-            <a:off x="7811013" y="528014"/>
-            <a:ext cx="952500" cy="298200"/>
-          </a:xfrm>
-          <a:prstGeom prst="rect">
-            <a:avLst/>
-          </a:prstGeom>
-          <a:noFill/>
-          <a:ln>
-            <a:noFill/>
-          </a:ln>
-        </p:spPr>
-        <p:txBody>
-          <a:bodyPr spcFirstLastPara="1" wrap="square" lIns="19050" tIns="19050" rIns="19050" bIns="19050" anchor="t" anchorCtr="0">
-            <a:noAutofit/>
-          </a:bodyPr>
+          <p:cNvSpPr>
+            <a:spLocks noGrp="1"/>
+          </p:cNvSpPr>
+          <p:nvPr>
+            <p:ph idx="11"/>
+          </p:nvPr>
+        </p:nvSpPr>
+        <p:spPr/>
+        <p:txBody>
+          <a:bodyPr/>
           <a:lstStyle/>
           <a:p>
-            <a:pPr marL="63500" marR="0" lvl="1" indent="0" algn="l" rtl="0">
-              <a:lnSpc>
-                <a:spcPct val="90000"/>
-              </a:lnSpc>
-              <a:spcBef>
-                <a:spcPts val="0"/>
-              </a:spcBef>
-              <a:spcAft>
-                <a:spcPts val="0"/>
-              </a:spcAft>
-              <a:buNone/>
-            </a:pPr>
-            <a:r>
-              <a:rPr lang="en-US" altLang="ko" sz="1200" b="1" i="0" u="none" strike="noStrike" cap="none" dirty="0">
-                <a:solidFill>
-                  <a:schemeClr val="bg1"/>
-                </a:solidFill>
-                <a:latin typeface="Arial"/>
-                <a:ea typeface="Arial"/>
-                <a:cs typeface="Arial"/>
-                <a:sym typeface="Arial"/>
-              </a:rPr>
-              <a:t>1</a:t>
-            </a:r>
-            <a:r>
-              <a:rPr lang="ko" sz="1200" b="1" i="0" u="none" strike="noStrike" cap="none" dirty="0">
-                <a:solidFill>
-                  <a:schemeClr val="bg1"/>
-                </a:solidFill>
-                <a:latin typeface="Arial"/>
-                <a:ea typeface="Arial"/>
-                <a:cs typeface="Arial"/>
-                <a:sym typeface="Arial"/>
-              </a:rPr>
-              <a:t>.</a:t>
-            </a:r>
-            <a:endParaRPr sz="500" dirty="0">
-              <a:solidFill>
-                <a:schemeClr val="bg1"/>
-              </a:solidFill>
-            </a:endParaRPr>
-          </a:p>
-        </p:txBody>
-      </p:sp>
-      <p:sp>
-        <p:nvSpPr>
-          <p:cNvPr id="8" name="Google Shape;210;p30">
-            <a:extLst>
-              <a:ext uri="{FF2B5EF4-FFF2-40B4-BE49-F238E27FC236}">
-                <a16:creationId xmlns:a16="http://schemas.microsoft.com/office/drawing/2014/main" id="{8CB63A74-B5C7-DCAA-53F5-96E44004D694}"/>
-              </a:ext>
-            </a:extLst>
-          </p:cNvPr>
-          <p:cNvSpPr/>
-          <p:nvPr/>
-        </p:nvSpPr>
-        <p:spPr>
-          <a:xfrm>
-            <a:off x="7811013" y="825047"/>
-            <a:ext cx="952500" cy="293400"/>
-          </a:xfrm>
-          <a:prstGeom prst="rect">
-            <a:avLst/>
-          </a:prstGeom>
-          <a:noFill/>
-          <a:ln>
-            <a:noFill/>
-          </a:ln>
-        </p:spPr>
-        <p:txBody>
-          <a:bodyPr spcFirstLastPara="1" wrap="square" lIns="19050" tIns="19050" rIns="19050" bIns="19050" anchor="t" anchorCtr="0">
-            <a:noAutofit/>
-          </a:bodyPr>
-          <a:lstStyle/>
-          <a:p>
-            <a:pPr marL="63500" marR="0" lvl="1" indent="0" algn="l" rtl="0">
-              <a:spcBef>
-                <a:spcPts val="200"/>
-              </a:spcBef>
-              <a:spcAft>
-                <a:spcPts val="0"/>
-              </a:spcAft>
-              <a:buClr>
-                <a:srgbClr val="000000"/>
-              </a:buClr>
-              <a:buFont typeface="Arial"/>
-              <a:buNone/>
-            </a:pPr>
-            <a:r>
-              <a:rPr lang="ko-KR" altLang="en-US" sz="800" dirty="0">
-                <a:solidFill>
-                  <a:schemeClr val="bg1"/>
-                </a:solidFill>
-              </a:rPr>
+            <a:r>
+              <a:rPr lang="ko-KR" altLang="en-US" b="1" dirty="0"/>
               <a:t>소개 및 환경구성</a:t>
             </a:r>
-            <a:endParaRPr sz="800" dirty="0">
-              <a:solidFill>
-                <a:schemeClr val="bg1"/>
-              </a:solidFill>
-            </a:endParaRPr>
+            <a:endParaRPr lang="ko-KR" altLang="en-US" dirty="0"/>
           </a:p>
         </p:txBody>
       </p:sp>
@@ -4969,7 +4834,7 @@
         </p:blipFill>
         <p:spPr>
           <a:xfrm>
-            <a:off x="1538867" y="2427051"/>
+            <a:off x="1538867" y="2046810"/>
             <a:ext cx="5274527" cy="2578727"/>
           </a:xfrm>
           <a:prstGeom prst="rect">
@@ -4977,6 +4842,35 @@
           </a:prstGeom>
         </p:spPr>
       </p:pic>
+      <p:sp>
+        <p:nvSpPr>
+          <p:cNvPr id="6" name="바닥글 개체 틀 5">
+            <a:extLst>
+              <a:ext uri="{FF2B5EF4-FFF2-40B4-BE49-F238E27FC236}">
+                <a16:creationId xmlns:a16="http://schemas.microsoft.com/office/drawing/2014/main" id="{DF4653F8-5B83-443F-B3CB-291C68306849}"/>
+              </a:ext>
+            </a:extLst>
+          </p:cNvPr>
+          <p:cNvSpPr>
+            <a:spLocks noGrp="1"/>
+          </p:cNvSpPr>
+          <p:nvPr>
+            <p:ph type="ftr" sz="quarter" idx="3"/>
+          </p:nvPr>
+        </p:nvSpPr>
+        <p:spPr/>
+        <p:txBody>
+          <a:bodyPr/>
+          <a:lstStyle/>
+          <a:p>
+            <a:r>
+              <a:rPr lang="en-US" altLang="ko-KR"/>
+              <a:t>Spring MVC</a:t>
+            </a:r>
+            <a:endParaRPr lang="ko-KR" altLang="en-US" dirty="0"/>
+          </a:p>
+        </p:txBody>
+      </p:sp>
     </p:spTree>
     <p:extLst>
       <p:ext uri="{BB962C8B-B14F-4D97-AF65-F5344CB8AC3E}">
@@ -5031,12 +4925,12 @@
           <a:lstStyle/>
           <a:p>
             <a:r>
-              <a:rPr lang="ko-KR" altLang="en-US" b="1" dirty="0"/>
-              <a:t>동기 서비스 구현 </a:t>
-            </a:r>
-            <a:r>
-              <a:rPr lang="en-US" altLang="ko-KR" sz="2000" b="1" dirty="0"/>
-              <a:t>(Spring MVC)</a:t>
+              <a:rPr lang="en-US" altLang="ko" b="1" dirty="0">
+                <a:solidFill>
+                  <a:srgbClr val="ED234B"/>
+                </a:solidFill>
+              </a:rPr>
+              <a:t>Spring MVC</a:t>
             </a:r>
             <a:endParaRPr lang="ko-KR" altLang="en-US" b="1" dirty="0"/>
           </a:p>
@@ -5069,25 +4963,35 @@
               <a:buNone/>
             </a:pPr>
             <a:r>
-              <a:rPr lang="en-US" altLang="ko" b="1" dirty="0">
-                <a:solidFill>
-                  <a:srgbClr val="ED234B"/>
-                </a:solidFill>
-              </a:rPr>
-              <a:t>2</a:t>
-            </a:r>
-            <a:r>
-              <a:rPr lang="ko" altLang="ko-KR" b="1" dirty="0">
-                <a:solidFill>
-                  <a:srgbClr val="ED234B"/>
-                </a:solidFill>
-              </a:rPr>
-              <a:t> </a:t>
-            </a:r>
-            <a:r>
-              <a:rPr lang="ko-KR" altLang="en-US" dirty="0"/>
+              <a:rPr lang="ko-KR" altLang="en-US" b="1" dirty="0"/>
               <a:t>서비스 구현</a:t>
             </a:r>
+            <a:endParaRPr lang="ko-KR" altLang="en-US" dirty="0"/>
+          </a:p>
+        </p:txBody>
+      </p:sp>
+      <p:sp>
+        <p:nvSpPr>
+          <p:cNvPr id="3" name="텍스트 개체 틀 2">
+            <a:extLst>
+              <a:ext uri="{FF2B5EF4-FFF2-40B4-BE49-F238E27FC236}">
+                <a16:creationId xmlns:a16="http://schemas.microsoft.com/office/drawing/2014/main" id="{AC0A84AE-024E-0A77-CF67-051E328AE021}"/>
+              </a:ext>
+            </a:extLst>
+          </p:cNvPr>
+          <p:cNvSpPr>
+            <a:spLocks noGrp="1"/>
+          </p:cNvSpPr>
+          <p:nvPr>
+            <p:ph type="body" sz="quarter" idx="10"/>
+          </p:nvPr>
+        </p:nvSpPr>
+        <p:spPr/>
+        <p:txBody>
+          <a:bodyPr/>
+          <a:lstStyle/>
+          <a:p>
+            <a:endParaRPr lang="ko-KR" altLang="en-US"/>
           </a:p>
         </p:txBody>
       </p:sp>
@@ -5188,6 +5092,31 @@
           </a:p>
         </p:txBody>
       </p:sp>
+      <p:sp>
+        <p:nvSpPr>
+          <p:cNvPr id="3" name="텍스트 개체 틀 2">
+            <a:extLst>
+              <a:ext uri="{FF2B5EF4-FFF2-40B4-BE49-F238E27FC236}">
+                <a16:creationId xmlns:a16="http://schemas.microsoft.com/office/drawing/2014/main" id="{82BA57F7-5880-B5EF-0960-7C0F39C2F6FE}"/>
+              </a:ext>
+            </a:extLst>
+          </p:cNvPr>
+          <p:cNvSpPr>
+            <a:spLocks noGrp="1"/>
+          </p:cNvSpPr>
+          <p:nvPr>
+            <p:ph type="body" sz="quarter" idx="10"/>
+          </p:nvPr>
+        </p:nvSpPr>
+        <p:spPr/>
+        <p:txBody>
+          <a:bodyPr/>
+          <a:lstStyle/>
+          <a:p>
+            <a:endParaRPr lang="ko-KR" altLang="en-US"/>
+          </a:p>
+        </p:txBody>
+      </p:sp>
     </p:spTree>
     <p:extLst>
       <p:ext uri="{BB962C8B-B14F-4D97-AF65-F5344CB8AC3E}">
@@ -5281,6 +5210,31 @@
           </a:p>
         </p:txBody>
       </p:sp>
+      <p:sp>
+        <p:nvSpPr>
+          <p:cNvPr id="3" name="텍스트 개체 틀 2">
+            <a:extLst>
+              <a:ext uri="{FF2B5EF4-FFF2-40B4-BE49-F238E27FC236}">
+                <a16:creationId xmlns:a16="http://schemas.microsoft.com/office/drawing/2014/main" id="{D61D8619-EC72-1B1F-DE54-F50C71E757B0}"/>
+              </a:ext>
+            </a:extLst>
+          </p:cNvPr>
+          <p:cNvSpPr>
+            <a:spLocks noGrp="1"/>
+          </p:cNvSpPr>
+          <p:nvPr>
+            <p:ph type="body" sz="quarter" idx="10"/>
+          </p:nvPr>
+        </p:nvSpPr>
+        <p:spPr/>
+        <p:txBody>
+          <a:bodyPr/>
+          <a:lstStyle/>
+          <a:p>
+            <a:endParaRPr lang="ko-KR" altLang="en-US"/>
+          </a:p>
+        </p:txBody>
+      </p:sp>
     </p:spTree>
     <p:extLst>
       <p:ext uri="{BB962C8B-B14F-4D97-AF65-F5344CB8AC3E}">
@@ -5379,6 +5333,31 @@
           </a:p>
         </p:txBody>
       </p:sp>
+      <p:sp>
+        <p:nvSpPr>
+          <p:cNvPr id="3" name="텍스트 개체 틀 2">
+            <a:extLst>
+              <a:ext uri="{FF2B5EF4-FFF2-40B4-BE49-F238E27FC236}">
+                <a16:creationId xmlns:a16="http://schemas.microsoft.com/office/drawing/2014/main" id="{EA3F3B8D-A3A0-58C5-3075-82938ED61372}"/>
+              </a:ext>
+            </a:extLst>
+          </p:cNvPr>
+          <p:cNvSpPr>
+            <a:spLocks noGrp="1"/>
+          </p:cNvSpPr>
+          <p:nvPr>
+            <p:ph type="body" sz="quarter" idx="10"/>
+          </p:nvPr>
+        </p:nvSpPr>
+        <p:spPr/>
+        <p:txBody>
+          <a:bodyPr/>
+          <a:lstStyle/>
+          <a:p>
+            <a:endParaRPr lang="ko-KR" altLang="en-US"/>
+          </a:p>
+        </p:txBody>
+      </p:sp>
     </p:spTree>
     <p:extLst>
       <p:ext uri="{BB962C8B-B14F-4D97-AF65-F5344CB8AC3E}">
@@ -5393,7 +5372,7 @@
 </file>
 
 <file path=ppt/theme/theme1.xml><?xml version="1.0" encoding="utf-8"?>
-<a:theme xmlns:a="http://schemas.openxmlformats.org/drawingml/2006/main" name="Office 테마">
+<a:theme xmlns:a="http://schemas.openxmlformats.org/drawingml/2006/main" name="1_Office 테마">
   <a:themeElements>
     <a:clrScheme name="Office 테마">
       <a:dk1>

--- a/99.ppt/Ch2. 동기 서비스 구현 (Spring MVC).pptx
+++ b/99.ppt/Ch2. 동기 서비스 구현 (Spring MVC).pptx
@@ -5,17 +5,23 @@
     <p:sldMasterId id="2147483669" r:id="rId1"/>
   </p:sldMasterIdLst>
   <p:notesMasterIdLst>
-    <p:notesMasterId r:id="rId10"/>
+    <p:notesMasterId r:id="rId16"/>
   </p:notesMasterIdLst>
   <p:sldIdLst>
-    <p:sldId id="256" r:id="rId2"/>
-    <p:sldId id="258" r:id="rId3"/>
-    <p:sldId id="262" r:id="rId4"/>
-    <p:sldId id="264" r:id="rId5"/>
-    <p:sldId id="265" r:id="rId6"/>
-    <p:sldId id="267" r:id="rId7"/>
-    <p:sldId id="268" r:id="rId8"/>
-    <p:sldId id="269" r:id="rId9"/>
+    <p:sldId id="271" r:id="rId2"/>
+    <p:sldId id="270" r:id="rId3"/>
+    <p:sldId id="273" r:id="rId4"/>
+    <p:sldId id="274" r:id="rId5"/>
+    <p:sldId id="275" r:id="rId6"/>
+    <p:sldId id="272" r:id="rId7"/>
+    <p:sldId id="256" r:id="rId8"/>
+    <p:sldId id="258" r:id="rId9"/>
+    <p:sldId id="262" r:id="rId10"/>
+    <p:sldId id="264" r:id="rId11"/>
+    <p:sldId id="265" r:id="rId12"/>
+    <p:sldId id="267" r:id="rId13"/>
+    <p:sldId id="268" r:id="rId14"/>
+    <p:sldId id="269" r:id="rId15"/>
   </p:sldIdLst>
   <p:sldSz cx="9144000" cy="5143500" type="screen16x9"/>
   <p:notesSz cx="6858000" cy="9144000"/>
@@ -117,7 +123,7 @@
   <p:extLst>
     <p:ext uri="{EFAFB233-063F-42B5-8137-9DF3F51BA10A}">
       <p15:sldGuideLst xmlns:p15="http://schemas.microsoft.com/office/powerpoint/2012/main">
-        <p15:guide id="1" orient="horz" pos="1257" userDrawn="1">
+        <p15:guide id="1" orient="horz" pos="1234" userDrawn="1">
           <p15:clr>
             <a:srgbClr val="A4A3A4"/>
           </p15:clr>
@@ -215,7 +221,7 @@
           <a:p>
             <a:fld id="{9B770909-2C76-4DF9-BB76-4EE283593418}" type="datetimeFigureOut">
               <a:rPr lang="ko-KR" altLang="en-US" smtClean="0"/>
-              <a:t>2024-09-08</a:t>
+              <a:t>2024-09-28</a:t>
             </a:fld>
             <a:endParaRPr lang="ko-KR" altLang="en-US"/>
           </a:p>
@@ -526,51 +532,6 @@
           <a:bodyPr/>
           <a:lstStyle/>
           <a:p>
-            <a:r>
-              <a:rPr lang="ko-KR" altLang="en-US" dirty="0"/>
-              <a:t>복습 차원에서 여러분들이 익숙한 </a:t>
-            </a:r>
-            <a:r>
-              <a:rPr lang="en-US" altLang="ko-KR" dirty="0"/>
-              <a:t>Spring MVC </a:t>
-            </a:r>
-            <a:r>
-              <a:rPr lang="ko-KR" altLang="en-US" dirty="0"/>
-              <a:t>로 간단한 </a:t>
-            </a:r>
-            <a:r>
-              <a:rPr lang="en-US" altLang="ko-KR" dirty="0"/>
-              <a:t>CRUD </a:t>
-            </a:r>
-            <a:r>
-              <a:rPr lang="ko-KR" altLang="en-US" dirty="0"/>
-              <a:t>서비스를 만들어 보겠습니다</a:t>
-            </a:r>
-            <a:r>
-              <a:rPr lang="en-US" altLang="ko-KR" dirty="0"/>
-              <a:t>.</a:t>
-            </a:r>
-          </a:p>
-          <a:p>
-            <a:endParaRPr lang="en-US" altLang="ko-KR" dirty="0"/>
-          </a:p>
-          <a:p>
-            <a:r>
-              <a:rPr lang="ko-KR" altLang="en-US" dirty="0"/>
-              <a:t>여기에서 만든 </a:t>
-            </a:r>
-            <a:r>
-              <a:rPr lang="en-US" altLang="ko-KR" dirty="0"/>
-              <a:t>API </a:t>
-            </a:r>
-            <a:r>
-              <a:rPr lang="ko-KR" altLang="en-US" dirty="0"/>
-              <a:t>서버는 이후 개발될 비동기 서비스와의 비교 기준이 될 예정입니다</a:t>
-            </a:r>
-            <a:r>
-              <a:rPr lang="en-US" altLang="ko-KR" dirty="0"/>
-              <a:t>.</a:t>
-            </a:r>
             <a:endParaRPr lang="ko-KR" altLang="en-US" dirty="0"/>
           </a:p>
         </p:txBody>
@@ -601,7 +562,7 @@
     </p:spTree>
     <p:extLst>
       <p:ext uri="{BB962C8B-B14F-4D97-AF65-F5344CB8AC3E}">
-        <p14:creationId xmlns:p14="http://schemas.microsoft.com/office/powerpoint/2010/main" val="1559666580"/>
+        <p14:creationId xmlns:p14="http://schemas.microsoft.com/office/powerpoint/2010/main" val="236584438"/>
       </p:ext>
     </p:extLst>
   </p:cSld>
@@ -656,48 +617,24 @@
           <a:lstStyle/>
           <a:p>
             <a:r>
-              <a:rPr lang="en-US" altLang="ko-KR" dirty="0"/>
-              <a:t>Spring </a:t>
-            </a:r>
-            <a:r>
-              <a:rPr lang="ko-KR" altLang="en-US" dirty="0"/>
-              <a:t>프레임워크는 </a:t>
-            </a:r>
-            <a:r>
-              <a:rPr lang="en-US" altLang="ko-KR" dirty="0"/>
-              <a:t>Java</a:t>
-            </a:r>
-            <a:r>
-              <a:rPr lang="ko-KR" altLang="en-US" dirty="0"/>
-              <a:t>용 오픈소스 프레임워크로 </a:t>
-            </a:r>
-            <a:r>
-              <a:rPr lang="en-US" altLang="ko-KR" dirty="0"/>
-              <a:t>Rob </a:t>
-            </a:r>
-            <a:r>
-              <a:rPr lang="en-US" altLang="ko-KR" dirty="0" err="1"/>
-              <a:t>johnson</a:t>
-            </a:r>
-            <a:r>
-              <a:rPr lang="ko-KR" altLang="en-US" dirty="0"/>
-              <a:t>에 의해 </a:t>
-            </a:r>
-            <a:r>
-              <a:rPr lang="en-US" altLang="ko-KR" dirty="0"/>
-              <a:t>2003.6 </a:t>
-            </a:r>
-            <a:r>
-              <a:rPr lang="ko-KR" altLang="en-US" dirty="0"/>
-              <a:t>처음 공식 </a:t>
-            </a:r>
-            <a:r>
-              <a:rPr lang="en-US" altLang="ko-KR" dirty="0"/>
-              <a:t>release </a:t>
-            </a:r>
-            <a:r>
-              <a:rPr lang="ko-KR" altLang="en-US" dirty="0"/>
-              <a:t>됬습니다</a:t>
+              <a:rPr lang="ko-KR" altLang="en-US" dirty="0"/>
+              <a:t>복습 차원에서 여러분들이 익숙한 </a:t>
+            </a:r>
+            <a:r>
+              <a:rPr lang="en-US" altLang="ko-KR" dirty="0"/>
+              <a:t>Spring MVC </a:t>
+            </a:r>
+            <a:r>
+              <a:rPr lang="ko-KR" altLang="en-US" dirty="0"/>
+              <a:t>로 간단한 </a:t>
+            </a:r>
+            <a:r>
+              <a:rPr lang="en-US" altLang="ko-KR" dirty="0"/>
+              <a:t>CRUD </a:t>
+            </a:r>
+            <a:r>
+              <a:rPr lang="ko-KR" altLang="en-US" dirty="0"/>
+              <a:t>서비스를 만들어 보겠습니다</a:t>
             </a:r>
             <a:r>
               <a:rPr lang="en-US" altLang="ko-KR" dirty="0"/>
@@ -709,616 +646,22 @@
           </a:p>
           <a:p>
             <a:r>
-              <a:rPr lang="en-US" altLang="ko-KR" dirty="0"/>
-              <a:t>Spring</a:t>
-            </a:r>
-            <a:r>
-              <a:rPr lang="ko-KR" altLang="en-US" dirty="0"/>
-              <a:t>이 발표되기 전 </a:t>
-            </a:r>
-            <a:r>
-              <a:rPr lang="en-US" altLang="ko-KR" dirty="0"/>
-              <a:t>Java </a:t>
-            </a:r>
-            <a:r>
-              <a:rPr lang="ko-KR" altLang="en-US" dirty="0" err="1"/>
-              <a:t>백엔드</a:t>
-            </a:r>
-            <a:r>
-              <a:rPr lang="ko-KR" altLang="en-US" dirty="0"/>
-              <a:t> 생태계는</a:t>
-            </a:r>
-            <a:endParaRPr lang="en-US" altLang="ko-KR" dirty="0"/>
-          </a:p>
-          <a:p>
-            <a:r>
-              <a:rPr lang="en-US" altLang="ko-KR" dirty="0"/>
-              <a:t>Java Enterprise Edition </a:t>
-            </a:r>
-            <a:r>
-              <a:rPr lang="ko-KR" altLang="en-US" dirty="0"/>
-              <a:t>이하 </a:t>
-            </a:r>
-            <a:r>
-              <a:rPr lang="en-US" altLang="ko-KR" dirty="0"/>
-              <a:t>J2EE </a:t>
-            </a:r>
-            <a:r>
-              <a:rPr lang="ko-KR" altLang="en-US" dirty="0"/>
-              <a:t>라는 표준 스펙이 시장의 방향성을 결정하고</a:t>
-            </a:r>
-            <a:endParaRPr lang="en-US" altLang="ko-KR" dirty="0"/>
-          </a:p>
-          <a:p>
-            <a:r>
-              <a:rPr lang="ko-KR" altLang="en-US" dirty="0"/>
-              <a:t>여러 벤더사가 이 </a:t>
-            </a:r>
-            <a:r>
-              <a:rPr lang="ko-KR" altLang="en-US" dirty="0" err="1"/>
-              <a:t>표준스펙에</a:t>
-            </a:r>
-            <a:r>
-              <a:rPr lang="ko-KR" altLang="en-US" dirty="0"/>
-              <a:t> 맞춰 제품을 내놓고 있었습니다</a:t>
+              <a:rPr lang="ko-KR" altLang="en-US" dirty="0"/>
+              <a:t>여기에서 만든 </a:t>
+            </a:r>
+            <a:r>
+              <a:rPr lang="en-US" altLang="ko-KR" dirty="0"/>
+              <a:t>API </a:t>
+            </a:r>
+            <a:r>
+              <a:rPr lang="ko-KR" altLang="en-US" dirty="0"/>
+              <a:t>서버는 이후 개발될 비동기 서비스와의 비교 기준이 될 예정입니다</a:t>
             </a:r>
             <a:r>
               <a:rPr lang="en-US" altLang="ko-KR" dirty="0"/>
               <a:t>.</a:t>
             </a:r>
-          </a:p>
-          <a:p>
-            <a:endParaRPr lang="en-US" altLang="ko-KR" dirty="0"/>
-          </a:p>
-          <a:p>
-            <a:r>
-              <a:rPr lang="en-US" altLang="ko-KR" dirty="0"/>
-              <a:t>WAS</a:t>
-            </a:r>
-            <a:r>
-              <a:rPr lang="ko-KR" altLang="en-US" dirty="0"/>
-              <a:t>도 </a:t>
-            </a:r>
-            <a:r>
-              <a:rPr lang="en-US" altLang="ko-KR" dirty="0"/>
-              <a:t>J2EE </a:t>
-            </a:r>
-            <a:r>
-              <a:rPr lang="ko-KR" altLang="en-US" dirty="0"/>
-              <a:t>표준 스펙에 맞춰 구현된 제품이고요</a:t>
-            </a:r>
-            <a:r>
-              <a:rPr lang="en-US" altLang="ko-KR" dirty="0"/>
-              <a:t>.</a:t>
-            </a:r>
-          </a:p>
-          <a:p>
-            <a:r>
-              <a:rPr lang="ko-KR" altLang="en-US" dirty="0"/>
-              <a:t>여러분들이 한 </a:t>
-            </a:r>
-            <a:r>
-              <a:rPr lang="ko-KR" altLang="en-US" dirty="0" err="1"/>
-              <a:t>번쯤은</a:t>
-            </a:r>
-            <a:r>
-              <a:rPr lang="ko-KR" altLang="en-US" dirty="0"/>
-              <a:t> </a:t>
-            </a:r>
-            <a:r>
-              <a:rPr lang="ko-KR" altLang="en-US" dirty="0" err="1"/>
-              <a:t>들어보셨을</a:t>
-            </a:r>
-            <a:r>
-              <a:rPr lang="ko-KR" altLang="en-US" dirty="0"/>
-              <a:t> </a:t>
-            </a:r>
-            <a:r>
-              <a:rPr lang="en-US" altLang="ko-KR" dirty="0"/>
-              <a:t>Enterprise Java Bean, EJB</a:t>
-            </a:r>
-            <a:r>
-              <a:rPr lang="ko-KR" altLang="en-US" dirty="0"/>
-              <a:t>도 대표적인 </a:t>
-            </a:r>
-            <a:r>
-              <a:rPr lang="en-US" altLang="ko-KR" dirty="0"/>
-              <a:t>J2EE </a:t>
-            </a:r>
-            <a:r>
-              <a:rPr lang="ko-KR" altLang="en-US" dirty="0"/>
-              <a:t>구현체입니다</a:t>
-            </a:r>
-            <a:r>
-              <a:rPr lang="en-US" altLang="ko-KR" dirty="0"/>
-              <a:t>.</a:t>
-            </a:r>
-          </a:p>
-          <a:p>
-            <a:endParaRPr lang="en-US" altLang="ko-KR" dirty="0"/>
-          </a:p>
-          <a:p>
-            <a:r>
-              <a:rPr lang="en-US" altLang="ko-KR" dirty="0"/>
-              <a:t>J2EE</a:t>
-            </a:r>
-            <a:r>
-              <a:rPr lang="ko-KR" altLang="en-US" dirty="0"/>
-              <a:t>는 원격 통신이나 분산 </a:t>
-            </a:r>
-            <a:r>
-              <a:rPr lang="ko-KR" altLang="en-US" dirty="0" err="1"/>
-              <a:t>트렌젝션</a:t>
-            </a:r>
-            <a:r>
-              <a:rPr lang="ko-KR" altLang="en-US" dirty="0"/>
-              <a:t> 등 복잡한 기능을 은닉시키고 개발자가 비즈니스 로직 개발에만 집중할 수 있도록 하는 게 목표였습니다</a:t>
-            </a:r>
-            <a:r>
-              <a:rPr lang="en-US" altLang="ko-KR" dirty="0"/>
-              <a:t>.</a:t>
-            </a:r>
-          </a:p>
-          <a:p>
-            <a:endParaRPr lang="en-US" altLang="ko-KR" dirty="0"/>
-          </a:p>
-          <a:p>
-            <a:r>
-              <a:rPr lang="ko-KR" altLang="en-US" dirty="0"/>
-              <a:t>그런데 </a:t>
-            </a:r>
-            <a:r>
-              <a:rPr lang="ko-KR" altLang="en-US" dirty="0" err="1"/>
-              <a:t>시험볼</a:t>
-            </a:r>
-            <a:r>
-              <a:rPr lang="ko-KR" altLang="en-US" dirty="0"/>
-              <a:t> 때 제일 </a:t>
-            </a:r>
-            <a:r>
-              <a:rPr lang="ko-KR" altLang="en-US" dirty="0" err="1"/>
-              <a:t>어려운게</a:t>
-            </a:r>
-            <a:r>
-              <a:rPr lang="en-US" altLang="ko-KR" dirty="0"/>
-              <a:t>, </a:t>
-            </a:r>
-            <a:r>
-              <a:rPr lang="ko-KR" altLang="en-US" dirty="0"/>
-              <a:t>빈 칸 </a:t>
-            </a:r>
-            <a:r>
-              <a:rPr lang="ko-KR" altLang="en-US" dirty="0" err="1"/>
-              <a:t>채우기거든요</a:t>
-            </a:r>
-            <a:r>
-              <a:rPr lang="en-US" altLang="ko-KR" dirty="0"/>
-              <a:t>.</a:t>
-            </a:r>
-          </a:p>
-          <a:p>
-            <a:endParaRPr lang="en-US" altLang="ko-KR" dirty="0"/>
-          </a:p>
-          <a:p>
-            <a:r>
-              <a:rPr lang="ko-KR" altLang="en-US" dirty="0"/>
-              <a:t>비즈니스 월드의 모든 문제를 내가 해결해내겠어 </a:t>
-            </a:r>
-            <a:r>
-              <a:rPr lang="en-US" altLang="ko-KR" dirty="0"/>
-              <a:t>! </a:t>
-            </a:r>
-            <a:r>
-              <a:rPr lang="ko-KR" altLang="en-US" dirty="0"/>
-              <a:t>라는 과한 사명감으로 </a:t>
-            </a:r>
-            <a:endParaRPr lang="en-US" altLang="ko-KR" dirty="0"/>
-          </a:p>
-          <a:p>
-            <a:r>
-              <a:rPr lang="ko-KR" altLang="en-US" dirty="0"/>
-              <a:t>스펙이 너무 </a:t>
-            </a:r>
-            <a:r>
-              <a:rPr lang="ko-KR" altLang="en-US" dirty="0" err="1"/>
-              <a:t>과해졌고</a:t>
-            </a:r>
-            <a:endParaRPr lang="en-US" altLang="ko-KR" dirty="0"/>
-          </a:p>
-          <a:p>
-            <a:endParaRPr lang="en-US" altLang="ko-KR" dirty="0"/>
-          </a:p>
-          <a:p>
-            <a:r>
-              <a:rPr lang="ko-KR" altLang="en-US" dirty="0"/>
-              <a:t>개발자는 문맥도 </a:t>
-            </a:r>
-            <a:r>
-              <a:rPr lang="ko-KR" altLang="en-US" dirty="0" err="1"/>
-              <a:t>모른채</a:t>
-            </a:r>
-            <a:r>
-              <a:rPr lang="ko-KR" altLang="en-US" dirty="0"/>
-              <a:t> 채울 빈 칸이 너무 많아졌습니다</a:t>
-            </a:r>
-            <a:r>
-              <a:rPr lang="en-US" altLang="ko-KR" dirty="0"/>
-              <a:t>.</a:t>
-            </a:r>
-          </a:p>
-          <a:p>
-            <a:endParaRPr lang="en-US" altLang="ko-KR" dirty="0"/>
-          </a:p>
-          <a:p>
-            <a:r>
-              <a:rPr lang="ko-KR" altLang="en-US" dirty="0"/>
-              <a:t>특정 인터페이스를 구현하거나 상속해야 할 내용들이 너무 많아져서</a:t>
-            </a:r>
-            <a:endParaRPr lang="en-US" altLang="ko-KR" dirty="0"/>
-          </a:p>
-          <a:p>
-            <a:r>
-              <a:rPr lang="ko-KR" altLang="en-US" dirty="0" err="1"/>
-              <a:t>아니러니하게</a:t>
-            </a:r>
-            <a:r>
-              <a:rPr lang="ko-KR" altLang="en-US" dirty="0"/>
-              <a:t> </a:t>
-            </a:r>
-            <a:r>
-              <a:rPr lang="en-US" altLang="ko-KR" dirty="0"/>
-              <a:t>EJB</a:t>
-            </a:r>
-            <a:r>
-              <a:rPr lang="ko-KR" altLang="en-US" dirty="0"/>
-              <a:t> 스펙에 빠져 비즈니스 로직이 잘 보이질 않았습니다</a:t>
-            </a:r>
-            <a:r>
-              <a:rPr lang="en-US" altLang="ko-KR" dirty="0"/>
-              <a:t>.</a:t>
-            </a:r>
-          </a:p>
-          <a:p>
-            <a:endParaRPr lang="en-US" altLang="ko-KR" dirty="0"/>
-          </a:p>
-          <a:p>
-            <a:r>
-              <a:rPr lang="ko-KR" altLang="en-US" dirty="0"/>
-              <a:t>그리고 컴파일이 </a:t>
-            </a:r>
-            <a:r>
-              <a:rPr lang="en-US" altLang="ko-KR" dirty="0"/>
-              <a:t>30</a:t>
-            </a:r>
-            <a:r>
-              <a:rPr lang="ko-KR" altLang="en-US" dirty="0"/>
-              <a:t>분이 걸리거나</a:t>
-            </a:r>
-            <a:r>
-              <a:rPr lang="en-US" altLang="ko-KR" dirty="0"/>
-              <a:t>, </a:t>
-            </a:r>
-            <a:r>
-              <a:rPr lang="ko-KR" altLang="en-US" dirty="0"/>
-              <a:t>서버 기동에 </a:t>
-            </a:r>
-            <a:r>
-              <a:rPr lang="en-US" altLang="ko-KR" dirty="0"/>
-              <a:t>20</a:t>
-            </a:r>
-            <a:r>
-              <a:rPr lang="ko-KR" altLang="en-US" dirty="0"/>
-              <a:t>분이 소요되는 등 현장에서는 엄청난 비효율이 벌어지고 있었습니다</a:t>
-            </a:r>
-            <a:r>
-              <a:rPr lang="en-US" altLang="ko-KR" dirty="0"/>
-              <a:t>.</a:t>
-            </a:r>
-          </a:p>
-          <a:p>
-            <a:endParaRPr lang="en-US" altLang="ko-KR" dirty="0"/>
-          </a:p>
-          <a:p>
-            <a:r>
-              <a:rPr lang="en-US" altLang="ko-KR" dirty="0"/>
-              <a:t>Spring</a:t>
-            </a:r>
-            <a:r>
-              <a:rPr lang="ko-KR" altLang="en-US" dirty="0"/>
-              <a:t>이 이럴 때 </a:t>
-            </a:r>
-            <a:r>
-              <a:rPr lang="ko-KR" altLang="en-US" dirty="0" err="1"/>
-              <a:t>등장한거죠</a:t>
-            </a:r>
-            <a:r>
-              <a:rPr lang="en-US" altLang="ko-KR" dirty="0"/>
-              <a:t>. </a:t>
-            </a:r>
-          </a:p>
-          <a:p>
-            <a:endParaRPr lang="en-US" altLang="ko-KR" dirty="0"/>
-          </a:p>
-          <a:p>
-            <a:r>
-              <a:rPr lang="en-US" altLang="ko-KR" dirty="0"/>
-              <a:t>Spring</a:t>
-            </a:r>
-            <a:r>
-              <a:rPr lang="ko-KR" altLang="en-US" dirty="0"/>
-              <a:t>의 </a:t>
-            </a:r>
-            <a:r>
-              <a:rPr lang="en-US" altLang="ko-KR" dirty="0"/>
-              <a:t>POJO, </a:t>
-            </a:r>
-            <a:r>
-              <a:rPr lang="ko-KR" altLang="en-US" dirty="0"/>
-              <a:t>아무 것도 상속받지 않은 일반 </a:t>
-            </a:r>
-            <a:r>
-              <a:rPr lang="en-US" altLang="ko-KR" dirty="0"/>
-              <a:t>Java</a:t>
-            </a:r>
-            <a:r>
-              <a:rPr lang="ko-KR" altLang="en-US" dirty="0"/>
-              <a:t>객체로 엔터프라이즈 어플리케이션을 개발할 수 있다는 캐치프레이즈는 그래서 울림이 대단했습니다</a:t>
-            </a:r>
-            <a:r>
-              <a:rPr lang="en-US" altLang="ko-KR" dirty="0"/>
-              <a:t>.</a:t>
-            </a:r>
-          </a:p>
-          <a:p>
-            <a:endParaRPr lang="en-US" altLang="ko-KR" dirty="0"/>
-          </a:p>
-          <a:p>
-            <a:r>
-              <a:rPr lang="ko-KR" altLang="en-US" dirty="0"/>
-              <a:t>빈 칸 없이 너무 간단했고</a:t>
-            </a:r>
-            <a:r>
-              <a:rPr lang="en-US" altLang="ko-KR" dirty="0"/>
-              <a:t> </a:t>
-            </a:r>
-            <a:r>
-              <a:rPr lang="ko-KR" altLang="en-US" dirty="0"/>
-              <a:t>비즈니스 로직이 그대로 보였거든요</a:t>
-            </a:r>
-            <a:r>
-              <a:rPr lang="en-US" altLang="ko-KR" dirty="0"/>
-              <a:t>.</a:t>
-            </a:r>
-          </a:p>
-          <a:p>
-            <a:endParaRPr lang="en-US" altLang="ko-KR" dirty="0"/>
-          </a:p>
-          <a:p>
-            <a:r>
-              <a:rPr lang="ko-KR" altLang="en-US" dirty="0" err="1"/>
-              <a:t>트렌젝션</a:t>
-            </a:r>
-            <a:r>
-              <a:rPr lang="en-US" altLang="ko-KR" dirty="0"/>
-              <a:t>, </a:t>
-            </a:r>
-            <a:r>
-              <a:rPr lang="ko-KR" altLang="en-US" dirty="0"/>
-              <a:t>로깅</a:t>
-            </a:r>
-            <a:r>
-              <a:rPr lang="en-US" altLang="ko-KR" dirty="0"/>
-              <a:t>, </a:t>
-            </a:r>
-            <a:r>
-              <a:rPr lang="ko-KR" altLang="en-US" dirty="0"/>
-              <a:t>보안 등 </a:t>
-            </a:r>
-            <a:r>
-              <a:rPr lang="en-US" altLang="ko-KR" dirty="0"/>
-              <a:t>J2EE</a:t>
-            </a:r>
-            <a:r>
-              <a:rPr lang="ko-KR" altLang="en-US" dirty="0"/>
-              <a:t>가 디자인패턴으로 과하게 집착했던 기능들은 </a:t>
-            </a:r>
-            <a:r>
-              <a:rPr lang="en-US" altLang="ko-KR" dirty="0"/>
-              <a:t>AOP</a:t>
-            </a:r>
-            <a:r>
-              <a:rPr lang="ko-KR" altLang="en-US" dirty="0"/>
-              <a:t>로 깔끔하게 비즈니스 로직에서 분리되었고</a:t>
-            </a:r>
-            <a:endParaRPr lang="en-US" altLang="ko-KR" dirty="0"/>
-          </a:p>
-          <a:p>
-            <a:endParaRPr lang="en-US" altLang="ko-KR" dirty="0"/>
-          </a:p>
-          <a:p>
-            <a:r>
-              <a:rPr lang="ko-KR" altLang="en-US" dirty="0"/>
-              <a:t>각종 </a:t>
-            </a:r>
-            <a:r>
-              <a:rPr lang="en-US" altLang="ko-KR" dirty="0"/>
-              <a:t>DB persist</a:t>
-            </a:r>
-            <a:r>
-              <a:rPr lang="ko-KR" altLang="en-US" dirty="0"/>
-              <a:t>단은 </a:t>
-            </a:r>
-            <a:r>
-              <a:rPr lang="en-US" altLang="ko-KR" dirty="0"/>
-              <a:t>Spring Data</a:t>
-            </a:r>
-            <a:r>
-              <a:rPr lang="ko-KR" altLang="en-US" dirty="0"/>
-              <a:t>란 패턴 하에 손쉽게 상호전환 가능하도록 프레임워크화 되었습니다</a:t>
-            </a:r>
-            <a:r>
-              <a:rPr lang="en-US" altLang="ko-KR" dirty="0"/>
-              <a:t>.</a:t>
-            </a:r>
-          </a:p>
-          <a:p>
-            <a:endParaRPr lang="en-US" altLang="ko-KR" dirty="0"/>
-          </a:p>
-          <a:p>
-            <a:r>
-              <a:rPr lang="en-US" altLang="ko-KR" dirty="0"/>
-              <a:t>Spring</a:t>
-            </a:r>
-            <a:r>
-              <a:rPr lang="ko-KR" altLang="en-US" dirty="0"/>
-              <a:t>도 </a:t>
-            </a:r>
-            <a:r>
-              <a:rPr lang="en-US" altLang="ko-KR" dirty="0"/>
-              <a:t>EJB</a:t>
-            </a:r>
-            <a:r>
-              <a:rPr lang="ko-KR" altLang="en-US" dirty="0"/>
-              <a:t>처럼 </a:t>
-            </a:r>
-            <a:r>
-              <a:rPr lang="en-US" altLang="ko-KR" dirty="0"/>
-              <a:t>Controller</a:t>
-            </a:r>
-            <a:r>
-              <a:rPr lang="ko-KR" altLang="en-US" dirty="0"/>
-              <a:t>나 </a:t>
-            </a:r>
-            <a:r>
-              <a:rPr lang="en-US" altLang="ko-KR" dirty="0"/>
-              <a:t>Service</a:t>
-            </a:r>
-            <a:r>
-              <a:rPr lang="ko-KR" altLang="en-US" dirty="0"/>
-              <a:t> </a:t>
-            </a:r>
-            <a:r>
-              <a:rPr lang="en-US" altLang="ko-KR" dirty="0"/>
-              <a:t>Bean</a:t>
-            </a:r>
-            <a:r>
-              <a:rPr lang="ko-KR" altLang="en-US" dirty="0"/>
-              <a:t>들이 메모리에 상주하는 구조인데요</a:t>
-            </a:r>
-            <a:r>
-              <a:rPr lang="en-US" altLang="ko-KR" dirty="0"/>
-              <a:t>.</a:t>
-            </a:r>
-          </a:p>
-          <a:p>
-            <a:r>
-              <a:rPr lang="ko-KR" altLang="en-US" dirty="0"/>
-              <a:t>처음에서는 </a:t>
-            </a:r>
-            <a:r>
-              <a:rPr lang="en-US" altLang="ko-KR" dirty="0"/>
-              <a:t>EJB</a:t>
-            </a:r>
-            <a:r>
-              <a:rPr lang="ko-KR" altLang="en-US" dirty="0"/>
-              <a:t>와 마찬가지로 이를 설정파일로 정의해 관리하고 있었습니다</a:t>
-            </a:r>
-            <a:r>
-              <a:rPr lang="en-US" altLang="ko-KR" dirty="0"/>
-              <a:t>.</a:t>
-            </a:r>
-          </a:p>
-          <a:p>
-            <a:endParaRPr lang="en-US" altLang="ko-KR" dirty="0"/>
-          </a:p>
-          <a:p>
-            <a:r>
-              <a:rPr lang="ko-KR" altLang="en-US" dirty="0"/>
-              <a:t>물론 </a:t>
-            </a:r>
-            <a:r>
-              <a:rPr lang="en-US" altLang="ko-KR" dirty="0"/>
-              <a:t>EJB</a:t>
-            </a:r>
-            <a:r>
-              <a:rPr lang="ko-KR" altLang="en-US" dirty="0"/>
-              <a:t>와 비교할 수 없을 정도로 간단하긴 했지만 어플리케이션이 복잡해지면서 이 또한 </a:t>
-            </a:r>
-            <a:r>
-              <a:rPr lang="en-US" altLang="ko-KR" dirty="0"/>
-              <a:t>xml hell </a:t>
-            </a:r>
-            <a:r>
-              <a:rPr lang="ko-KR" altLang="en-US" dirty="0"/>
-              <a:t>이라는 이름으로 조롱거리가 되었습니다</a:t>
-            </a:r>
-            <a:r>
-              <a:rPr lang="en-US" altLang="ko-KR" dirty="0"/>
-              <a:t>.</a:t>
-            </a:r>
-          </a:p>
-          <a:p>
-            <a:endParaRPr lang="en-US" altLang="ko-KR" dirty="0"/>
-          </a:p>
-          <a:p>
-            <a:r>
-              <a:rPr lang="ko-KR" altLang="en-US" dirty="0"/>
-              <a:t>그러나</a:t>
-            </a:r>
-            <a:r>
-              <a:rPr lang="en-US" altLang="ko-KR" dirty="0"/>
-              <a:t>, </a:t>
-            </a:r>
-            <a:r>
-              <a:rPr lang="ko-KR" altLang="en-US" dirty="0"/>
-              <a:t>설정보단 관습이라는 구호 아래</a:t>
-            </a:r>
-            <a:r>
-              <a:rPr lang="en-US" altLang="ko-KR" dirty="0"/>
-              <a:t>, </a:t>
-            </a:r>
-            <a:r>
-              <a:rPr lang="ko-KR" altLang="en-US" dirty="0"/>
-              <a:t>이런 설정을 모두 생략하고 </a:t>
-            </a:r>
-            <a:r>
-              <a:rPr lang="en-US" altLang="ko-KR" dirty="0"/>
-              <a:t>annotation</a:t>
-            </a:r>
-            <a:r>
-              <a:rPr lang="ko-KR" altLang="en-US" dirty="0"/>
-              <a:t>을 통해 자동으로 서버가 </a:t>
-            </a:r>
-            <a:r>
-              <a:rPr lang="ko-KR" altLang="en-US" dirty="0" err="1"/>
-              <a:t>기동되도록</a:t>
-            </a:r>
-            <a:r>
-              <a:rPr lang="ko-KR" altLang="en-US" dirty="0"/>
-              <a:t> 변경되었습니다</a:t>
-            </a:r>
-            <a:r>
-              <a:rPr lang="en-US" altLang="ko-KR" dirty="0"/>
-              <a:t>.</a:t>
-            </a:r>
-          </a:p>
-          <a:p>
-            <a:r>
-              <a:rPr lang="ko-KR" altLang="en-US" dirty="0"/>
-              <a:t>여러분들이 잘 아시는 </a:t>
-            </a:r>
-            <a:r>
-              <a:rPr lang="en-US" altLang="ko-KR" dirty="0"/>
-              <a:t>Spring boot </a:t>
-            </a:r>
-            <a:r>
-              <a:rPr lang="ko-KR" altLang="en-US" dirty="0"/>
-              <a:t>의 탄생입니다</a:t>
-            </a:r>
-            <a:r>
-              <a:rPr lang="en-US" altLang="ko-KR" dirty="0"/>
-              <a:t>.</a:t>
-            </a:r>
+            <a:endParaRPr lang="ko-KR" altLang="en-US" dirty="0"/>
           </a:p>
         </p:txBody>
       </p:sp>
@@ -1339,7 +682,7 @@
           <a:p>
             <a:fld id="{4F243B46-72FF-4656-838A-691B9EB329E3}" type="slidenum">
               <a:rPr lang="ko-KR" altLang="en-US" smtClean="0"/>
-              <a:t>2</a:t>
+              <a:t>7</a:t>
             </a:fld>
             <a:endParaRPr lang="ko-KR" altLang="en-US"/>
           </a:p>
@@ -1348,7 +691,7 @@
     </p:spTree>
     <p:extLst>
       <p:ext uri="{BB962C8B-B14F-4D97-AF65-F5344CB8AC3E}">
-        <p14:creationId xmlns:p14="http://schemas.microsoft.com/office/powerpoint/2010/main" val="3409483807"/>
+        <p14:creationId xmlns:p14="http://schemas.microsoft.com/office/powerpoint/2010/main" val="1559666580"/>
       </p:ext>
     </p:extLst>
   </p:cSld>
@@ -1404,23 +747,110 @@
           <a:p>
             <a:r>
               <a:rPr lang="en-US" altLang="ko-KR" dirty="0"/>
-              <a:t>Spring MVC</a:t>
-            </a:r>
-            <a:r>
-              <a:rPr lang="ko-KR" altLang="en-US" dirty="0"/>
-              <a:t>로 저희가 만들어볼 간단한 </a:t>
-            </a:r>
-            <a:r>
-              <a:rPr lang="en-US" altLang="ko-KR" dirty="0"/>
-              <a:t>CRUD </a:t>
-            </a:r>
-            <a:r>
-              <a:rPr lang="ko-KR" altLang="en-US" dirty="0"/>
-              <a:t>서비스 </a:t>
+              <a:t>Spring </a:t>
+            </a:r>
+            <a:r>
+              <a:rPr lang="ko-KR" altLang="en-US" dirty="0"/>
+              <a:t>프레임워크는 </a:t>
+            </a:r>
+            <a:r>
+              <a:rPr lang="en-US" altLang="ko-KR" dirty="0"/>
+              <a:t>Java</a:t>
+            </a:r>
+            <a:r>
+              <a:rPr lang="ko-KR" altLang="en-US" dirty="0"/>
+              <a:t>용 오픈소스 프레임워크로 </a:t>
+            </a:r>
+            <a:r>
+              <a:rPr lang="en-US" altLang="ko-KR" dirty="0"/>
+              <a:t>Rob </a:t>
+            </a:r>
+            <a:r>
+              <a:rPr lang="en-US" altLang="ko-KR" dirty="0" err="1"/>
+              <a:t>johnson</a:t>
+            </a:r>
+            <a:r>
+              <a:rPr lang="ko-KR" altLang="en-US" dirty="0"/>
+              <a:t>에 의해 </a:t>
+            </a:r>
+            <a:r>
+              <a:rPr lang="en-US" altLang="ko-KR" dirty="0"/>
+              <a:t>2003.6 </a:t>
+            </a:r>
+            <a:r>
+              <a:rPr lang="ko-KR" altLang="en-US" dirty="0"/>
+              <a:t>처음 공식 </a:t>
+            </a:r>
+            <a:r>
+              <a:rPr lang="en-US" altLang="ko-KR" dirty="0"/>
+              <a:t>release </a:t>
+            </a:r>
+            <a:r>
+              <a:rPr lang="ko-KR" altLang="en-US" dirty="0"/>
+              <a:t>됬습니다</a:t>
+            </a:r>
+            <a:r>
+              <a:rPr lang="en-US" altLang="ko-KR" dirty="0"/>
+              <a:t>.</a:t>
+            </a:r>
+          </a:p>
+          <a:p>
+            <a:endParaRPr lang="en-US" altLang="ko-KR" dirty="0"/>
+          </a:p>
+          <a:p>
+            <a:r>
+              <a:rPr lang="en-US" altLang="ko-KR" dirty="0"/>
+              <a:t>Spring</a:t>
+            </a:r>
+            <a:r>
+              <a:rPr lang="ko-KR" altLang="en-US" dirty="0"/>
+              <a:t>이 발표되기 전 </a:t>
+            </a:r>
+            <a:r>
+              <a:rPr lang="en-US" altLang="ko-KR" dirty="0"/>
+              <a:t>Java </a:t>
             </a:r>
             <a:r>
               <a:rPr lang="ko-KR" altLang="en-US" dirty="0" err="1"/>
-              <a:t>구현내용입니다</a:t>
+              <a:t>백엔드</a:t>
+            </a:r>
+            <a:r>
+              <a:rPr lang="ko-KR" altLang="en-US" dirty="0"/>
+              <a:t> 생태계는</a:t>
+            </a:r>
+            <a:endParaRPr lang="en-US" altLang="ko-KR" dirty="0"/>
+          </a:p>
+          <a:p>
+            <a:r>
+              <a:rPr lang="en-US" altLang="ko-KR" dirty="0"/>
+              <a:t>Java Enterprise Edition </a:t>
+            </a:r>
+            <a:r>
+              <a:rPr lang="ko-KR" altLang="en-US" dirty="0"/>
+              <a:t>이하 </a:t>
+            </a:r>
+            <a:r>
+              <a:rPr lang="en-US" altLang="ko-KR" dirty="0"/>
+              <a:t>J2EE </a:t>
+            </a:r>
+            <a:r>
+              <a:rPr lang="ko-KR" altLang="en-US" dirty="0"/>
+              <a:t>라는 표준 스펙이 시장의 방향성을 결정하고</a:t>
+            </a:r>
+            <a:endParaRPr lang="en-US" altLang="ko-KR" dirty="0"/>
+          </a:p>
+          <a:p>
+            <a:r>
+              <a:rPr lang="ko-KR" altLang="en-US" dirty="0"/>
+              <a:t>여러 벤더사가 이 </a:t>
+            </a:r>
+            <a:r>
+              <a:rPr lang="ko-KR" altLang="en-US" dirty="0" err="1"/>
+              <a:t>표준스펙에</a:t>
+            </a:r>
+            <a:r>
+              <a:rPr lang="ko-KR" altLang="en-US" dirty="0"/>
+              <a:t> 맞춰 제품을 내놓고 있었습니다</a:t>
             </a:r>
             <a:r>
               <a:rPr lang="en-US" altLang="ko-KR" dirty="0"/>
@@ -1432,27 +862,112 @@
           </a:p>
           <a:p>
             <a:r>
+              <a:rPr lang="en-US" altLang="ko-KR" dirty="0"/>
+              <a:t>WAS</a:t>
+            </a:r>
+            <a:r>
+              <a:rPr lang="ko-KR" altLang="en-US" dirty="0"/>
+              <a:t>도 </a:t>
+            </a:r>
+            <a:r>
+              <a:rPr lang="en-US" altLang="ko-KR" dirty="0"/>
+              <a:t>J2EE </a:t>
+            </a:r>
+            <a:r>
+              <a:rPr lang="ko-KR" altLang="en-US" dirty="0"/>
+              <a:t>표준 스펙에 맞춰 구현된 제품이고요</a:t>
+            </a:r>
+            <a:r>
+              <a:rPr lang="en-US" altLang="ko-KR" dirty="0"/>
+              <a:t>.</a:t>
+            </a:r>
+          </a:p>
+          <a:p>
+            <a:r>
+              <a:rPr lang="ko-KR" altLang="en-US" dirty="0"/>
+              <a:t>여러분들이 한 </a:t>
+            </a:r>
+            <a:r>
               <a:rPr lang="ko-KR" altLang="en-US" dirty="0" err="1"/>
-              <a:t>아티클이</a:t>
-            </a:r>
-            <a:r>
-              <a:rPr lang="ko-KR" altLang="en-US" dirty="0"/>
-              <a:t> 있고요</a:t>
-            </a:r>
+              <a:t>번쯤은</a:t>
+            </a:r>
+            <a:r>
+              <a:rPr lang="ko-KR" altLang="en-US" dirty="0"/>
+              <a:t> </a:t>
+            </a:r>
+            <a:r>
+              <a:rPr lang="ko-KR" altLang="en-US" dirty="0" err="1"/>
+              <a:t>들어보셨을</a:t>
+            </a:r>
+            <a:r>
+              <a:rPr lang="ko-KR" altLang="en-US" dirty="0"/>
+              <a:t> </a:t>
+            </a:r>
+            <a:r>
+              <a:rPr lang="en-US" altLang="ko-KR" dirty="0"/>
+              <a:t>Enterprise Java Bean, EJB</a:t>
+            </a:r>
+            <a:r>
+              <a:rPr lang="ko-KR" altLang="en-US" dirty="0"/>
+              <a:t>도 대표적인 </a:t>
+            </a:r>
+            <a:r>
+              <a:rPr lang="en-US" altLang="ko-KR" dirty="0"/>
+              <a:t>J2EE </a:t>
+            </a:r>
+            <a:r>
+              <a:rPr lang="ko-KR" altLang="en-US" dirty="0"/>
+              <a:t>구현체입니다</a:t>
+            </a:r>
+            <a:r>
+              <a:rPr lang="en-US" altLang="ko-KR" dirty="0"/>
+              <a:t>.</a:t>
+            </a:r>
+          </a:p>
+          <a:p>
             <a:endParaRPr lang="en-US" altLang="ko-KR" dirty="0"/>
           </a:p>
           <a:p>
             <a:r>
-              <a:rPr lang="ko-KR" altLang="en-US" dirty="0"/>
-              <a:t>그 </a:t>
+              <a:rPr lang="en-US" altLang="ko-KR" dirty="0"/>
+              <a:t>J2EE</a:t>
+            </a:r>
+            <a:r>
+              <a:rPr lang="ko-KR" altLang="en-US" dirty="0"/>
+              <a:t>는 원격 통신이나 분산 </a:t>
             </a:r>
             <a:r>
               <a:rPr lang="ko-KR" altLang="en-US" dirty="0" err="1"/>
-              <a:t>아티클을</a:t>
-            </a:r>
-            <a:r>
-              <a:rPr lang="ko-KR" altLang="en-US" dirty="0"/>
-              <a:t> 등록</a:t>
+              <a:t>트렌젝션</a:t>
+            </a:r>
+            <a:r>
+              <a:rPr lang="ko-KR" altLang="en-US" dirty="0"/>
+              <a:t> 등 복잡한 기능을 은닉시키고 개발자가 비즈니스 로직 개발에만 집중할 수 있도록 하는 게 목표였습니다</a:t>
+            </a:r>
+            <a:r>
+              <a:rPr lang="en-US" altLang="ko-KR" dirty="0"/>
+              <a:t>.</a:t>
+            </a:r>
+          </a:p>
+          <a:p>
+            <a:endParaRPr lang="en-US" altLang="ko-KR" dirty="0"/>
+          </a:p>
+          <a:p>
+            <a:r>
+              <a:rPr lang="ko-KR" altLang="en-US" dirty="0"/>
+              <a:t>그런데 </a:t>
+            </a:r>
+            <a:r>
+              <a:rPr lang="ko-KR" altLang="en-US" dirty="0" err="1"/>
+              <a:t>시험볼</a:t>
+            </a:r>
+            <a:r>
+              <a:rPr lang="ko-KR" altLang="en-US" dirty="0"/>
+              <a:t> 때 제일 </a:t>
+            </a:r>
+            <a:r>
+              <a:rPr lang="ko-KR" altLang="en-US" dirty="0" err="1"/>
+              <a:t>어려운게</a:t>
             </a:r>
             <a:r>
               <a:rPr lang="en-US" altLang="ko-KR" dirty="0"/>
@@ -1460,7 +975,114 @@
             </a:r>
             <a:r>
               <a:rPr lang="ko-KR" altLang="en-US" dirty="0"/>
-              <a:t>수정</a:t>
+              <a:t>빈 칸 </a:t>
+            </a:r>
+            <a:r>
+              <a:rPr lang="ko-KR" altLang="en-US" dirty="0" err="1"/>
+              <a:t>채우기거든요</a:t>
+            </a:r>
+            <a:r>
+              <a:rPr lang="en-US" altLang="ko-KR" dirty="0"/>
+              <a:t>.</a:t>
+            </a:r>
+          </a:p>
+          <a:p>
+            <a:endParaRPr lang="en-US" altLang="ko-KR" dirty="0"/>
+          </a:p>
+          <a:p>
+            <a:r>
+              <a:rPr lang="ko-KR" altLang="en-US" dirty="0"/>
+              <a:t>비즈니스 월드의 모든 문제를 내가 해결해내겠어 </a:t>
+            </a:r>
+            <a:r>
+              <a:rPr lang="en-US" altLang="ko-KR" dirty="0"/>
+              <a:t>! </a:t>
+            </a:r>
+            <a:r>
+              <a:rPr lang="ko-KR" altLang="en-US" dirty="0"/>
+              <a:t>라는 과한 사명감으로 </a:t>
+            </a:r>
+            <a:endParaRPr lang="en-US" altLang="ko-KR" dirty="0"/>
+          </a:p>
+          <a:p>
+            <a:r>
+              <a:rPr lang="ko-KR" altLang="en-US" dirty="0"/>
+              <a:t>스펙이 너무 </a:t>
+            </a:r>
+            <a:r>
+              <a:rPr lang="ko-KR" altLang="en-US" dirty="0" err="1"/>
+              <a:t>과해졌고</a:t>
+            </a:r>
+            <a:endParaRPr lang="en-US" altLang="ko-KR" dirty="0"/>
+          </a:p>
+          <a:p>
+            <a:endParaRPr lang="en-US" altLang="ko-KR" dirty="0"/>
+          </a:p>
+          <a:p>
+            <a:r>
+              <a:rPr lang="ko-KR" altLang="en-US" dirty="0"/>
+              <a:t>개발자는 문맥도 </a:t>
+            </a:r>
+            <a:r>
+              <a:rPr lang="ko-KR" altLang="en-US" dirty="0" err="1"/>
+              <a:t>모른채</a:t>
+            </a:r>
+            <a:r>
+              <a:rPr lang="ko-KR" altLang="en-US" dirty="0"/>
+              <a:t> 채울 빈 칸이 너무 많아졌습니다</a:t>
+            </a:r>
+            <a:r>
+              <a:rPr lang="en-US" altLang="ko-KR" dirty="0"/>
+              <a:t>.</a:t>
+            </a:r>
+          </a:p>
+          <a:p>
+            <a:endParaRPr lang="en-US" altLang="ko-KR" dirty="0"/>
+          </a:p>
+          <a:p>
+            <a:r>
+              <a:rPr lang="ko-KR" altLang="en-US" dirty="0"/>
+              <a:t>특정 인터페이스를 구현하거나 상속해야 할 내용들이 너무 많아져서</a:t>
+            </a:r>
+            <a:endParaRPr lang="en-US" altLang="ko-KR" dirty="0"/>
+          </a:p>
+          <a:p>
+            <a:r>
+              <a:rPr lang="ko-KR" altLang="en-US" dirty="0" err="1"/>
+              <a:t>아니러니하게</a:t>
+            </a:r>
+            <a:r>
+              <a:rPr lang="ko-KR" altLang="en-US" dirty="0"/>
+              <a:t> </a:t>
+            </a:r>
+            <a:r>
+              <a:rPr lang="en-US" altLang="ko-KR" dirty="0"/>
+              <a:t>EJB</a:t>
+            </a:r>
+            <a:r>
+              <a:rPr lang="ko-KR" altLang="en-US" dirty="0"/>
+              <a:t> 스펙에 빠져 비즈니스 로직이 잘 보이질 않았습니다</a:t>
+            </a:r>
+            <a:r>
+              <a:rPr lang="en-US" altLang="ko-KR" dirty="0"/>
+              <a:t>.</a:t>
+            </a:r>
+          </a:p>
+          <a:p>
+            <a:endParaRPr lang="en-US" altLang="ko-KR" dirty="0"/>
+          </a:p>
+          <a:p>
+            <a:r>
+              <a:rPr lang="ko-KR" altLang="en-US" dirty="0"/>
+              <a:t>그리고 컴파일이 </a:t>
+            </a:r>
+            <a:r>
+              <a:rPr lang="en-US" altLang="ko-KR" dirty="0"/>
+              <a:t>30</a:t>
+            </a:r>
+            <a:r>
+              <a:rPr lang="ko-KR" altLang="en-US" dirty="0"/>
+              <a:t>분이 걸리거나</a:t>
             </a:r>
             <a:r>
               <a:rPr lang="en-US" altLang="ko-KR" dirty="0"/>
@@ -1468,7 +1090,103 @@
             </a:r>
             <a:r>
               <a:rPr lang="ko-KR" altLang="en-US" dirty="0"/>
-              <a:t>삭제</a:t>
+              <a:t>서버 기동에 </a:t>
+            </a:r>
+            <a:r>
+              <a:rPr lang="en-US" altLang="ko-KR" dirty="0"/>
+              <a:t>20</a:t>
+            </a:r>
+            <a:r>
+              <a:rPr lang="ko-KR" altLang="en-US" dirty="0"/>
+              <a:t>분이 소요되는 등 현장에서는 엄청난 비효율이 벌어지고 있었습니다</a:t>
+            </a:r>
+            <a:r>
+              <a:rPr lang="en-US" altLang="ko-KR" dirty="0"/>
+              <a:t>.</a:t>
+            </a:r>
+          </a:p>
+          <a:p>
+            <a:endParaRPr lang="en-US" altLang="ko-KR" dirty="0"/>
+          </a:p>
+          <a:p>
+            <a:r>
+              <a:rPr lang="en-US" altLang="ko-KR" dirty="0"/>
+              <a:t>Spring</a:t>
+            </a:r>
+            <a:r>
+              <a:rPr lang="ko-KR" altLang="en-US" dirty="0"/>
+              <a:t>이 이럴 때 </a:t>
+            </a:r>
+            <a:r>
+              <a:rPr lang="ko-KR" altLang="en-US" dirty="0" err="1"/>
+              <a:t>등장한거죠</a:t>
+            </a:r>
+            <a:r>
+              <a:rPr lang="en-US" altLang="ko-KR" dirty="0"/>
+              <a:t>. </a:t>
+            </a:r>
+          </a:p>
+          <a:p>
+            <a:endParaRPr lang="en-US" altLang="ko-KR" dirty="0"/>
+          </a:p>
+          <a:p>
+            <a:r>
+              <a:rPr lang="en-US" altLang="ko-KR" dirty="0"/>
+              <a:t>Spring</a:t>
+            </a:r>
+            <a:r>
+              <a:rPr lang="ko-KR" altLang="en-US" dirty="0"/>
+              <a:t>의 </a:t>
+            </a:r>
+            <a:r>
+              <a:rPr lang="en-US" altLang="ko-KR" dirty="0"/>
+              <a:t>POJO, </a:t>
+            </a:r>
+            <a:r>
+              <a:rPr lang="ko-KR" altLang="en-US" dirty="0"/>
+              <a:t>아무 것도 상속받지 않은 일반 </a:t>
+            </a:r>
+            <a:r>
+              <a:rPr lang="en-US" altLang="ko-KR" dirty="0"/>
+              <a:t>Java</a:t>
+            </a:r>
+            <a:r>
+              <a:rPr lang="ko-KR" altLang="en-US" dirty="0"/>
+              <a:t>객체로 엔터프라이즈 어플리케이션을 개발할 수 있다는 캐치프레이즈는 그래서 울림이 대단했습니다</a:t>
+            </a:r>
+            <a:r>
+              <a:rPr lang="en-US" altLang="ko-KR" dirty="0"/>
+              <a:t>.</a:t>
+            </a:r>
+          </a:p>
+          <a:p>
+            <a:endParaRPr lang="en-US" altLang="ko-KR" dirty="0"/>
+          </a:p>
+          <a:p>
+            <a:r>
+              <a:rPr lang="ko-KR" altLang="en-US" dirty="0"/>
+              <a:t>빈 칸 없이 너무 간단했고</a:t>
+            </a:r>
+            <a:r>
+              <a:rPr lang="en-US" altLang="ko-KR" dirty="0"/>
+              <a:t> </a:t>
+            </a:r>
+            <a:r>
+              <a:rPr lang="ko-KR" altLang="en-US" dirty="0"/>
+              <a:t>비즈니스 로직이 그대로 보였거든요</a:t>
+            </a:r>
+            <a:r>
+              <a:rPr lang="en-US" altLang="ko-KR" dirty="0"/>
+              <a:t>.</a:t>
+            </a:r>
+          </a:p>
+          <a:p>
+            <a:endParaRPr lang="en-US" altLang="ko-KR" dirty="0"/>
+          </a:p>
+          <a:p>
+            <a:r>
+              <a:rPr lang="ko-KR" altLang="en-US" dirty="0" err="1"/>
+              <a:t>트렌젝션</a:t>
             </a:r>
             <a:r>
               <a:rPr lang="en-US" altLang="ko-KR" dirty="0"/>
@@ -1476,15 +1194,57 @@
             </a:r>
             <a:r>
               <a:rPr lang="ko-KR" altLang="en-US" dirty="0"/>
-              <a:t>그리고 조회 할 수 있는 </a:t>
-            </a:r>
-            <a:r>
-              <a:rPr lang="en-US" altLang="ko-KR" dirty="0"/>
-              <a:t>CRUD API </a:t>
-            </a:r>
-            <a:r>
-              <a:rPr lang="ko-KR" altLang="en-US" dirty="0"/>
-              <a:t>입니다</a:t>
+              <a:t>로깅</a:t>
+            </a:r>
+            <a:r>
+              <a:rPr lang="en-US" altLang="ko-KR" dirty="0"/>
+              <a:t>, </a:t>
+            </a:r>
+            <a:r>
+              <a:rPr lang="ko-KR" altLang="en-US" dirty="0"/>
+              <a:t>보안 등 </a:t>
+            </a:r>
+            <a:r>
+              <a:rPr lang="en-US" altLang="ko-KR" dirty="0"/>
+              <a:t>J2EE</a:t>
+            </a:r>
+            <a:r>
+              <a:rPr lang="ko-KR" altLang="en-US" dirty="0"/>
+              <a:t>가 디자인패턴으로 과하게 집착했던 기능들은 </a:t>
+            </a:r>
+            <a:r>
+              <a:rPr lang="en-US" altLang="ko-KR" dirty="0"/>
+              <a:t>AOP</a:t>
+            </a:r>
+            <a:r>
+              <a:rPr lang="ko-KR" altLang="en-US" dirty="0"/>
+              <a:t>로 깔끔하게 비즈니스 로직에서 분리되었고</a:t>
+            </a:r>
+            <a:endParaRPr lang="en-US" altLang="ko-KR" dirty="0"/>
+          </a:p>
+          <a:p>
+            <a:endParaRPr lang="en-US" altLang="ko-KR" dirty="0"/>
+          </a:p>
+          <a:p>
+            <a:r>
+              <a:rPr lang="ko-KR" altLang="en-US" dirty="0"/>
+              <a:t>각종 </a:t>
+            </a:r>
+            <a:r>
+              <a:rPr lang="en-US" altLang="ko-KR" dirty="0"/>
+              <a:t>DB persist</a:t>
+            </a:r>
+            <a:r>
+              <a:rPr lang="ko-KR" altLang="en-US" dirty="0"/>
+              <a:t>단은 </a:t>
+            </a:r>
+            <a:r>
+              <a:rPr lang="en-US" altLang="ko-KR" dirty="0"/>
+              <a:t>Spring Data</a:t>
+            </a:r>
+            <a:r>
+              <a:rPr lang="ko-KR" altLang="en-US" dirty="0"/>
+              <a:t>란 패턴 하에 손쉽게 상호전환 가능하도록 프레임워크화 되었습니다</a:t>
             </a:r>
             <a:r>
               <a:rPr lang="en-US" altLang="ko-KR" dirty="0"/>
@@ -1496,8 +1256,104 @@
           </a:p>
           <a:p>
             <a:r>
-              <a:rPr lang="ko-KR" altLang="en-US" dirty="0"/>
-              <a:t>왼쪽이 자료구조</a:t>
+              <a:rPr lang="en-US" altLang="ko-KR" dirty="0"/>
+              <a:t>Spring</a:t>
+            </a:r>
+            <a:r>
+              <a:rPr lang="ko-KR" altLang="en-US" dirty="0"/>
+              <a:t>도 </a:t>
+            </a:r>
+            <a:r>
+              <a:rPr lang="en-US" altLang="ko-KR" dirty="0"/>
+              <a:t>EJB</a:t>
+            </a:r>
+            <a:r>
+              <a:rPr lang="ko-KR" altLang="en-US" dirty="0"/>
+              <a:t>처럼 </a:t>
+            </a:r>
+            <a:r>
+              <a:rPr lang="en-US" altLang="ko-KR" dirty="0"/>
+              <a:t>Controller</a:t>
+            </a:r>
+            <a:r>
+              <a:rPr lang="ko-KR" altLang="en-US" dirty="0"/>
+              <a:t>나 </a:t>
+            </a:r>
+            <a:r>
+              <a:rPr lang="en-US" altLang="ko-KR" dirty="0"/>
+              <a:t>Service</a:t>
+            </a:r>
+            <a:r>
+              <a:rPr lang="ko-KR" altLang="en-US" dirty="0"/>
+              <a:t> </a:t>
+            </a:r>
+            <a:r>
+              <a:rPr lang="en-US" altLang="ko-KR" dirty="0"/>
+              <a:t>Bean</a:t>
+            </a:r>
+            <a:r>
+              <a:rPr lang="ko-KR" altLang="en-US" dirty="0"/>
+              <a:t>들이 메모리에 상주하는 구조인데요</a:t>
+            </a:r>
+            <a:r>
+              <a:rPr lang="en-US" altLang="ko-KR" dirty="0"/>
+              <a:t>.</a:t>
+            </a:r>
+          </a:p>
+          <a:p>
+            <a:r>
+              <a:rPr lang="ko-KR" altLang="en-US" dirty="0"/>
+              <a:t>처음에서는 </a:t>
+            </a:r>
+            <a:r>
+              <a:rPr lang="en-US" altLang="ko-KR" dirty="0"/>
+              <a:t>EJB</a:t>
+            </a:r>
+            <a:r>
+              <a:rPr lang="ko-KR" altLang="en-US" dirty="0"/>
+              <a:t>와 마찬가지로 이를 설정파일로 정의해 관리하고 있었습니다</a:t>
+            </a:r>
+            <a:r>
+              <a:rPr lang="en-US" altLang="ko-KR" dirty="0"/>
+              <a:t>.</a:t>
+            </a:r>
+          </a:p>
+          <a:p>
+            <a:endParaRPr lang="en-US" altLang="ko-KR" dirty="0"/>
+          </a:p>
+          <a:p>
+            <a:r>
+              <a:rPr lang="ko-KR" altLang="en-US" dirty="0"/>
+              <a:t>물론 </a:t>
+            </a:r>
+            <a:r>
+              <a:rPr lang="en-US" altLang="ko-KR" dirty="0"/>
+              <a:t>EJB</a:t>
+            </a:r>
+            <a:r>
+              <a:rPr lang="ko-KR" altLang="en-US" dirty="0"/>
+              <a:t>와 비교할 수 없을 정도로 간단하긴 했지만 어플리케이션이 복잡해지면서 이 또한 </a:t>
+            </a:r>
+            <a:r>
+              <a:rPr lang="en-US" altLang="ko-KR" dirty="0"/>
+              <a:t>xml hell </a:t>
+            </a:r>
+            <a:r>
+              <a:rPr lang="ko-KR" altLang="en-US" dirty="0"/>
+              <a:t>이라는 이름으로 조롱거리가 되었습니다</a:t>
+            </a:r>
+            <a:r>
+              <a:rPr lang="en-US" altLang="ko-KR" dirty="0"/>
+              <a:t>.</a:t>
+            </a:r>
+          </a:p>
+          <a:p>
+            <a:endParaRPr lang="en-US" altLang="ko-KR" dirty="0"/>
+          </a:p>
+          <a:p>
+            <a:r>
+              <a:rPr lang="ko-KR" altLang="en-US" dirty="0"/>
+              <a:t>그러나</a:t>
             </a:r>
             <a:r>
               <a:rPr lang="en-US" altLang="ko-KR" dirty="0"/>
@@ -1505,15 +1361,7 @@
             </a:r>
             <a:r>
               <a:rPr lang="ko-KR" altLang="en-US" dirty="0"/>
-              <a:t>오른쪽이 </a:t>
-            </a:r>
-            <a:r>
-              <a:rPr lang="en-US" altLang="ko-KR" dirty="0"/>
-              <a:t>API </a:t>
-            </a:r>
-            <a:r>
-              <a:rPr lang="ko-KR" altLang="en-US" dirty="0"/>
-              <a:t>스펙인데</a:t>
+              <a:t>설정보단 관습이라는 구호 아래</a:t>
             </a:r>
             <a:r>
               <a:rPr lang="en-US" altLang="ko-KR" dirty="0"/>
@@ -1521,7 +1369,23 @@
             </a:r>
             <a:r>
               <a:rPr lang="ko-KR" altLang="en-US" dirty="0"/>
-              <a:t>간단히 살펴보겠습니다</a:t>
+              <a:t>이런 설정을 모두 생략하고 </a:t>
+            </a:r>
+            <a:r>
+              <a:rPr lang="en-US" altLang="ko-KR" dirty="0"/>
+              <a:t>annotation</a:t>
+            </a:r>
+            <a:r>
+              <a:rPr lang="ko-KR" altLang="en-US" dirty="0"/>
+              <a:t>을 통해 자동으로 서버가 </a:t>
+            </a:r>
+            <a:r>
+              <a:rPr lang="ko-KR" altLang="en-US" dirty="0" err="1"/>
+              <a:t>기동되도록</a:t>
+            </a:r>
+            <a:r>
+              <a:rPr lang="ko-KR" altLang="en-US" dirty="0"/>
+              <a:t> 변경되었습니다</a:t>
             </a:r>
             <a:r>
               <a:rPr lang="en-US" altLang="ko-KR" dirty="0"/>
@@ -1529,283 +1393,22 @@
             </a:r>
           </a:p>
           <a:p>
-            <a:endParaRPr lang="en-US" altLang="ko-KR" dirty="0"/>
-          </a:p>
-          <a:p>
-            <a:r>
-              <a:rPr lang="en-US" altLang="ko-KR" dirty="0"/>
-              <a:t>Article</a:t>
-            </a:r>
-            <a:r>
-              <a:rPr lang="ko-KR" altLang="en-US" dirty="0"/>
-              <a:t>은 </a:t>
-            </a:r>
-            <a:r>
-              <a:rPr lang="en-US" altLang="ko-KR" dirty="0"/>
-              <a:t>Long </a:t>
-            </a:r>
-            <a:r>
-              <a:rPr lang="ko-KR" altLang="en-US" dirty="0"/>
-              <a:t>타입의 </a:t>
-            </a:r>
-            <a:r>
-              <a:rPr lang="en-US" altLang="ko-KR" dirty="0"/>
-              <a:t>id</a:t>
-            </a:r>
-            <a:r>
-              <a:rPr lang="ko-KR" altLang="en-US" dirty="0"/>
-              <a:t>를 </a:t>
-            </a:r>
-            <a:r>
-              <a:rPr lang="en-US" altLang="ko-KR" dirty="0"/>
-              <a:t>PK</a:t>
-            </a:r>
-            <a:r>
-              <a:rPr lang="ko-KR" altLang="en-US" dirty="0"/>
-              <a:t>로</a:t>
-            </a:r>
-            <a:r>
-              <a:rPr lang="en-US" altLang="ko-KR" dirty="0"/>
-              <a:t> </a:t>
-            </a:r>
-            <a:r>
-              <a:rPr lang="ko-KR" altLang="en-US" dirty="0" err="1"/>
-              <a:t>잡을꺼고요</a:t>
-            </a:r>
-            <a:r>
-              <a:rPr lang="en-US" altLang="ko-KR" dirty="0"/>
-              <a:t>. </a:t>
-            </a:r>
-            <a:r>
-              <a:rPr lang="ko-KR" altLang="en-US" dirty="0"/>
-              <a:t>제목</a:t>
-            </a:r>
-            <a:r>
-              <a:rPr lang="en-US" altLang="ko-KR" dirty="0"/>
-              <a:t>, </a:t>
-            </a:r>
-            <a:r>
-              <a:rPr lang="ko-KR" altLang="en-US" dirty="0"/>
-              <a:t>내용</a:t>
-            </a:r>
-            <a:r>
-              <a:rPr lang="en-US" altLang="ko-KR" dirty="0"/>
-              <a:t>, author id </a:t>
-            </a:r>
-            <a:r>
-              <a:rPr lang="ko-KR" altLang="en-US" dirty="0"/>
-              <a:t>를 갖습니다</a:t>
-            </a:r>
-            <a:r>
-              <a:rPr lang="en-US" altLang="ko-KR" dirty="0"/>
-              <a:t>. Author id </a:t>
-            </a:r>
-            <a:r>
-              <a:rPr lang="ko-KR" altLang="en-US" dirty="0"/>
-              <a:t>는 </a:t>
-            </a:r>
-            <a:r>
-              <a:rPr lang="en-US" altLang="ko-KR" dirty="0"/>
-              <a:t>Long </a:t>
-            </a:r>
-            <a:r>
-              <a:rPr lang="ko-KR" altLang="en-US" dirty="0"/>
-              <a:t>타입의 키로 </a:t>
-            </a:r>
-            <a:r>
-              <a:rPr lang="ko-KR" altLang="en-US" dirty="0" err="1"/>
-              <a:t>매핑되고요</a:t>
+            <a:r>
+              <a:rPr lang="ko-KR" altLang="en-US" dirty="0"/>
+              <a:t>여러분들이 잘 아시는 </a:t>
+            </a:r>
+            <a:r>
+              <a:rPr lang="en-US" altLang="ko-KR" dirty="0"/>
+              <a:t>Spring boot </a:t>
+            </a:r>
+            <a:r>
+              <a:rPr lang="ko-KR" altLang="en-US" dirty="0"/>
+              <a:t>의 탄생입니다</a:t>
             </a:r>
             <a:r>
               <a:rPr lang="en-US" altLang="ko-KR" dirty="0"/>
               <a:t>.</a:t>
             </a:r>
-          </a:p>
-          <a:p>
-            <a:endParaRPr lang="en-US" altLang="ko-KR" dirty="0"/>
-          </a:p>
-          <a:p>
-            <a:r>
-              <a:rPr lang="ko-KR" altLang="en-US" dirty="0"/>
-              <a:t>마지막으로 등록일자</a:t>
-            </a:r>
-            <a:r>
-              <a:rPr lang="en-US" altLang="ko-KR" dirty="0"/>
-              <a:t>, </a:t>
-            </a:r>
-            <a:r>
-              <a:rPr lang="ko-KR" altLang="en-US" dirty="0"/>
-              <a:t>수정일자를 </a:t>
-            </a:r>
-            <a:r>
-              <a:rPr lang="en-US" altLang="ko-KR" dirty="0" err="1"/>
-              <a:t>LocalDateTIme</a:t>
-            </a:r>
-            <a:r>
-              <a:rPr lang="en-US" altLang="ko-KR" dirty="0"/>
-              <a:t> </a:t>
-            </a:r>
-            <a:r>
-              <a:rPr lang="ko-KR" altLang="en-US" dirty="0"/>
-              <a:t>형태로 저장해 </a:t>
-            </a:r>
-            <a:r>
-              <a:rPr lang="ko-KR" altLang="en-US" dirty="0" err="1"/>
-              <a:t>줄겁니다</a:t>
-            </a:r>
-            <a:r>
-              <a:rPr lang="en-US" altLang="ko-KR" dirty="0"/>
-              <a:t>.</a:t>
-            </a:r>
-          </a:p>
-          <a:p>
-            <a:endParaRPr lang="en-US" altLang="ko-KR" dirty="0"/>
-          </a:p>
-          <a:p>
-            <a:r>
-              <a:rPr lang="en-US" altLang="ko-KR" dirty="0"/>
-              <a:t>API </a:t>
-            </a:r>
-            <a:r>
-              <a:rPr lang="ko-KR" altLang="en-US" dirty="0"/>
-              <a:t>는 </a:t>
-            </a:r>
-            <a:r>
-              <a:rPr lang="en-US" altLang="ko-KR" dirty="0"/>
-              <a:t>restful </a:t>
-            </a:r>
-            <a:r>
-              <a:rPr lang="ko-KR" altLang="en-US" dirty="0"/>
-              <a:t>하게 설계할거고</a:t>
-            </a:r>
-            <a:r>
-              <a:rPr lang="en-US" altLang="ko-KR" dirty="0"/>
-              <a:t>, </a:t>
-            </a:r>
-            <a:r>
-              <a:rPr lang="ko-KR" altLang="en-US" dirty="0"/>
-              <a:t>기능들은 모두 </a:t>
-            </a:r>
-            <a:r>
-              <a:rPr lang="en-US" altLang="ko-KR" dirty="0"/>
-              <a:t>article</a:t>
-            </a:r>
-            <a:r>
-              <a:rPr lang="ko-KR" altLang="en-US" dirty="0"/>
-              <a:t>이라는 동일한 </a:t>
-            </a:r>
-            <a:r>
-              <a:rPr lang="en-US" altLang="ko-KR" dirty="0" err="1"/>
-              <a:t>uri</a:t>
-            </a:r>
-            <a:r>
-              <a:rPr lang="ko-KR" altLang="en-US" dirty="0"/>
-              <a:t>를 갖지만 각각은 기능에 적당한 </a:t>
-            </a:r>
-            <a:r>
-              <a:rPr lang="en-US" altLang="ko-KR" dirty="0"/>
-              <a:t>method</a:t>
-            </a:r>
-            <a:r>
-              <a:rPr lang="ko-KR" altLang="en-US" dirty="0"/>
-              <a:t>로 분리됩니다</a:t>
-            </a:r>
-            <a:r>
-              <a:rPr lang="en-US" altLang="ko-KR" dirty="0"/>
-              <a:t>.</a:t>
-            </a:r>
-          </a:p>
-          <a:p>
-            <a:r>
-              <a:rPr lang="ko-KR" altLang="en-US" dirty="0"/>
-              <a:t>등록은 </a:t>
-            </a:r>
-            <a:r>
-              <a:rPr lang="en-US" altLang="ko-KR" dirty="0"/>
-              <a:t>post, </a:t>
-            </a:r>
-            <a:r>
-              <a:rPr lang="ko-KR" altLang="en-US" dirty="0"/>
-              <a:t>수정은 </a:t>
-            </a:r>
-            <a:r>
-              <a:rPr lang="en-US" altLang="ko-KR" dirty="0"/>
-              <a:t>put, </a:t>
-            </a:r>
-            <a:r>
-              <a:rPr lang="ko-KR" altLang="en-US" dirty="0"/>
-              <a:t>삭제는 </a:t>
-            </a:r>
-            <a:r>
-              <a:rPr lang="en-US" altLang="ko-KR" dirty="0"/>
-              <a:t>delete, </a:t>
-            </a:r>
-            <a:r>
-              <a:rPr lang="ko-KR" altLang="en-US" dirty="0"/>
-              <a:t>그리고 조회는 모두 </a:t>
-            </a:r>
-            <a:r>
-              <a:rPr lang="en-US" altLang="ko-KR" dirty="0"/>
-              <a:t>get</a:t>
-            </a:r>
-            <a:r>
-              <a:rPr lang="ko-KR" altLang="en-US" dirty="0"/>
-              <a:t>으로 정의합니다</a:t>
-            </a:r>
-            <a:r>
-              <a:rPr lang="en-US" altLang="ko-KR" dirty="0"/>
-              <a:t>.</a:t>
-            </a:r>
-          </a:p>
-          <a:p>
-            <a:endParaRPr lang="en-US" altLang="ko-KR" dirty="0"/>
-          </a:p>
-          <a:p>
-            <a:r>
-              <a:rPr lang="ko-KR" altLang="en-US" dirty="0"/>
-              <a:t>각 기능들에 대한 파라미터를 이어서 살펴보겠습니다</a:t>
-            </a:r>
-            <a:r>
-              <a:rPr lang="en-US" altLang="ko-KR" dirty="0"/>
-              <a:t>.</a:t>
-            </a:r>
-          </a:p>
-          <a:p>
-            <a:endParaRPr lang="en-US" altLang="ko-KR" dirty="0"/>
-          </a:p>
-          <a:p>
-            <a:pPr marL="0" marR="0" lvl="0" indent="0" algn="l" defTabSz="685800" rtl="0" eaLnBrk="1" fontAlgn="auto" latinLnBrk="1" hangingPunct="1">
-              <a:lnSpc>
-                <a:spcPct val="100000"/>
-              </a:lnSpc>
-              <a:spcBef>
-                <a:spcPts val="0"/>
-              </a:spcBef>
-              <a:spcAft>
-                <a:spcPts val="0"/>
-              </a:spcAft>
-              <a:buClrTx/>
-              <a:buSzTx/>
-              <a:buFontTx/>
-              <a:buNone/>
-              <a:tabLst/>
-              <a:defRPr/>
-            </a:pPr>
-            <a:r>
-              <a:rPr lang="en-US" altLang="ko-KR" dirty="0"/>
-              <a:t>&lt;&lt;</a:t>
-            </a:r>
-            <a:r>
-              <a:rPr lang="ko-KR" altLang="en-US" dirty="0"/>
-              <a:t>설명</a:t>
-            </a:r>
-            <a:r>
-              <a:rPr lang="en-US" altLang="ko-KR" dirty="0"/>
-              <a:t>&gt;&gt;</a:t>
-            </a:r>
-          </a:p>
-          <a:p>
-            <a:endParaRPr lang="en-US" altLang="ko-KR" dirty="0"/>
           </a:p>
         </p:txBody>
       </p:sp>
@@ -1826,7 +1429,7 @@
           <a:p>
             <a:fld id="{4F243B46-72FF-4656-838A-691B9EB329E3}" type="slidenum">
               <a:rPr lang="ko-KR" altLang="en-US" smtClean="0"/>
-              <a:t>3</a:t>
+              <a:t>8</a:t>
             </a:fld>
             <a:endParaRPr lang="ko-KR" altLang="en-US"/>
           </a:p>
@@ -1835,7 +1438,7 @@
     </p:spTree>
     <p:extLst>
       <p:ext uri="{BB962C8B-B14F-4D97-AF65-F5344CB8AC3E}">
-        <p14:creationId xmlns:p14="http://schemas.microsoft.com/office/powerpoint/2010/main" val="1978714165"/>
+        <p14:creationId xmlns:p14="http://schemas.microsoft.com/office/powerpoint/2010/main" val="3409483807"/>
       </p:ext>
     </p:extLst>
   </p:cSld>
@@ -1890,8 +1493,367 @@
           <a:lstStyle/>
           <a:p>
             <a:r>
-              <a:rPr lang="ko-KR" altLang="en-US" dirty="0"/>
-              <a:t>프로젝트 환경을 구성해 보겠습니다</a:t>
+              <a:rPr lang="en-US" altLang="ko-KR" dirty="0"/>
+              <a:t>Spring MVC</a:t>
+            </a:r>
+            <a:r>
+              <a:rPr lang="ko-KR" altLang="en-US" dirty="0"/>
+              <a:t>로 저희가 만들어볼 간단한 </a:t>
+            </a:r>
+            <a:r>
+              <a:rPr lang="en-US" altLang="ko-KR" dirty="0"/>
+              <a:t>CRUD </a:t>
+            </a:r>
+            <a:r>
+              <a:rPr lang="ko-KR" altLang="en-US" dirty="0"/>
+              <a:t>서비스 </a:t>
+            </a:r>
+            <a:r>
+              <a:rPr lang="ko-KR" altLang="en-US" dirty="0" err="1"/>
+              <a:t>구현내용입니다</a:t>
+            </a:r>
+            <a:r>
+              <a:rPr lang="en-US" altLang="ko-KR" dirty="0"/>
+              <a:t>.</a:t>
+            </a:r>
+          </a:p>
+          <a:p>
+            <a:endParaRPr lang="en-US" altLang="ko-KR" dirty="0"/>
+          </a:p>
+          <a:p>
+            <a:r>
+              <a:rPr lang="ko-KR" altLang="en-US" dirty="0" err="1"/>
+              <a:t>아티클이</a:t>
+            </a:r>
+            <a:r>
+              <a:rPr lang="ko-KR" altLang="en-US" dirty="0"/>
+              <a:t> 있고요</a:t>
+            </a:r>
+            <a:endParaRPr lang="en-US" altLang="ko-KR" dirty="0"/>
+          </a:p>
+          <a:p>
+            <a:r>
+              <a:rPr lang="ko-KR" altLang="en-US" dirty="0"/>
+              <a:t>그 </a:t>
+            </a:r>
+            <a:r>
+              <a:rPr lang="ko-KR" altLang="en-US" dirty="0" err="1"/>
+              <a:t>아티클을</a:t>
+            </a:r>
+            <a:r>
+              <a:rPr lang="ko-KR" altLang="en-US" dirty="0"/>
+              <a:t> 등록</a:t>
+            </a:r>
+            <a:r>
+              <a:rPr lang="en-US" altLang="ko-KR" dirty="0"/>
+              <a:t>, </a:t>
+            </a:r>
+            <a:r>
+              <a:rPr lang="ko-KR" altLang="en-US" dirty="0"/>
+              <a:t>수정</a:t>
+            </a:r>
+            <a:r>
+              <a:rPr lang="en-US" altLang="ko-KR" dirty="0"/>
+              <a:t>, </a:t>
+            </a:r>
+            <a:r>
+              <a:rPr lang="ko-KR" altLang="en-US" dirty="0"/>
+              <a:t>삭제</a:t>
+            </a:r>
+            <a:r>
+              <a:rPr lang="en-US" altLang="ko-KR" dirty="0"/>
+              <a:t>, </a:t>
+            </a:r>
+            <a:r>
+              <a:rPr lang="ko-KR" altLang="en-US" dirty="0"/>
+              <a:t>그리고 조회 할 수 있는 </a:t>
+            </a:r>
+            <a:r>
+              <a:rPr lang="en-US" altLang="ko-KR" dirty="0"/>
+              <a:t>CRUD API </a:t>
+            </a:r>
+            <a:r>
+              <a:rPr lang="ko-KR" altLang="en-US" dirty="0"/>
+              <a:t>입니다</a:t>
+            </a:r>
+            <a:r>
+              <a:rPr lang="en-US" altLang="ko-KR" dirty="0"/>
+              <a:t>.</a:t>
+            </a:r>
+          </a:p>
+          <a:p>
+            <a:endParaRPr lang="en-US" altLang="ko-KR" dirty="0"/>
+          </a:p>
+          <a:p>
+            <a:r>
+              <a:rPr lang="ko-KR" altLang="en-US" dirty="0"/>
+              <a:t>왼쪽이 자료구조</a:t>
+            </a:r>
+            <a:r>
+              <a:rPr lang="en-US" altLang="ko-KR" dirty="0"/>
+              <a:t>, </a:t>
+            </a:r>
+            <a:r>
+              <a:rPr lang="ko-KR" altLang="en-US" dirty="0"/>
+              <a:t>오른쪽이 </a:t>
+            </a:r>
+            <a:r>
+              <a:rPr lang="en-US" altLang="ko-KR" dirty="0"/>
+              <a:t>API </a:t>
+            </a:r>
+            <a:r>
+              <a:rPr lang="ko-KR" altLang="en-US" dirty="0"/>
+              <a:t>스펙인데</a:t>
+            </a:r>
+            <a:r>
+              <a:rPr lang="en-US" altLang="ko-KR" dirty="0"/>
+              <a:t>, </a:t>
+            </a:r>
+            <a:r>
+              <a:rPr lang="ko-KR" altLang="en-US" dirty="0"/>
+              <a:t>간단히 살펴보겠습니다</a:t>
+            </a:r>
+            <a:r>
+              <a:rPr lang="en-US" altLang="ko-KR" dirty="0"/>
+              <a:t>.</a:t>
+            </a:r>
+          </a:p>
+          <a:p>
+            <a:endParaRPr lang="en-US" altLang="ko-KR" dirty="0"/>
+          </a:p>
+          <a:p>
+            <a:r>
+              <a:rPr lang="en-US" altLang="ko-KR" dirty="0"/>
+              <a:t>Article</a:t>
+            </a:r>
+            <a:r>
+              <a:rPr lang="ko-KR" altLang="en-US" dirty="0"/>
+              <a:t>은 </a:t>
+            </a:r>
+            <a:r>
+              <a:rPr lang="en-US" altLang="ko-KR" dirty="0"/>
+              <a:t>Long </a:t>
+            </a:r>
+            <a:r>
+              <a:rPr lang="ko-KR" altLang="en-US" dirty="0"/>
+              <a:t>타입의 </a:t>
+            </a:r>
+            <a:r>
+              <a:rPr lang="en-US" altLang="ko-KR" dirty="0"/>
+              <a:t>id</a:t>
+            </a:r>
+            <a:r>
+              <a:rPr lang="ko-KR" altLang="en-US" dirty="0"/>
+              <a:t>를 </a:t>
+            </a:r>
+            <a:r>
+              <a:rPr lang="en-US" altLang="ko-KR" dirty="0"/>
+              <a:t>PK</a:t>
+            </a:r>
+            <a:r>
+              <a:rPr lang="ko-KR" altLang="en-US" dirty="0"/>
+              <a:t>로</a:t>
+            </a:r>
+            <a:r>
+              <a:rPr lang="en-US" altLang="ko-KR" dirty="0"/>
+              <a:t> </a:t>
+            </a:r>
+            <a:r>
+              <a:rPr lang="ko-KR" altLang="en-US" dirty="0" err="1"/>
+              <a:t>잡을꺼고요</a:t>
+            </a:r>
+            <a:r>
+              <a:rPr lang="en-US" altLang="ko-KR" dirty="0"/>
+              <a:t>. </a:t>
+            </a:r>
+            <a:r>
+              <a:rPr lang="ko-KR" altLang="en-US" dirty="0"/>
+              <a:t>제목</a:t>
+            </a:r>
+            <a:r>
+              <a:rPr lang="en-US" altLang="ko-KR" dirty="0"/>
+              <a:t>, </a:t>
+            </a:r>
+            <a:r>
+              <a:rPr lang="ko-KR" altLang="en-US" dirty="0"/>
+              <a:t>내용</a:t>
+            </a:r>
+            <a:r>
+              <a:rPr lang="en-US" altLang="ko-KR" dirty="0"/>
+              <a:t>, author id </a:t>
+            </a:r>
+            <a:r>
+              <a:rPr lang="ko-KR" altLang="en-US" dirty="0"/>
+              <a:t>를 갖습니다</a:t>
+            </a:r>
+            <a:r>
+              <a:rPr lang="en-US" altLang="ko-KR" dirty="0"/>
+              <a:t>. Author id </a:t>
+            </a:r>
+            <a:r>
+              <a:rPr lang="ko-KR" altLang="en-US" dirty="0"/>
+              <a:t>는 </a:t>
+            </a:r>
+            <a:r>
+              <a:rPr lang="en-US" altLang="ko-KR" dirty="0"/>
+              <a:t>Long </a:t>
+            </a:r>
+            <a:r>
+              <a:rPr lang="ko-KR" altLang="en-US" dirty="0"/>
+              <a:t>타입의 키로 </a:t>
+            </a:r>
+            <a:r>
+              <a:rPr lang="ko-KR" altLang="en-US" dirty="0" err="1"/>
+              <a:t>매핑되고요</a:t>
+            </a:r>
+            <a:r>
+              <a:rPr lang="en-US" altLang="ko-KR" dirty="0"/>
+              <a:t>.</a:t>
+            </a:r>
+          </a:p>
+          <a:p>
+            <a:endParaRPr lang="en-US" altLang="ko-KR" dirty="0"/>
+          </a:p>
+          <a:p>
+            <a:r>
+              <a:rPr lang="ko-KR" altLang="en-US" dirty="0"/>
+              <a:t>마지막으로 등록일자</a:t>
+            </a:r>
+            <a:r>
+              <a:rPr lang="en-US" altLang="ko-KR" dirty="0"/>
+              <a:t>, </a:t>
+            </a:r>
+            <a:r>
+              <a:rPr lang="ko-KR" altLang="en-US" dirty="0"/>
+              <a:t>수정일자를 </a:t>
+            </a:r>
+            <a:r>
+              <a:rPr lang="en-US" altLang="ko-KR" dirty="0" err="1"/>
+              <a:t>LocalDateTIme</a:t>
+            </a:r>
+            <a:r>
+              <a:rPr lang="en-US" altLang="ko-KR" dirty="0"/>
+              <a:t> </a:t>
+            </a:r>
+            <a:r>
+              <a:rPr lang="ko-KR" altLang="en-US" dirty="0"/>
+              <a:t>형태로 저장해 </a:t>
+            </a:r>
+            <a:r>
+              <a:rPr lang="ko-KR" altLang="en-US" dirty="0" err="1"/>
+              <a:t>줄겁니다</a:t>
+            </a:r>
+            <a:r>
+              <a:rPr lang="en-US" altLang="ko-KR" dirty="0"/>
+              <a:t>.</a:t>
+            </a:r>
+          </a:p>
+          <a:p>
+            <a:endParaRPr lang="en-US" altLang="ko-KR" dirty="0"/>
+          </a:p>
+          <a:p>
+            <a:r>
+              <a:rPr lang="en-US" altLang="ko-KR" dirty="0"/>
+              <a:t>API </a:t>
+            </a:r>
+            <a:r>
+              <a:rPr lang="ko-KR" altLang="en-US" dirty="0"/>
+              <a:t>는 </a:t>
+            </a:r>
+            <a:r>
+              <a:rPr lang="en-US" altLang="ko-KR" dirty="0"/>
+              <a:t>restful </a:t>
+            </a:r>
+            <a:r>
+              <a:rPr lang="ko-KR" altLang="en-US" dirty="0"/>
+              <a:t>하게 설계할거고</a:t>
+            </a:r>
+            <a:r>
+              <a:rPr lang="en-US" altLang="ko-KR" dirty="0"/>
+              <a:t>, </a:t>
+            </a:r>
+            <a:r>
+              <a:rPr lang="ko-KR" altLang="en-US" dirty="0"/>
+              <a:t>기능들은 모두 </a:t>
+            </a:r>
+            <a:r>
+              <a:rPr lang="en-US" altLang="ko-KR" dirty="0"/>
+              <a:t>article</a:t>
+            </a:r>
+            <a:r>
+              <a:rPr lang="ko-KR" altLang="en-US" dirty="0"/>
+              <a:t>이라는 동일한 </a:t>
+            </a:r>
+            <a:r>
+              <a:rPr lang="en-US" altLang="ko-KR" dirty="0" err="1"/>
+              <a:t>uri</a:t>
+            </a:r>
+            <a:r>
+              <a:rPr lang="ko-KR" altLang="en-US" dirty="0"/>
+              <a:t>를 갖지만 각각은 기능에 적당한 </a:t>
+            </a:r>
+            <a:r>
+              <a:rPr lang="en-US" altLang="ko-KR" dirty="0"/>
+              <a:t>method</a:t>
+            </a:r>
+            <a:r>
+              <a:rPr lang="ko-KR" altLang="en-US" dirty="0"/>
+              <a:t>로 분리됩니다</a:t>
+            </a:r>
+            <a:r>
+              <a:rPr lang="en-US" altLang="ko-KR" dirty="0"/>
+              <a:t>.</a:t>
+            </a:r>
+          </a:p>
+          <a:p>
+            <a:r>
+              <a:rPr lang="ko-KR" altLang="en-US" dirty="0"/>
+              <a:t>등록은 </a:t>
+            </a:r>
+            <a:r>
+              <a:rPr lang="en-US" altLang="ko-KR" dirty="0"/>
+              <a:t>post, </a:t>
+            </a:r>
+            <a:r>
+              <a:rPr lang="ko-KR" altLang="en-US" dirty="0"/>
+              <a:t>수정은 </a:t>
+            </a:r>
+            <a:r>
+              <a:rPr lang="en-US" altLang="ko-KR" dirty="0"/>
+              <a:t>put, </a:t>
+            </a:r>
+            <a:r>
+              <a:rPr lang="ko-KR" altLang="en-US" dirty="0"/>
+              <a:t>삭제는 </a:t>
+            </a:r>
+            <a:r>
+              <a:rPr lang="en-US" altLang="ko-KR" dirty="0"/>
+              <a:t>delete, </a:t>
+            </a:r>
+            <a:r>
+              <a:rPr lang="ko-KR" altLang="en-US" dirty="0"/>
+              <a:t>그리고 조회는 모두 </a:t>
+            </a:r>
+            <a:r>
+              <a:rPr lang="en-US" altLang="ko-KR" dirty="0"/>
+              <a:t>get</a:t>
+            </a:r>
+            <a:r>
+              <a:rPr lang="ko-KR" altLang="en-US" dirty="0"/>
+              <a:t>으로 정의합니다</a:t>
+            </a:r>
+            <a:r>
+              <a:rPr lang="en-US" altLang="ko-KR" dirty="0"/>
+              <a:t>.</a:t>
+            </a:r>
+          </a:p>
+          <a:p>
+            <a:endParaRPr lang="en-US" altLang="ko-KR" dirty="0"/>
+          </a:p>
+          <a:p>
+            <a:r>
+              <a:rPr lang="ko-KR" altLang="en-US" dirty="0"/>
+              <a:t>각 기능들에 대한 파라미터를 이어서 살펴보겠습니다</a:t>
             </a:r>
             <a:r>
               <a:rPr lang="en-US" altLang="ko-KR" dirty="0"/>
@@ -1928,7 +1890,7 @@
               <a:t>설명</a:t>
             </a:r>
             <a:r>
-              <a:rPr lang="en-US" altLang="ko-KR"/>
+              <a:rPr lang="en-US" altLang="ko-KR" dirty="0"/>
               <a:t>&gt;&gt;</a:t>
             </a:r>
           </a:p>
@@ -1954,7 +1916,7 @@
           <a:p>
             <a:fld id="{4F243B46-72FF-4656-838A-691B9EB329E3}" type="slidenum">
               <a:rPr lang="ko-KR" altLang="en-US" smtClean="0"/>
-              <a:t>4</a:t>
+              <a:t>9</a:t>
             </a:fld>
             <a:endParaRPr lang="ko-KR" altLang="en-US"/>
           </a:p>
@@ -1963,7 +1925,7 @@
     </p:spTree>
     <p:extLst>
       <p:ext uri="{BB962C8B-B14F-4D97-AF65-F5344CB8AC3E}">
-        <p14:creationId xmlns:p14="http://schemas.microsoft.com/office/powerpoint/2010/main" val="3800460661"/>
+        <p14:creationId xmlns:p14="http://schemas.microsoft.com/office/powerpoint/2010/main" val="1978714165"/>
       </p:ext>
     </p:extLst>
   </p:cSld>
@@ -2019,8 +1981,49 @@
           <a:p>
             <a:r>
               <a:rPr lang="ko-KR" altLang="en-US" dirty="0"/>
-              <a:t>지금부터는 동기 서비스를 본격적으로 구현해 보겠습니다</a:t>
-            </a:r>
+              <a:t>프로젝트 환경을 구성해 보겠습니다</a:t>
+            </a:r>
+            <a:r>
+              <a:rPr lang="en-US" altLang="ko-KR" dirty="0"/>
+              <a:t>.</a:t>
+            </a:r>
+          </a:p>
+          <a:p>
+            <a:endParaRPr lang="en-US" altLang="ko-KR" dirty="0"/>
+          </a:p>
+          <a:p>
+            <a:pPr marL="0" marR="0" lvl="0" indent="0" algn="l" defTabSz="685800" rtl="0" eaLnBrk="1" fontAlgn="auto" latinLnBrk="1" hangingPunct="1">
+              <a:lnSpc>
+                <a:spcPct val="100000"/>
+              </a:lnSpc>
+              <a:spcBef>
+                <a:spcPts val="0"/>
+              </a:spcBef>
+              <a:spcAft>
+                <a:spcPts val="0"/>
+              </a:spcAft>
+              <a:buClrTx/>
+              <a:buSzTx/>
+              <a:buFontTx/>
+              <a:buNone/>
+              <a:tabLst/>
+              <a:defRPr/>
+            </a:pPr>
+            <a:r>
+              <a:rPr lang="en-US" altLang="ko-KR" dirty="0"/>
+              <a:t>&lt;&lt;</a:t>
+            </a:r>
+            <a:r>
+              <a:rPr lang="ko-KR" altLang="en-US" dirty="0"/>
+              <a:t>설명</a:t>
+            </a:r>
+            <a:r>
+              <a:rPr lang="en-US" altLang="ko-KR"/>
+              <a:t>&gt;&gt;</a:t>
+            </a:r>
+          </a:p>
+          <a:p>
+            <a:endParaRPr lang="en-US" altLang="ko-KR" dirty="0"/>
           </a:p>
         </p:txBody>
       </p:sp>
@@ -2041,7 +2044,7 @@
           <a:p>
             <a:fld id="{4F243B46-72FF-4656-838A-691B9EB329E3}" type="slidenum">
               <a:rPr lang="ko-KR" altLang="en-US" smtClean="0"/>
-              <a:t>5</a:t>
+              <a:t>10</a:t>
             </a:fld>
             <a:endParaRPr lang="ko-KR" altLang="en-US"/>
           </a:p>
@@ -2050,7 +2053,7 @@
     </p:spTree>
     <p:extLst>
       <p:ext uri="{BB962C8B-B14F-4D97-AF65-F5344CB8AC3E}">
-        <p14:creationId xmlns:p14="http://schemas.microsoft.com/office/powerpoint/2010/main" val="2672002668"/>
+        <p14:creationId xmlns:p14="http://schemas.microsoft.com/office/powerpoint/2010/main" val="3800460661"/>
       </p:ext>
     </p:extLst>
   </p:cSld>
@@ -2106,33 +2109,8 @@
           <a:p>
             <a:r>
               <a:rPr lang="ko-KR" altLang="en-US" dirty="0"/>
-              <a:t>모든 개발과정의 </a:t>
-            </a:r>
-            <a:r>
-              <a:rPr lang="ko-KR" altLang="en-US" dirty="0" err="1"/>
-              <a:t>기초죠</a:t>
-            </a:r>
-            <a:r>
-              <a:rPr lang="en-US" altLang="ko-KR" dirty="0"/>
-              <a:t>. Hello world</a:t>
-            </a:r>
-            <a:r>
-              <a:rPr lang="ko-KR" altLang="en-US" dirty="0"/>
-              <a:t>를 </a:t>
-            </a:r>
-            <a:r>
-              <a:rPr lang="en-US" altLang="ko-KR" dirty="0"/>
-              <a:t>API</a:t>
-            </a:r>
-            <a:r>
-              <a:rPr lang="ko-KR" altLang="en-US" dirty="0"/>
-              <a:t>로 구현해 보겠습니다</a:t>
-            </a:r>
-            <a:r>
-              <a:rPr lang="en-US" altLang="ko-KR" dirty="0"/>
-              <a:t>.</a:t>
-            </a:r>
-            <a:endParaRPr lang="ko-KR" altLang="en-US" dirty="0"/>
+              <a:t>지금부터는 동기 서비스를 본격적으로 구현해 보겠습니다</a:t>
+            </a:r>
           </a:p>
         </p:txBody>
       </p:sp>
@@ -2153,7 +2131,7 @@
           <a:p>
             <a:fld id="{4F243B46-72FF-4656-838A-691B9EB329E3}" type="slidenum">
               <a:rPr lang="ko-KR" altLang="en-US" smtClean="0"/>
-              <a:t>6</a:t>
+              <a:t>11</a:t>
             </a:fld>
             <a:endParaRPr lang="ko-KR" altLang="en-US"/>
           </a:p>
@@ -2162,7 +2140,7 @@
     </p:spTree>
     <p:extLst>
       <p:ext uri="{BB962C8B-B14F-4D97-AF65-F5344CB8AC3E}">
-        <p14:creationId xmlns:p14="http://schemas.microsoft.com/office/powerpoint/2010/main" val="3842670641"/>
+        <p14:creationId xmlns:p14="http://schemas.microsoft.com/office/powerpoint/2010/main" val="2672002668"/>
       </p:ext>
     </p:extLst>
   </p:cSld>
@@ -2218,15 +2196,27 @@
           <a:p>
             <a:r>
               <a:rPr lang="ko-KR" altLang="en-US" dirty="0"/>
-              <a:t>다음으로 </a:t>
-            </a:r>
-            <a:r>
-              <a:rPr lang="en-US" altLang="ko-KR" dirty="0"/>
-              <a:t>CRUD </a:t>
-            </a:r>
-            <a:r>
-              <a:rPr lang="ko-KR" altLang="en-US" dirty="0"/>
-              <a:t>서비스를 구현해 보겠습니다</a:t>
+              <a:t>모든 개발과정의 </a:t>
+            </a:r>
+            <a:r>
+              <a:rPr lang="ko-KR" altLang="en-US" dirty="0" err="1"/>
+              <a:t>기초죠</a:t>
+            </a:r>
+            <a:r>
+              <a:rPr lang="en-US" altLang="ko-KR" dirty="0"/>
+              <a:t>. Hello world</a:t>
+            </a:r>
+            <a:r>
+              <a:rPr lang="ko-KR" altLang="en-US" dirty="0"/>
+              <a:t>를 </a:t>
+            </a:r>
+            <a:r>
+              <a:rPr lang="en-US" altLang="ko-KR" dirty="0"/>
+              <a:t>API</a:t>
+            </a:r>
+            <a:r>
+              <a:rPr lang="ko-KR" altLang="en-US" dirty="0"/>
+              <a:t>로 구현해 보겠습니다</a:t>
             </a:r>
             <a:r>
               <a:rPr lang="en-US" altLang="ko-KR" dirty="0"/>
@@ -2253,7 +2243,7 @@
           <a:p>
             <a:fld id="{4F243B46-72FF-4656-838A-691B9EB329E3}" type="slidenum">
               <a:rPr lang="ko-KR" altLang="en-US" smtClean="0"/>
-              <a:t>7</a:t>
+              <a:t>12</a:t>
             </a:fld>
             <a:endParaRPr lang="ko-KR" altLang="en-US"/>
           </a:p>
@@ -2262,7 +2252,7 @@
     </p:spTree>
     <p:extLst>
       <p:ext uri="{BB962C8B-B14F-4D97-AF65-F5344CB8AC3E}">
-        <p14:creationId xmlns:p14="http://schemas.microsoft.com/office/powerpoint/2010/main" val="1580396177"/>
+        <p14:creationId xmlns:p14="http://schemas.microsoft.com/office/powerpoint/2010/main" val="3842670641"/>
       </p:ext>
     </p:extLst>
   </p:cSld>
@@ -2316,6 +2306,106 @@
           <a:bodyPr/>
           <a:lstStyle/>
           <a:p>
+            <a:r>
+              <a:rPr lang="ko-KR" altLang="en-US" dirty="0"/>
+              <a:t>다음으로 </a:t>
+            </a:r>
+            <a:r>
+              <a:rPr lang="en-US" altLang="ko-KR" dirty="0"/>
+              <a:t>CRUD </a:t>
+            </a:r>
+            <a:r>
+              <a:rPr lang="ko-KR" altLang="en-US" dirty="0"/>
+              <a:t>서비스를 구현해 보겠습니다</a:t>
+            </a:r>
+            <a:r>
+              <a:rPr lang="en-US" altLang="ko-KR" dirty="0"/>
+              <a:t>.</a:t>
+            </a:r>
+            <a:endParaRPr lang="ko-KR" altLang="en-US" dirty="0"/>
+          </a:p>
+        </p:txBody>
+      </p:sp>
+      <p:sp>
+        <p:nvSpPr>
+          <p:cNvPr id="4" name="슬라이드 번호 개체 틀 3"/>
+          <p:cNvSpPr>
+            <a:spLocks noGrp="1"/>
+          </p:cNvSpPr>
+          <p:nvPr>
+            <p:ph type="sldNum" sz="quarter" idx="5"/>
+          </p:nvPr>
+        </p:nvSpPr>
+        <p:spPr/>
+        <p:txBody>
+          <a:bodyPr/>
+          <a:lstStyle/>
+          <a:p>
+            <a:fld id="{4F243B46-72FF-4656-838A-691B9EB329E3}" type="slidenum">
+              <a:rPr lang="ko-KR" altLang="en-US" smtClean="0"/>
+              <a:t>13</a:t>
+            </a:fld>
+            <a:endParaRPr lang="ko-KR" altLang="en-US"/>
+          </a:p>
+        </p:txBody>
+      </p:sp>
+    </p:spTree>
+    <p:extLst>
+      <p:ext uri="{BB962C8B-B14F-4D97-AF65-F5344CB8AC3E}">
+        <p14:creationId xmlns:p14="http://schemas.microsoft.com/office/powerpoint/2010/main" val="1580396177"/>
+      </p:ext>
+    </p:extLst>
+  </p:cSld>
+  <p:clrMapOvr>
+    <a:masterClrMapping/>
+  </p:clrMapOvr>
+</p:notes>
+</file>
+
+<file path=ppt/notesSlides/notesSlide9.xml><?xml version="1.0" encoding="utf-8"?>
+<p:notes xmlns:a="http://schemas.openxmlformats.org/drawingml/2006/main" xmlns:r="http://schemas.openxmlformats.org/officeDocument/2006/relationships" xmlns:p="http://schemas.openxmlformats.org/presentationml/2006/main">
+  <p:cSld>
+    <p:spTree>
+      <p:nvGrpSpPr>
+        <p:cNvPr id="1" name=""/>
+        <p:cNvGrpSpPr/>
+        <p:nvPr/>
+      </p:nvGrpSpPr>
+      <p:grpSpPr>
+        <a:xfrm>
+          <a:off x="0" y="0"/>
+          <a:ext cx="0" cy="0"/>
+          <a:chOff x="0" y="0"/>
+          <a:chExt cx="0" cy="0"/>
+        </a:xfrm>
+      </p:grpSpPr>
+      <p:sp>
+        <p:nvSpPr>
+          <p:cNvPr id="2" name="슬라이드 이미지 개체 틀 1"/>
+          <p:cNvSpPr>
+            <a:spLocks noGrp="1" noRot="1" noChangeAspect="1"/>
+          </p:cNvSpPr>
+          <p:nvPr>
+            <p:ph type="sldImg"/>
+          </p:nvPr>
+        </p:nvSpPr>
+        <p:spPr/>
+      </p:sp>
+      <p:sp>
+        <p:nvSpPr>
+          <p:cNvPr id="3" name="슬라이드 노트 개체 틀 2"/>
+          <p:cNvSpPr>
+            <a:spLocks noGrp="1"/>
+          </p:cNvSpPr>
+          <p:nvPr>
+            <p:ph type="body" idx="1"/>
+          </p:nvPr>
+        </p:nvSpPr>
+        <p:spPr/>
+        <p:txBody>
+          <a:bodyPr/>
+          <a:lstStyle/>
+          <a:p>
             <a:pPr marL="0" marR="0" lvl="0" indent="0" algn="l" defTabSz="685800" rtl="0" eaLnBrk="1" fontAlgn="auto" latinLnBrk="1" hangingPunct="1">
               <a:lnSpc>
                 <a:spcPct val="100000"/>
@@ -2365,7 +2455,7 @@
           <a:p>
             <a:fld id="{4F243B46-72FF-4656-838A-691B9EB329E3}" type="slidenum">
               <a:rPr lang="ko-KR" altLang="en-US" smtClean="0"/>
-              <a:t>8</a:t>
+              <a:t>14</a:t>
             </a:fld>
             <a:endParaRPr lang="ko-KR" altLang="en-US"/>
           </a:p>
@@ -4042,6 +4132,308 @@
           <a:chExt cx="0" cy="0"/>
         </a:xfrm>
       </p:grpSpPr>
+      <p:pic>
+        <p:nvPicPr>
+          <p:cNvPr id="17" name="그림 16">
+            <a:extLst>
+              <a:ext uri="{FF2B5EF4-FFF2-40B4-BE49-F238E27FC236}">
+                <a16:creationId xmlns:a16="http://schemas.microsoft.com/office/drawing/2014/main" id="{F1F11357-4EB1-DF89-F26B-D5372393C655}"/>
+              </a:ext>
+            </a:extLst>
+          </p:cNvPr>
+          <p:cNvPicPr>
+            <a:picLocks noChangeAspect="1"/>
+          </p:cNvPicPr>
+          <p:nvPr/>
+        </p:nvPicPr>
+        <p:blipFill>
+          <a:blip r:embed="rId3"/>
+          <a:stretch>
+            <a:fillRect/>
+          </a:stretch>
+        </p:blipFill>
+        <p:spPr>
+          <a:xfrm>
+            <a:off x="842962" y="938212"/>
+            <a:ext cx="7458075" cy="3267075"/>
+          </a:xfrm>
+          <a:prstGeom prst="rect">
+            <a:avLst/>
+          </a:prstGeom>
+        </p:spPr>
+      </p:pic>
+    </p:spTree>
+    <p:extLst>
+      <p:ext uri="{BB962C8B-B14F-4D97-AF65-F5344CB8AC3E}">
+        <p14:creationId xmlns:p14="http://schemas.microsoft.com/office/powerpoint/2010/main" val="2271033061"/>
+      </p:ext>
+    </p:extLst>
+  </p:cSld>
+  <p:clrMapOvr>
+    <a:masterClrMapping/>
+  </p:clrMapOvr>
+</p:sld>
+</file>
+
+<file path=ppt/slides/slide10.xml><?xml version="1.0" encoding="utf-8"?>
+<p:sld xmlns:a="http://schemas.openxmlformats.org/drawingml/2006/main" xmlns:r="http://schemas.openxmlformats.org/officeDocument/2006/relationships" xmlns:p="http://schemas.openxmlformats.org/presentationml/2006/main">
+  <p:cSld>
+    <p:spTree>
+      <p:nvGrpSpPr>
+        <p:cNvPr id="1" name=""/>
+        <p:cNvGrpSpPr/>
+        <p:nvPr/>
+      </p:nvGrpSpPr>
+      <p:grpSpPr>
+        <a:xfrm>
+          <a:off x="0" y="0"/>
+          <a:ext cx="0" cy="0"/>
+          <a:chOff x="0" y="0"/>
+          <a:chExt cx="0" cy="0"/>
+        </a:xfrm>
+      </p:grpSpPr>
+      <p:sp>
+        <p:nvSpPr>
+          <p:cNvPr id="2" name="제목 1">
+            <a:extLst>
+              <a:ext uri="{FF2B5EF4-FFF2-40B4-BE49-F238E27FC236}">
+                <a16:creationId xmlns:a16="http://schemas.microsoft.com/office/drawing/2014/main" id="{D21C1AA9-5E52-3A11-B3B3-447787E29D09}"/>
+              </a:ext>
+            </a:extLst>
+          </p:cNvPr>
+          <p:cNvSpPr>
+            <a:spLocks noGrp="1"/>
+          </p:cNvSpPr>
+          <p:nvPr>
+            <p:ph type="title"/>
+          </p:nvPr>
+        </p:nvSpPr>
+        <p:spPr/>
+        <p:txBody>
+          <a:bodyPr/>
+          <a:lstStyle/>
+          <a:p>
+            <a:r>
+              <a:rPr lang="ko-KR" altLang="en-US" dirty="0"/>
+              <a:t>구현내용 및 개발환경 구성</a:t>
+            </a:r>
+          </a:p>
+        </p:txBody>
+      </p:sp>
+      <p:sp>
+        <p:nvSpPr>
+          <p:cNvPr id="4" name="내용 개체 틀 3">
+            <a:extLst>
+              <a:ext uri="{FF2B5EF4-FFF2-40B4-BE49-F238E27FC236}">
+                <a16:creationId xmlns:a16="http://schemas.microsoft.com/office/drawing/2014/main" id="{42F6317C-F28B-ECBE-0810-17736FC7D8AB}"/>
+              </a:ext>
+            </a:extLst>
+          </p:cNvPr>
+          <p:cNvSpPr>
+            <a:spLocks noGrp="1"/>
+          </p:cNvSpPr>
+          <p:nvPr>
+            <p:ph idx="1"/>
+          </p:nvPr>
+        </p:nvSpPr>
+        <p:spPr>
+          <a:xfrm>
+            <a:off x="417524" y="881752"/>
+            <a:ext cx="8490730" cy="3871162"/>
+          </a:xfrm>
+        </p:spPr>
+        <p:txBody>
+          <a:bodyPr/>
+          <a:lstStyle/>
+          <a:p>
+            <a:pPr marL="0" indent="0">
+              <a:buNone/>
+            </a:pPr>
+            <a:r>
+              <a:rPr lang="en-US" altLang="ko-KR" dirty="0"/>
+              <a:t>Spring </a:t>
+            </a:r>
+            <a:r>
+              <a:rPr lang="en-US" altLang="ko-KR" dirty="0" err="1"/>
+              <a:t>initializr</a:t>
+            </a:r>
+            <a:endParaRPr lang="en-US" altLang="ko-KR" dirty="0"/>
+          </a:p>
+          <a:p>
+            <a:pPr lvl="1"/>
+            <a:r>
+              <a:rPr lang="en-US" altLang="ko-KR" dirty="0">
+                <a:effectLst/>
+                <a:hlinkClick r:id="rId3"/>
+              </a:rPr>
+              <a:t>https://start.spring.io</a:t>
+            </a:r>
+            <a:endParaRPr lang="en-US" altLang="ko-KR" dirty="0">
+              <a:effectLst/>
+            </a:endParaRPr>
+          </a:p>
+          <a:p>
+            <a:pPr lvl="2"/>
+            <a:r>
+              <a:rPr lang="en-US" altLang="ko-KR" sz="400" dirty="0">
+                <a:effectLst/>
+                <a:hlinkClick r:id="rId4"/>
+              </a:rPr>
+              <a:t>https://start.spring.io/#!type=gradle-project-kotlin&amp;language=kotlin&amp;platformVersion=3.1.1&amp;packaging=jar&amp;jvmVersion=17&amp;groupId=dev.fastcampus&amp;artifactId=mvc&amp;name=mvc&amp;description=spring boot </a:t>
+            </a:r>
+            <a:r>
+              <a:rPr lang="en-US" altLang="ko-KR" sz="400" dirty="0" err="1">
+                <a:effectLst/>
+                <a:hlinkClick r:id="rId4"/>
+              </a:rPr>
+              <a:t>mvc&amp;packageName</a:t>
+            </a:r>
+            <a:r>
+              <a:rPr lang="en-US" altLang="ko-KR" sz="400" dirty="0">
+                <a:effectLst/>
+                <a:hlinkClick r:id="rId4"/>
+              </a:rPr>
+              <a:t>=</a:t>
+            </a:r>
+            <a:r>
+              <a:rPr lang="en-US" altLang="ko-KR" sz="400" dirty="0" err="1">
+                <a:effectLst/>
+                <a:hlinkClick r:id="rId4"/>
+              </a:rPr>
+              <a:t>dev.fastcampus.mvc&amp;dependencies</a:t>
+            </a:r>
+            <a:r>
+              <a:rPr lang="en-US" altLang="ko-KR" sz="400" dirty="0">
+                <a:effectLst/>
+                <a:hlinkClick r:id="rId4"/>
+              </a:rPr>
+              <a:t>=web,data-jpa,h2</a:t>
+            </a:r>
+            <a:endParaRPr lang="en-US" altLang="ko-KR" dirty="0">
+              <a:solidFill>
+                <a:srgbClr val="53585F"/>
+              </a:solidFill>
+            </a:endParaRPr>
+          </a:p>
+        </p:txBody>
+      </p:sp>
+      <p:sp>
+        <p:nvSpPr>
+          <p:cNvPr id="3" name="내용 개체 틀 2">
+            <a:extLst>
+              <a:ext uri="{FF2B5EF4-FFF2-40B4-BE49-F238E27FC236}">
+                <a16:creationId xmlns:a16="http://schemas.microsoft.com/office/drawing/2014/main" id="{D365921F-FD73-602A-04A4-3ADE45C98339}"/>
+              </a:ext>
+            </a:extLst>
+          </p:cNvPr>
+          <p:cNvSpPr>
+            <a:spLocks noGrp="1"/>
+          </p:cNvSpPr>
+          <p:nvPr>
+            <p:ph idx="11"/>
+          </p:nvPr>
+        </p:nvSpPr>
+        <p:spPr/>
+        <p:txBody>
+          <a:bodyPr/>
+          <a:lstStyle/>
+          <a:p>
+            <a:r>
+              <a:rPr lang="ko-KR" altLang="en-US" b="1" dirty="0"/>
+              <a:t>소개 및 환경구성</a:t>
+            </a:r>
+            <a:endParaRPr lang="ko-KR" altLang="en-US" dirty="0"/>
+          </a:p>
+        </p:txBody>
+      </p:sp>
+      <p:pic>
+        <p:nvPicPr>
+          <p:cNvPr id="5" name="그림 4">
+            <a:extLst>
+              <a:ext uri="{FF2B5EF4-FFF2-40B4-BE49-F238E27FC236}">
+                <a16:creationId xmlns:a16="http://schemas.microsoft.com/office/drawing/2014/main" id="{9CA9B169-02FE-EB31-6B4D-850C1D9DC340}"/>
+              </a:ext>
+            </a:extLst>
+          </p:cNvPr>
+          <p:cNvPicPr>
+            <a:picLocks noChangeAspect="1"/>
+          </p:cNvPicPr>
+          <p:nvPr/>
+        </p:nvPicPr>
+        <p:blipFill rotWithShape="1">
+          <a:blip r:embed="rId5"/>
+          <a:srcRect t="1790" b="9399"/>
+          <a:stretch/>
+        </p:blipFill>
+        <p:spPr>
+          <a:xfrm>
+            <a:off x="1538867" y="2046810"/>
+            <a:ext cx="5274527" cy="2578727"/>
+          </a:xfrm>
+          <a:prstGeom prst="rect">
+            <a:avLst/>
+          </a:prstGeom>
+        </p:spPr>
+      </p:pic>
+      <p:sp>
+        <p:nvSpPr>
+          <p:cNvPr id="6" name="바닥글 개체 틀 5">
+            <a:extLst>
+              <a:ext uri="{FF2B5EF4-FFF2-40B4-BE49-F238E27FC236}">
+                <a16:creationId xmlns:a16="http://schemas.microsoft.com/office/drawing/2014/main" id="{DF4653F8-5B83-443F-B3CB-291C68306849}"/>
+              </a:ext>
+            </a:extLst>
+          </p:cNvPr>
+          <p:cNvSpPr>
+            <a:spLocks noGrp="1"/>
+          </p:cNvSpPr>
+          <p:nvPr>
+            <p:ph type="ftr" sz="quarter" idx="3"/>
+          </p:nvPr>
+        </p:nvSpPr>
+        <p:spPr/>
+        <p:txBody>
+          <a:bodyPr/>
+          <a:lstStyle/>
+          <a:p>
+            <a:r>
+              <a:rPr lang="en-US" altLang="ko-KR"/>
+              <a:t>Spring MVC</a:t>
+            </a:r>
+            <a:endParaRPr lang="ko-KR" altLang="en-US" dirty="0"/>
+          </a:p>
+        </p:txBody>
+      </p:sp>
+    </p:spTree>
+    <p:extLst>
+      <p:ext uri="{BB962C8B-B14F-4D97-AF65-F5344CB8AC3E}">
+        <p14:creationId xmlns:p14="http://schemas.microsoft.com/office/powerpoint/2010/main" val="655341600"/>
+      </p:ext>
+    </p:extLst>
+  </p:cSld>
+  <p:clrMapOvr>
+    <a:masterClrMapping/>
+  </p:clrMapOvr>
+</p:sld>
+</file>
+
+<file path=ppt/slides/slide11.xml><?xml version="1.0" encoding="utf-8"?>
+<p:sld xmlns:a="http://schemas.openxmlformats.org/drawingml/2006/main" xmlns:r="http://schemas.openxmlformats.org/officeDocument/2006/relationships" xmlns:p="http://schemas.openxmlformats.org/presentationml/2006/main">
+  <p:cSld>
+    <p:spTree>
+      <p:nvGrpSpPr>
+        <p:cNvPr id="1" name=""/>
+        <p:cNvGrpSpPr/>
+        <p:nvPr/>
+      </p:nvGrpSpPr>
+      <p:grpSpPr>
+        <a:xfrm>
+          <a:off x="0" y="0"/>
+          <a:ext cx="0" cy="0"/>
+          <a:chOff x="0" y="0"/>
+          <a:chExt cx="0" cy="0"/>
+        </a:xfrm>
+      </p:grpSpPr>
       <p:sp>
         <p:nvSpPr>
           <p:cNvPr id="2" name="제목 1">
@@ -4066,7 +4458,11 @@
           <a:lstStyle/>
           <a:p>
             <a:r>
-              <a:rPr lang="en-US" altLang="ko-KR" b="1" dirty="0"/>
+              <a:rPr lang="en-US" altLang="ko" b="1" dirty="0">
+                <a:solidFill>
+                  <a:srgbClr val="ED234B"/>
+                </a:solidFill>
+              </a:rPr>
               <a:t>Spring MVC</a:t>
             </a:r>
             <a:endParaRPr lang="ko-KR" altLang="en-US" b="1" dirty="0"/>
@@ -4101,7 +4497,7 @@
             </a:pPr>
             <a:r>
               <a:rPr lang="ko-KR" altLang="en-US" b="1" dirty="0"/>
-              <a:t>소개 및 환경구성</a:t>
+              <a:t>서비스 구현</a:t>
             </a:r>
             <a:endParaRPr lang="ko-KR" altLang="en-US" dirty="0"/>
           </a:p>
@@ -4112,7 +4508,7 @@
           <p:cNvPr id="3" name="텍스트 개체 틀 2">
             <a:extLst>
               <a:ext uri="{FF2B5EF4-FFF2-40B4-BE49-F238E27FC236}">
-                <a16:creationId xmlns:a16="http://schemas.microsoft.com/office/drawing/2014/main" id="{27F5F7AF-1BDF-4E26-3853-E2B43A77EC33}"/>
+                <a16:creationId xmlns:a16="http://schemas.microsoft.com/office/drawing/2014/main" id="{AC0A84AE-024E-0A77-CF67-051E328AE021}"/>
               </a:ext>
             </a:extLst>
           </p:cNvPr>
@@ -4135,7 +4531,370 @@
     </p:spTree>
     <p:extLst>
       <p:ext uri="{BB962C8B-B14F-4D97-AF65-F5344CB8AC3E}">
-        <p14:creationId xmlns:p14="http://schemas.microsoft.com/office/powerpoint/2010/main" val="226211511"/>
+        <p14:creationId xmlns:p14="http://schemas.microsoft.com/office/powerpoint/2010/main" val="2984680853"/>
+      </p:ext>
+    </p:extLst>
+  </p:cSld>
+  <p:clrMapOvr>
+    <a:masterClrMapping/>
+  </p:clrMapOvr>
+</p:sld>
+</file>
+
+<file path=ppt/slides/slide12.xml><?xml version="1.0" encoding="utf-8"?>
+<p:sld xmlns:a="http://schemas.openxmlformats.org/drawingml/2006/main" xmlns:r="http://schemas.openxmlformats.org/officeDocument/2006/relationships" xmlns:p="http://schemas.openxmlformats.org/presentationml/2006/main">
+  <p:cSld>
+    <p:spTree>
+      <p:nvGrpSpPr>
+        <p:cNvPr id="1" name=""/>
+        <p:cNvGrpSpPr/>
+        <p:nvPr/>
+      </p:nvGrpSpPr>
+      <p:grpSpPr>
+        <a:xfrm>
+          <a:off x="0" y="0"/>
+          <a:ext cx="0" cy="0"/>
+          <a:chOff x="0" y="0"/>
+          <a:chExt cx="0" cy="0"/>
+        </a:xfrm>
+      </p:grpSpPr>
+      <p:sp>
+        <p:nvSpPr>
+          <p:cNvPr id="4" name="제목 3">
+            <a:extLst>
+              <a:ext uri="{FF2B5EF4-FFF2-40B4-BE49-F238E27FC236}">
+                <a16:creationId xmlns:a16="http://schemas.microsoft.com/office/drawing/2014/main" id="{D283F7C5-AF5C-DEEF-FC15-4B59CEF592DE}"/>
+              </a:ext>
+            </a:extLst>
+          </p:cNvPr>
+          <p:cNvSpPr>
+            <a:spLocks noGrp="1"/>
+          </p:cNvSpPr>
+          <p:nvPr>
+            <p:ph type="ctrTitle"/>
+          </p:nvPr>
+        </p:nvSpPr>
+        <p:spPr/>
+        <p:txBody>
+          <a:bodyPr/>
+          <a:lstStyle/>
+          <a:p>
+            <a:r>
+              <a:rPr lang="ko-KR" altLang="en-US" dirty="0"/>
+              <a:t>구현 실습</a:t>
+            </a:r>
+          </a:p>
+        </p:txBody>
+      </p:sp>
+      <p:sp>
+        <p:nvSpPr>
+          <p:cNvPr id="5" name="부제목 4">
+            <a:extLst>
+              <a:ext uri="{FF2B5EF4-FFF2-40B4-BE49-F238E27FC236}">
+                <a16:creationId xmlns:a16="http://schemas.microsoft.com/office/drawing/2014/main" id="{C884C73A-BBA1-E6A6-DDF5-9A946E28E963}"/>
+              </a:ext>
+            </a:extLst>
+          </p:cNvPr>
+          <p:cNvSpPr>
+            <a:spLocks noGrp="1"/>
+          </p:cNvSpPr>
+          <p:nvPr>
+            <p:ph type="subTitle" idx="1"/>
+          </p:nvPr>
+        </p:nvSpPr>
+        <p:spPr/>
+        <p:txBody>
+          <a:bodyPr/>
+          <a:lstStyle/>
+          <a:p>
+            <a:pPr marL="0" indent="0" algn="r">
+              <a:buNone/>
+            </a:pPr>
+            <a:r>
+              <a:rPr lang="en-US" altLang="ko-KR" dirty="0"/>
+              <a:t>Hello world </a:t>
+            </a:r>
+            <a:r>
+              <a:rPr lang="en-US" altLang="ko-KR"/>
+              <a:t>API </a:t>
+            </a:r>
+            <a:r>
+              <a:rPr lang="ko-KR" altLang="en-US" dirty="0"/>
+              <a:t>구현</a:t>
+            </a:r>
+          </a:p>
+        </p:txBody>
+      </p:sp>
+      <p:sp>
+        <p:nvSpPr>
+          <p:cNvPr id="3" name="텍스트 개체 틀 2">
+            <a:extLst>
+              <a:ext uri="{FF2B5EF4-FFF2-40B4-BE49-F238E27FC236}">
+                <a16:creationId xmlns:a16="http://schemas.microsoft.com/office/drawing/2014/main" id="{82BA57F7-5880-B5EF-0960-7C0F39C2F6FE}"/>
+              </a:ext>
+            </a:extLst>
+          </p:cNvPr>
+          <p:cNvSpPr>
+            <a:spLocks noGrp="1"/>
+          </p:cNvSpPr>
+          <p:nvPr>
+            <p:ph type="body" sz="quarter" idx="10"/>
+          </p:nvPr>
+        </p:nvSpPr>
+        <p:spPr/>
+        <p:txBody>
+          <a:bodyPr/>
+          <a:lstStyle/>
+          <a:p>
+            <a:endParaRPr lang="ko-KR" altLang="en-US"/>
+          </a:p>
+        </p:txBody>
+      </p:sp>
+    </p:spTree>
+    <p:extLst>
+      <p:ext uri="{BB962C8B-B14F-4D97-AF65-F5344CB8AC3E}">
+        <p14:creationId xmlns:p14="http://schemas.microsoft.com/office/powerpoint/2010/main" val="2848712885"/>
+      </p:ext>
+    </p:extLst>
+  </p:cSld>
+  <p:clrMapOvr>
+    <a:masterClrMapping/>
+  </p:clrMapOvr>
+</p:sld>
+</file>
+
+<file path=ppt/slides/slide13.xml><?xml version="1.0" encoding="utf-8"?>
+<p:sld xmlns:a="http://schemas.openxmlformats.org/drawingml/2006/main" xmlns:r="http://schemas.openxmlformats.org/officeDocument/2006/relationships" xmlns:p="http://schemas.openxmlformats.org/presentationml/2006/main">
+  <p:cSld>
+    <p:spTree>
+      <p:nvGrpSpPr>
+        <p:cNvPr id="1" name=""/>
+        <p:cNvGrpSpPr/>
+        <p:nvPr/>
+      </p:nvGrpSpPr>
+      <p:grpSpPr>
+        <a:xfrm>
+          <a:off x="0" y="0"/>
+          <a:ext cx="0" cy="0"/>
+          <a:chOff x="0" y="0"/>
+          <a:chExt cx="0" cy="0"/>
+        </a:xfrm>
+      </p:grpSpPr>
+      <p:sp>
+        <p:nvSpPr>
+          <p:cNvPr id="4" name="제목 3">
+            <a:extLst>
+              <a:ext uri="{FF2B5EF4-FFF2-40B4-BE49-F238E27FC236}">
+                <a16:creationId xmlns:a16="http://schemas.microsoft.com/office/drawing/2014/main" id="{D283F7C5-AF5C-DEEF-FC15-4B59CEF592DE}"/>
+              </a:ext>
+            </a:extLst>
+          </p:cNvPr>
+          <p:cNvSpPr>
+            <a:spLocks noGrp="1"/>
+          </p:cNvSpPr>
+          <p:nvPr>
+            <p:ph type="ctrTitle"/>
+          </p:nvPr>
+        </p:nvSpPr>
+        <p:spPr/>
+        <p:txBody>
+          <a:bodyPr/>
+          <a:lstStyle/>
+          <a:p>
+            <a:r>
+              <a:rPr lang="ko-KR" altLang="en-US" dirty="0"/>
+              <a:t>구현 실습</a:t>
+            </a:r>
+          </a:p>
+        </p:txBody>
+      </p:sp>
+      <p:sp>
+        <p:nvSpPr>
+          <p:cNvPr id="5" name="부제목 4">
+            <a:extLst>
+              <a:ext uri="{FF2B5EF4-FFF2-40B4-BE49-F238E27FC236}">
+                <a16:creationId xmlns:a16="http://schemas.microsoft.com/office/drawing/2014/main" id="{C884C73A-BBA1-E6A6-DDF5-9A946E28E963}"/>
+              </a:ext>
+            </a:extLst>
+          </p:cNvPr>
+          <p:cNvSpPr>
+            <a:spLocks noGrp="1"/>
+          </p:cNvSpPr>
+          <p:nvPr>
+            <p:ph type="subTitle" idx="1"/>
+          </p:nvPr>
+        </p:nvSpPr>
+        <p:spPr/>
+        <p:txBody>
+          <a:bodyPr/>
+          <a:lstStyle/>
+          <a:p>
+            <a:pPr marL="0" indent="0" algn="r">
+              <a:buNone/>
+            </a:pPr>
+            <a:r>
+              <a:rPr lang="en-US" altLang="ko-KR" dirty="0"/>
+              <a:t>CRUD </a:t>
+            </a:r>
+            <a:r>
+              <a:rPr lang="ko-KR" altLang="en-US" dirty="0"/>
+              <a:t>서비스 구현</a:t>
+            </a:r>
+          </a:p>
+        </p:txBody>
+      </p:sp>
+      <p:sp>
+        <p:nvSpPr>
+          <p:cNvPr id="3" name="텍스트 개체 틀 2">
+            <a:extLst>
+              <a:ext uri="{FF2B5EF4-FFF2-40B4-BE49-F238E27FC236}">
+                <a16:creationId xmlns:a16="http://schemas.microsoft.com/office/drawing/2014/main" id="{D61D8619-EC72-1B1F-DE54-F50C71E757B0}"/>
+              </a:ext>
+            </a:extLst>
+          </p:cNvPr>
+          <p:cNvSpPr>
+            <a:spLocks noGrp="1"/>
+          </p:cNvSpPr>
+          <p:nvPr>
+            <p:ph type="body" sz="quarter" idx="10"/>
+          </p:nvPr>
+        </p:nvSpPr>
+        <p:spPr/>
+        <p:txBody>
+          <a:bodyPr/>
+          <a:lstStyle/>
+          <a:p>
+            <a:endParaRPr lang="ko-KR" altLang="en-US"/>
+          </a:p>
+        </p:txBody>
+      </p:sp>
+    </p:spTree>
+    <p:extLst>
+      <p:ext uri="{BB962C8B-B14F-4D97-AF65-F5344CB8AC3E}">
+        <p14:creationId xmlns:p14="http://schemas.microsoft.com/office/powerpoint/2010/main" val="1085195890"/>
+      </p:ext>
+    </p:extLst>
+  </p:cSld>
+  <p:clrMapOvr>
+    <a:masterClrMapping/>
+  </p:clrMapOvr>
+</p:sld>
+</file>
+
+<file path=ppt/slides/slide14.xml><?xml version="1.0" encoding="utf-8"?>
+<p:sld xmlns:a="http://schemas.openxmlformats.org/drawingml/2006/main" xmlns:r="http://schemas.openxmlformats.org/officeDocument/2006/relationships" xmlns:p="http://schemas.openxmlformats.org/presentationml/2006/main">
+  <p:cSld>
+    <p:spTree>
+      <p:nvGrpSpPr>
+        <p:cNvPr id="1" name=""/>
+        <p:cNvGrpSpPr/>
+        <p:nvPr/>
+      </p:nvGrpSpPr>
+      <p:grpSpPr>
+        <a:xfrm>
+          <a:off x="0" y="0"/>
+          <a:ext cx="0" cy="0"/>
+          <a:chOff x="0" y="0"/>
+          <a:chExt cx="0" cy="0"/>
+        </a:xfrm>
+      </p:grpSpPr>
+      <p:sp>
+        <p:nvSpPr>
+          <p:cNvPr id="4" name="제목 3">
+            <a:extLst>
+              <a:ext uri="{FF2B5EF4-FFF2-40B4-BE49-F238E27FC236}">
+                <a16:creationId xmlns:a16="http://schemas.microsoft.com/office/drawing/2014/main" id="{D283F7C5-AF5C-DEEF-FC15-4B59CEF592DE}"/>
+              </a:ext>
+            </a:extLst>
+          </p:cNvPr>
+          <p:cNvSpPr>
+            <a:spLocks noGrp="1"/>
+          </p:cNvSpPr>
+          <p:nvPr>
+            <p:ph type="ctrTitle"/>
+          </p:nvPr>
+        </p:nvSpPr>
+        <p:spPr/>
+        <p:txBody>
+          <a:bodyPr/>
+          <a:lstStyle/>
+          <a:p>
+            <a:r>
+              <a:rPr lang="ko-KR" altLang="en-US" dirty="0"/>
+              <a:t>구현 실습</a:t>
+            </a:r>
+          </a:p>
+        </p:txBody>
+      </p:sp>
+      <p:sp>
+        <p:nvSpPr>
+          <p:cNvPr id="5" name="부제목 4">
+            <a:extLst>
+              <a:ext uri="{FF2B5EF4-FFF2-40B4-BE49-F238E27FC236}">
+                <a16:creationId xmlns:a16="http://schemas.microsoft.com/office/drawing/2014/main" id="{C884C73A-BBA1-E6A6-DDF5-9A946E28E963}"/>
+              </a:ext>
+            </a:extLst>
+          </p:cNvPr>
+          <p:cNvSpPr>
+            <a:spLocks noGrp="1"/>
+          </p:cNvSpPr>
+          <p:nvPr>
+            <p:ph type="subTitle" idx="1"/>
+          </p:nvPr>
+        </p:nvSpPr>
+        <p:spPr/>
+        <p:txBody>
+          <a:bodyPr/>
+          <a:lstStyle/>
+          <a:p>
+            <a:pPr marL="0" indent="0" algn="r">
+              <a:buNone/>
+            </a:pPr>
+            <a:r>
+              <a:rPr lang="en-US" altLang="ko-KR" dirty="0"/>
+              <a:t>Unit</a:t>
+            </a:r>
+            <a:r>
+              <a:rPr lang="ko-KR" altLang="en-US" dirty="0"/>
+              <a:t> 테스트 </a:t>
+            </a:r>
+            <a:r>
+              <a:rPr lang="en-US" altLang="ko-KR" dirty="0"/>
+              <a:t>(Junit)</a:t>
+            </a:r>
+            <a:endParaRPr lang="ko-KR" altLang="en-US" dirty="0"/>
+          </a:p>
+        </p:txBody>
+      </p:sp>
+      <p:sp>
+        <p:nvSpPr>
+          <p:cNvPr id="3" name="텍스트 개체 틀 2">
+            <a:extLst>
+              <a:ext uri="{FF2B5EF4-FFF2-40B4-BE49-F238E27FC236}">
+                <a16:creationId xmlns:a16="http://schemas.microsoft.com/office/drawing/2014/main" id="{EA3F3B8D-A3A0-58C5-3075-82938ED61372}"/>
+              </a:ext>
+            </a:extLst>
+          </p:cNvPr>
+          <p:cNvSpPr>
+            <a:spLocks noGrp="1"/>
+          </p:cNvSpPr>
+          <p:nvPr>
+            <p:ph type="body" sz="quarter" idx="10"/>
+          </p:nvPr>
+        </p:nvSpPr>
+        <p:spPr/>
+        <p:txBody>
+          <a:bodyPr/>
+          <a:lstStyle/>
+          <a:p>
+            <a:endParaRPr lang="ko-KR" altLang="en-US"/>
+          </a:p>
+        </p:txBody>
+      </p:sp>
+    </p:spTree>
+    <p:extLst>
+      <p:ext uri="{BB962C8B-B14F-4D97-AF65-F5344CB8AC3E}">
+        <p14:creationId xmlns:p14="http://schemas.microsoft.com/office/powerpoint/2010/main" val="388313514"/>
       </p:ext>
     </p:extLst>
   </p:cSld>
@@ -4162,6 +4921,676 @@
           <a:chExt cx="0" cy="0"/>
         </a:xfrm>
       </p:grpSpPr>
+      <p:pic>
+        <p:nvPicPr>
+          <p:cNvPr id="9" name="그림 8">
+            <a:extLst>
+              <a:ext uri="{FF2B5EF4-FFF2-40B4-BE49-F238E27FC236}">
+                <a16:creationId xmlns:a16="http://schemas.microsoft.com/office/drawing/2014/main" id="{AD8D67AF-D1CD-EA93-163F-24AD65F8A289}"/>
+              </a:ext>
+            </a:extLst>
+          </p:cNvPr>
+          <p:cNvPicPr>
+            <a:picLocks noChangeAspect="1"/>
+          </p:cNvPicPr>
+          <p:nvPr/>
+        </p:nvPicPr>
+        <p:blipFill>
+          <a:blip r:embed="rId2"/>
+          <a:stretch>
+            <a:fillRect/>
+          </a:stretch>
+        </p:blipFill>
+        <p:spPr>
+          <a:xfrm>
+            <a:off x="2159935" y="396076"/>
+            <a:ext cx="4824129" cy="4351347"/>
+          </a:xfrm>
+          <a:prstGeom prst="rect">
+            <a:avLst/>
+          </a:prstGeom>
+        </p:spPr>
+      </p:pic>
+    </p:spTree>
+    <p:extLst>
+      <p:ext uri="{BB962C8B-B14F-4D97-AF65-F5344CB8AC3E}">
+        <p14:creationId xmlns:p14="http://schemas.microsoft.com/office/powerpoint/2010/main" val="1838944373"/>
+      </p:ext>
+    </p:extLst>
+  </p:cSld>
+  <p:clrMapOvr>
+    <a:masterClrMapping/>
+  </p:clrMapOvr>
+</p:sld>
+</file>
+
+<file path=ppt/slides/slide3.xml><?xml version="1.0" encoding="utf-8"?>
+<p:sld xmlns:a="http://schemas.openxmlformats.org/drawingml/2006/main" xmlns:r="http://schemas.openxmlformats.org/officeDocument/2006/relationships" xmlns:p="http://schemas.openxmlformats.org/presentationml/2006/main">
+  <p:cSld>
+    <p:spTree>
+      <p:nvGrpSpPr>
+        <p:cNvPr id="1" name=""/>
+        <p:cNvGrpSpPr/>
+        <p:nvPr/>
+      </p:nvGrpSpPr>
+      <p:grpSpPr>
+        <a:xfrm>
+          <a:off x="0" y="0"/>
+          <a:ext cx="0" cy="0"/>
+          <a:chOff x="0" y="0"/>
+          <a:chExt cx="0" cy="0"/>
+        </a:xfrm>
+      </p:grpSpPr>
+      <p:pic>
+        <p:nvPicPr>
+          <p:cNvPr id="1026" name="Picture 2" descr="researchgate.net">
+            <a:extLst>
+              <a:ext uri="{FF2B5EF4-FFF2-40B4-BE49-F238E27FC236}">
+                <a16:creationId xmlns:a16="http://schemas.microsoft.com/office/drawing/2014/main" id="{1C6C618D-7B2D-F7D0-5E53-C3EFA7FA943A}"/>
+              </a:ext>
+            </a:extLst>
+          </p:cNvPr>
+          <p:cNvPicPr>
+            <a:picLocks noChangeAspect="1" noChangeArrowheads="1"/>
+          </p:cNvPicPr>
+          <p:nvPr/>
+        </p:nvPicPr>
+        <p:blipFill>
+          <a:blip r:embed="rId2">
+            <a:extLst>
+              <a:ext uri="{28A0092B-C50C-407E-A947-70E740481C1C}">
+                <a14:useLocalDpi xmlns:a14="http://schemas.microsoft.com/office/drawing/2010/main" val="0"/>
+              </a:ext>
+            </a:extLst>
+          </a:blip>
+          <a:srcRect/>
+          <a:stretch>
+            <a:fillRect/>
+          </a:stretch>
+        </p:blipFill>
+        <p:spPr bwMode="auto">
+          <a:xfrm>
+            <a:off x="851024" y="355046"/>
+            <a:ext cx="7885570" cy="4703510"/>
+          </a:xfrm>
+          <a:prstGeom prst="rect">
+            <a:avLst/>
+          </a:prstGeom>
+          <a:noFill/>
+          <a:extLst>
+            <a:ext uri="{909E8E84-426E-40DD-AFC4-6F175D3DCCD1}">
+              <a14:hiddenFill xmlns:a14="http://schemas.microsoft.com/office/drawing/2010/main">
+                <a:solidFill>
+                  <a:srgbClr val="FFFFFF"/>
+                </a:solidFill>
+              </a14:hiddenFill>
+            </a:ext>
+          </a:extLst>
+        </p:spPr>
+      </p:pic>
+      <p:sp>
+        <p:nvSpPr>
+          <p:cNvPr id="9" name="TextBox 8">
+            <a:extLst>
+              <a:ext uri="{FF2B5EF4-FFF2-40B4-BE49-F238E27FC236}">
+                <a16:creationId xmlns:a16="http://schemas.microsoft.com/office/drawing/2014/main" id="{A32F0472-D32D-BFC2-E51C-34F0E4656FF9}"/>
+              </a:ext>
+            </a:extLst>
+          </p:cNvPr>
+          <p:cNvSpPr txBox="1"/>
+          <p:nvPr/>
+        </p:nvSpPr>
+        <p:spPr>
+          <a:xfrm>
+            <a:off x="2611925" y="4860881"/>
+            <a:ext cx="6332900" cy="338554"/>
+          </a:xfrm>
+          <a:prstGeom prst="rect">
+            <a:avLst/>
+          </a:prstGeom>
+          <a:noFill/>
+        </p:spPr>
+        <p:txBody>
+          <a:bodyPr wrap="square">
+            <a:spAutoFit/>
+          </a:bodyPr>
+          <a:lstStyle/>
+          <a:p>
+            <a:r>
+              <a:rPr lang="ko-KR" altLang="en-US" sz="800" dirty="0">
+                <a:hlinkClick r:id="rId3"/>
+              </a:rPr>
+              <a:t>https://www.researchgate.net/figure/Processor-Memory-performance-gap-over-time-exemplifying-the-memory-wall-problem-19_fig1_357894452</a:t>
+            </a:r>
+            <a:endParaRPr lang="en-US" altLang="ko-KR" sz="800" dirty="0"/>
+          </a:p>
+          <a:p>
+            <a:endParaRPr lang="en-US" altLang="ko-KR" sz="800" dirty="0"/>
+          </a:p>
+        </p:txBody>
+      </p:sp>
+    </p:spTree>
+    <p:extLst>
+      <p:ext uri="{BB962C8B-B14F-4D97-AF65-F5344CB8AC3E}">
+        <p14:creationId xmlns:p14="http://schemas.microsoft.com/office/powerpoint/2010/main" val="3857754268"/>
+      </p:ext>
+    </p:extLst>
+  </p:cSld>
+  <p:clrMapOvr>
+    <a:masterClrMapping/>
+  </p:clrMapOvr>
+</p:sld>
+</file>
+
+<file path=ppt/slides/slide4.xml><?xml version="1.0" encoding="utf-8"?>
+<p:sld xmlns:a="http://schemas.openxmlformats.org/drawingml/2006/main" xmlns:r="http://schemas.openxmlformats.org/officeDocument/2006/relationships" xmlns:p="http://schemas.openxmlformats.org/presentationml/2006/main">
+  <p:cSld>
+    <p:spTree>
+      <p:nvGrpSpPr>
+        <p:cNvPr id="1" name=""/>
+        <p:cNvGrpSpPr/>
+        <p:nvPr/>
+      </p:nvGrpSpPr>
+      <p:grpSpPr>
+        <a:xfrm>
+          <a:off x="0" y="0"/>
+          <a:ext cx="0" cy="0"/>
+          <a:chOff x="0" y="0"/>
+          <a:chExt cx="0" cy="0"/>
+        </a:xfrm>
+      </p:grpSpPr>
+      <p:sp>
+        <p:nvSpPr>
+          <p:cNvPr id="2" name="제목 1">
+            <a:extLst>
+              <a:ext uri="{FF2B5EF4-FFF2-40B4-BE49-F238E27FC236}">
+                <a16:creationId xmlns:a16="http://schemas.microsoft.com/office/drawing/2014/main" id="{65BA8669-80AB-29EF-5BEE-6ABEC34C01F4}"/>
+              </a:ext>
+            </a:extLst>
+          </p:cNvPr>
+          <p:cNvSpPr>
+            <a:spLocks noGrp="1"/>
+          </p:cNvSpPr>
+          <p:nvPr>
+            <p:ph type="ctrTitle"/>
+          </p:nvPr>
+        </p:nvSpPr>
+        <p:spPr/>
+        <p:txBody>
+          <a:bodyPr/>
+          <a:lstStyle/>
+          <a:p>
+            <a:r>
+              <a:rPr lang="en-US" altLang="ko-KR" dirty="0" err="1"/>
+              <a:t>OoOE</a:t>
+            </a:r>
+            <a:endParaRPr lang="ko-KR" altLang="en-US" dirty="0"/>
+          </a:p>
+        </p:txBody>
+      </p:sp>
+      <p:sp>
+        <p:nvSpPr>
+          <p:cNvPr id="3" name="부제목 2">
+            <a:extLst>
+              <a:ext uri="{FF2B5EF4-FFF2-40B4-BE49-F238E27FC236}">
+                <a16:creationId xmlns:a16="http://schemas.microsoft.com/office/drawing/2014/main" id="{A62BB5FC-DFE5-DFE6-E4B8-FD5C94A9B256}"/>
+              </a:ext>
+            </a:extLst>
+          </p:cNvPr>
+          <p:cNvSpPr>
+            <a:spLocks noGrp="1"/>
+          </p:cNvSpPr>
+          <p:nvPr>
+            <p:ph type="subTitle" idx="1"/>
+          </p:nvPr>
+        </p:nvSpPr>
+        <p:spPr/>
+        <p:txBody>
+          <a:bodyPr/>
+          <a:lstStyle/>
+          <a:p>
+            <a:pPr marL="0" indent="0">
+              <a:buNone/>
+            </a:pPr>
+            <a:r>
+              <a:rPr lang="en-US" altLang="ko-KR" dirty="0"/>
+              <a:t>Out of Order Execution (</a:t>
+            </a:r>
+            <a:r>
+              <a:rPr lang="ko-KR" altLang="en-US" dirty="0" err="1"/>
+              <a:t>비순차실행</a:t>
+            </a:r>
+            <a:r>
+              <a:rPr lang="en-US" altLang="ko-KR" dirty="0"/>
+              <a:t>)</a:t>
+            </a:r>
+            <a:endParaRPr lang="ko-KR" altLang="en-US" dirty="0"/>
+          </a:p>
+        </p:txBody>
+      </p:sp>
+      <p:sp>
+        <p:nvSpPr>
+          <p:cNvPr id="4" name="텍스트 개체 틀 3">
+            <a:extLst>
+              <a:ext uri="{FF2B5EF4-FFF2-40B4-BE49-F238E27FC236}">
+                <a16:creationId xmlns:a16="http://schemas.microsoft.com/office/drawing/2014/main" id="{F56CA451-B953-871A-55BF-2102D415AD04}"/>
+              </a:ext>
+            </a:extLst>
+          </p:cNvPr>
+          <p:cNvSpPr>
+            <a:spLocks noGrp="1"/>
+          </p:cNvSpPr>
+          <p:nvPr>
+            <p:ph type="body" sz="quarter" idx="10"/>
+          </p:nvPr>
+        </p:nvSpPr>
+        <p:spPr/>
+        <p:txBody>
+          <a:bodyPr/>
+          <a:lstStyle/>
+          <a:p>
+            <a:endParaRPr lang="ko-KR" altLang="en-US"/>
+          </a:p>
+        </p:txBody>
+      </p:sp>
+    </p:spTree>
+    <p:extLst>
+      <p:ext uri="{BB962C8B-B14F-4D97-AF65-F5344CB8AC3E}">
+        <p14:creationId xmlns:p14="http://schemas.microsoft.com/office/powerpoint/2010/main" val="1402776753"/>
+      </p:ext>
+    </p:extLst>
+  </p:cSld>
+  <p:clrMapOvr>
+    <a:masterClrMapping/>
+  </p:clrMapOvr>
+</p:sld>
+</file>
+
+<file path=ppt/slides/slide5.xml><?xml version="1.0" encoding="utf-8"?>
+<p:sld xmlns:a="http://schemas.openxmlformats.org/drawingml/2006/main" xmlns:r="http://schemas.openxmlformats.org/officeDocument/2006/relationships" xmlns:p="http://schemas.openxmlformats.org/presentationml/2006/main">
+  <p:cSld>
+    <p:spTree>
+      <p:nvGrpSpPr>
+        <p:cNvPr id="1" name=""/>
+        <p:cNvGrpSpPr/>
+        <p:nvPr/>
+      </p:nvGrpSpPr>
+      <p:grpSpPr>
+        <a:xfrm>
+          <a:off x="0" y="0"/>
+          <a:ext cx="0" cy="0"/>
+          <a:chOff x="0" y="0"/>
+          <a:chExt cx="0" cy="0"/>
+        </a:xfrm>
+      </p:grpSpPr>
+      <p:sp>
+        <p:nvSpPr>
+          <p:cNvPr id="9" name="TextBox 8">
+            <a:extLst>
+              <a:ext uri="{FF2B5EF4-FFF2-40B4-BE49-F238E27FC236}">
+                <a16:creationId xmlns:a16="http://schemas.microsoft.com/office/drawing/2014/main" id="{6ECC3C98-5505-EB05-D6BD-8ABB83AE72CA}"/>
+              </a:ext>
+            </a:extLst>
+          </p:cNvPr>
+          <p:cNvSpPr txBox="1"/>
+          <p:nvPr/>
+        </p:nvSpPr>
+        <p:spPr>
+          <a:xfrm>
+            <a:off x="4476938" y="4885509"/>
+            <a:ext cx="4572000" cy="230832"/>
+          </a:xfrm>
+          <a:prstGeom prst="rect">
+            <a:avLst/>
+          </a:prstGeom>
+          <a:noFill/>
+        </p:spPr>
+        <p:txBody>
+          <a:bodyPr wrap="square">
+            <a:spAutoFit/>
+          </a:bodyPr>
+          <a:lstStyle/>
+          <a:p>
+            <a:pPr algn="r"/>
+            <a:r>
+              <a:rPr lang="en-US" altLang="ko-KR" sz="900" dirty="0"/>
+              <a:t>John L. Hennessy, David A. Patterson - Computer Architecture: A Quantitative Approach</a:t>
+            </a:r>
+            <a:endParaRPr lang="ko-KR" altLang="en-US" sz="900" dirty="0"/>
+          </a:p>
+        </p:txBody>
+      </p:sp>
+      <p:pic>
+        <p:nvPicPr>
+          <p:cNvPr id="11" name="그림 10">
+            <a:extLst>
+              <a:ext uri="{FF2B5EF4-FFF2-40B4-BE49-F238E27FC236}">
+                <a16:creationId xmlns:a16="http://schemas.microsoft.com/office/drawing/2014/main" id="{66788AF5-DF36-7E69-1649-51A8BA46DF95}"/>
+              </a:ext>
+            </a:extLst>
+          </p:cNvPr>
+          <p:cNvPicPr>
+            <a:picLocks noChangeAspect="1"/>
+          </p:cNvPicPr>
+          <p:nvPr/>
+        </p:nvPicPr>
+        <p:blipFill>
+          <a:blip r:embed="rId2"/>
+          <a:stretch>
+            <a:fillRect/>
+          </a:stretch>
+        </p:blipFill>
+        <p:spPr>
+          <a:xfrm>
+            <a:off x="1310421" y="353085"/>
+            <a:ext cx="6511773" cy="4327444"/>
+          </a:xfrm>
+          <a:prstGeom prst="rect">
+            <a:avLst/>
+          </a:prstGeom>
+        </p:spPr>
+      </p:pic>
+    </p:spTree>
+    <p:extLst>
+      <p:ext uri="{BB962C8B-B14F-4D97-AF65-F5344CB8AC3E}">
+        <p14:creationId xmlns:p14="http://schemas.microsoft.com/office/powerpoint/2010/main" val="1473408793"/>
+      </p:ext>
+    </p:extLst>
+  </p:cSld>
+  <p:clrMapOvr>
+    <a:masterClrMapping/>
+  </p:clrMapOvr>
+</p:sld>
+</file>
+
+<file path=ppt/slides/slide6.xml><?xml version="1.0" encoding="utf-8"?>
+<p:sld xmlns:a="http://schemas.openxmlformats.org/drawingml/2006/main" xmlns:r="http://schemas.openxmlformats.org/officeDocument/2006/relationships" xmlns:p="http://schemas.openxmlformats.org/presentationml/2006/main">
+  <p:cSld>
+    <p:spTree>
+      <p:nvGrpSpPr>
+        <p:cNvPr id="1" name=""/>
+        <p:cNvGrpSpPr/>
+        <p:nvPr/>
+      </p:nvGrpSpPr>
+      <p:grpSpPr>
+        <a:xfrm>
+          <a:off x="0" y="0"/>
+          <a:ext cx="0" cy="0"/>
+          <a:chOff x="0" y="0"/>
+          <a:chExt cx="0" cy="0"/>
+        </a:xfrm>
+      </p:grpSpPr>
+      <p:pic>
+        <p:nvPicPr>
+          <p:cNvPr id="9" name="그림 8">
+            <a:extLst>
+              <a:ext uri="{FF2B5EF4-FFF2-40B4-BE49-F238E27FC236}">
+                <a16:creationId xmlns:a16="http://schemas.microsoft.com/office/drawing/2014/main" id="{81918137-F949-E6BB-4571-476716A02B64}"/>
+              </a:ext>
+            </a:extLst>
+          </p:cNvPr>
+          <p:cNvPicPr>
+            <a:picLocks noChangeAspect="1"/>
+          </p:cNvPicPr>
+          <p:nvPr/>
+        </p:nvPicPr>
+        <p:blipFill>
+          <a:blip r:embed="rId2"/>
+          <a:stretch>
+            <a:fillRect/>
+          </a:stretch>
+        </p:blipFill>
+        <p:spPr>
+          <a:xfrm>
+            <a:off x="190500" y="372984"/>
+            <a:ext cx="8763000" cy="4705350"/>
+          </a:xfrm>
+          <a:prstGeom prst="rect">
+            <a:avLst/>
+          </a:prstGeom>
+        </p:spPr>
+      </p:pic>
+      <p:sp>
+        <p:nvSpPr>
+          <p:cNvPr id="11" name="TextBox 10">
+            <a:extLst>
+              <a:ext uri="{FF2B5EF4-FFF2-40B4-BE49-F238E27FC236}">
+                <a16:creationId xmlns:a16="http://schemas.microsoft.com/office/drawing/2014/main" id="{4212A4E4-27F0-14E3-AD3E-883BF2F8CF4D}"/>
+              </a:ext>
+            </a:extLst>
+          </p:cNvPr>
+          <p:cNvSpPr txBox="1"/>
+          <p:nvPr/>
+        </p:nvSpPr>
+        <p:spPr>
+          <a:xfrm>
+            <a:off x="142875" y="4770516"/>
+            <a:ext cx="4092166" cy="253916"/>
+          </a:xfrm>
+          <a:prstGeom prst="rect">
+            <a:avLst/>
+          </a:prstGeom>
+          <a:noFill/>
+        </p:spPr>
+        <p:txBody>
+          <a:bodyPr wrap="square">
+            <a:spAutoFit/>
+          </a:bodyPr>
+          <a:lstStyle/>
+          <a:p>
+            <a:pPr algn="r"/>
+            <a:r>
+              <a:rPr lang="ko-KR" altLang="en-US" sz="1050" dirty="0">
+                <a:hlinkClick r:id="rId3"/>
+              </a:rPr>
+              <a:t>https://vighneshiyer.com/misc/tesla-talk/Eric_Quinnell_Tesla_Talk.pdf</a:t>
+            </a:r>
+            <a:endParaRPr lang="en-US" altLang="ko-KR" sz="1050" dirty="0"/>
+          </a:p>
+        </p:txBody>
+      </p:sp>
+      <p:sp>
+        <p:nvSpPr>
+          <p:cNvPr id="12" name="직사각형 11">
+            <a:extLst>
+              <a:ext uri="{FF2B5EF4-FFF2-40B4-BE49-F238E27FC236}">
+                <a16:creationId xmlns:a16="http://schemas.microsoft.com/office/drawing/2014/main" id="{A1AC2EF8-146F-1BCB-1FD0-7F256873034F}"/>
+              </a:ext>
+            </a:extLst>
+          </p:cNvPr>
+          <p:cNvSpPr/>
+          <p:nvPr/>
+        </p:nvSpPr>
+        <p:spPr>
+          <a:xfrm>
+            <a:off x="660903" y="3286407"/>
+            <a:ext cx="995881" cy="271604"/>
+          </a:xfrm>
+          <a:prstGeom prst="rect">
+            <a:avLst/>
+          </a:prstGeom>
+          <a:noFill/>
+          <a:ln w="28575">
+            <a:solidFill>
+              <a:srgbClr val="C00000"/>
+            </a:solidFill>
+          </a:ln>
+        </p:spPr>
+        <p:style>
+          <a:lnRef idx="2">
+            <a:schemeClr val="accent1">
+              <a:shade val="15000"/>
+            </a:schemeClr>
+          </a:lnRef>
+          <a:fillRef idx="1">
+            <a:schemeClr val="accent1"/>
+          </a:fillRef>
+          <a:effectRef idx="0">
+            <a:schemeClr val="accent1"/>
+          </a:effectRef>
+          <a:fontRef idx="minor">
+            <a:schemeClr val="lt1"/>
+          </a:fontRef>
+        </p:style>
+        <p:txBody>
+          <a:bodyPr rtlCol="0" anchor="ctr"/>
+          <a:lstStyle/>
+          <a:p>
+            <a:pPr algn="ctr"/>
+            <a:endParaRPr lang="ko-KR" altLang="en-US"/>
+          </a:p>
+        </p:txBody>
+      </p:sp>
+    </p:spTree>
+    <p:extLst>
+      <p:ext uri="{BB962C8B-B14F-4D97-AF65-F5344CB8AC3E}">
+        <p14:creationId xmlns:p14="http://schemas.microsoft.com/office/powerpoint/2010/main" val="2697224214"/>
+      </p:ext>
+    </p:extLst>
+  </p:cSld>
+  <p:clrMapOvr>
+    <a:masterClrMapping/>
+  </p:clrMapOvr>
+</p:sld>
+</file>
+
+<file path=ppt/slides/slide7.xml><?xml version="1.0" encoding="utf-8"?>
+<p:sld xmlns:a="http://schemas.openxmlformats.org/drawingml/2006/main" xmlns:r="http://schemas.openxmlformats.org/officeDocument/2006/relationships" xmlns:p="http://schemas.openxmlformats.org/presentationml/2006/main">
+  <p:cSld>
+    <p:spTree>
+      <p:nvGrpSpPr>
+        <p:cNvPr id="1" name=""/>
+        <p:cNvGrpSpPr/>
+        <p:nvPr/>
+      </p:nvGrpSpPr>
+      <p:grpSpPr>
+        <a:xfrm>
+          <a:off x="0" y="0"/>
+          <a:ext cx="0" cy="0"/>
+          <a:chOff x="0" y="0"/>
+          <a:chExt cx="0" cy="0"/>
+        </a:xfrm>
+      </p:grpSpPr>
+      <p:sp>
+        <p:nvSpPr>
+          <p:cNvPr id="2" name="제목 1">
+            <a:extLst>
+              <a:ext uri="{FF2B5EF4-FFF2-40B4-BE49-F238E27FC236}">
+                <a16:creationId xmlns:a16="http://schemas.microsoft.com/office/drawing/2014/main" id="{9896B29B-A1AE-E0C6-8543-753E63140B1C}"/>
+              </a:ext>
+            </a:extLst>
+          </p:cNvPr>
+          <p:cNvSpPr>
+            <a:spLocks noGrp="1"/>
+          </p:cNvSpPr>
+          <p:nvPr>
+            <p:ph type="ctrTitle"/>
+          </p:nvPr>
+        </p:nvSpPr>
+        <p:spPr/>
+        <p:txBody>
+          <a:bodyPr>
+            <a:normAutofit/>
+          </a:bodyPr>
+          <a:lstStyle/>
+          <a:p>
+            <a:r>
+              <a:rPr lang="en-US" altLang="ko-KR" b="1" dirty="0"/>
+              <a:t>Spring MVC</a:t>
+            </a:r>
+            <a:endParaRPr lang="ko-KR" altLang="en-US" b="1" dirty="0"/>
+          </a:p>
+        </p:txBody>
+      </p:sp>
+      <p:sp>
+        <p:nvSpPr>
+          <p:cNvPr id="4" name="부제목 3">
+            <a:extLst>
+              <a:ext uri="{FF2B5EF4-FFF2-40B4-BE49-F238E27FC236}">
+                <a16:creationId xmlns:a16="http://schemas.microsoft.com/office/drawing/2014/main" id="{7219E4B9-47F6-C7CA-B046-1256225C3574}"/>
+              </a:ext>
+            </a:extLst>
+          </p:cNvPr>
+          <p:cNvSpPr>
+            <a:spLocks noGrp="1"/>
+          </p:cNvSpPr>
+          <p:nvPr>
+            <p:ph type="subTitle" idx="1"/>
+          </p:nvPr>
+        </p:nvSpPr>
+        <p:spPr/>
+        <p:txBody>
+          <a:bodyPr>
+            <a:normAutofit/>
+          </a:bodyPr>
+          <a:lstStyle/>
+          <a:p>
+            <a:pPr marL="0" indent="0" algn="r">
+              <a:buNone/>
+            </a:pPr>
+            <a:r>
+              <a:rPr lang="ko-KR" altLang="en-US" b="1" dirty="0"/>
+              <a:t>소개 및 환경구성</a:t>
+            </a:r>
+            <a:endParaRPr lang="ko-KR" altLang="en-US" dirty="0"/>
+          </a:p>
+        </p:txBody>
+      </p:sp>
+      <p:sp>
+        <p:nvSpPr>
+          <p:cNvPr id="3" name="텍스트 개체 틀 2">
+            <a:extLst>
+              <a:ext uri="{FF2B5EF4-FFF2-40B4-BE49-F238E27FC236}">
+                <a16:creationId xmlns:a16="http://schemas.microsoft.com/office/drawing/2014/main" id="{27F5F7AF-1BDF-4E26-3853-E2B43A77EC33}"/>
+              </a:ext>
+            </a:extLst>
+          </p:cNvPr>
+          <p:cNvSpPr>
+            <a:spLocks noGrp="1"/>
+          </p:cNvSpPr>
+          <p:nvPr>
+            <p:ph type="body" sz="quarter" idx="10"/>
+          </p:nvPr>
+        </p:nvSpPr>
+        <p:spPr/>
+        <p:txBody>
+          <a:bodyPr/>
+          <a:lstStyle/>
+          <a:p>
+            <a:endParaRPr lang="ko-KR" altLang="en-US"/>
+          </a:p>
+        </p:txBody>
+      </p:sp>
+    </p:spTree>
+    <p:extLst>
+      <p:ext uri="{BB962C8B-B14F-4D97-AF65-F5344CB8AC3E}">
+        <p14:creationId xmlns:p14="http://schemas.microsoft.com/office/powerpoint/2010/main" val="226211511"/>
+      </p:ext>
+    </p:extLst>
+  </p:cSld>
+  <p:clrMapOvr>
+    <a:masterClrMapping/>
+  </p:clrMapOvr>
+</p:sld>
+</file>
+
+<file path=ppt/slides/slide8.xml><?xml version="1.0" encoding="utf-8"?>
+<p:sld xmlns:a="http://schemas.openxmlformats.org/drawingml/2006/main" xmlns:r="http://schemas.openxmlformats.org/officeDocument/2006/relationships" xmlns:p="http://schemas.openxmlformats.org/presentationml/2006/main">
+  <p:cSld>
+    <p:spTree>
+      <p:nvGrpSpPr>
+        <p:cNvPr id="1" name=""/>
+        <p:cNvGrpSpPr/>
+        <p:nvPr/>
+      </p:nvGrpSpPr>
+      <p:grpSpPr>
+        <a:xfrm>
+          <a:off x="0" y="0"/>
+          <a:ext cx="0" cy="0"/>
+          <a:chOff x="0" y="0"/>
+          <a:chExt cx="0" cy="0"/>
+        </a:xfrm>
+      </p:grpSpPr>
       <p:sp>
         <p:nvSpPr>
           <p:cNvPr id="2" name="제목 1">
@@ -4354,7 +5783,7 @@
 </p:sld>
 </file>
 
-<file path=ppt/slides/slide3.xml><?xml version="1.0" encoding="utf-8"?>
+<file path=ppt/slides/slide9.xml><?xml version="1.0" encoding="utf-8"?>
 <p:sld xmlns:a="http://schemas.openxmlformats.org/drawingml/2006/main" xmlns:r="http://schemas.openxmlformats.org/officeDocument/2006/relationships" xmlns:p="http://schemas.openxmlformats.org/presentationml/2006/main">
   <p:cSld>
     <p:spTree>
@@ -4633,735 +6062,6 @@
     <p:extLst>
       <p:ext uri="{BB962C8B-B14F-4D97-AF65-F5344CB8AC3E}">
         <p14:creationId xmlns:p14="http://schemas.microsoft.com/office/powerpoint/2010/main" val="824592560"/>
-      </p:ext>
-    </p:extLst>
-  </p:cSld>
-  <p:clrMapOvr>
-    <a:masterClrMapping/>
-  </p:clrMapOvr>
-</p:sld>
-</file>
-
-<file path=ppt/slides/slide4.xml><?xml version="1.0" encoding="utf-8"?>
-<p:sld xmlns:a="http://schemas.openxmlformats.org/drawingml/2006/main" xmlns:r="http://schemas.openxmlformats.org/officeDocument/2006/relationships" xmlns:p="http://schemas.openxmlformats.org/presentationml/2006/main">
-  <p:cSld>
-    <p:spTree>
-      <p:nvGrpSpPr>
-        <p:cNvPr id="1" name=""/>
-        <p:cNvGrpSpPr/>
-        <p:nvPr/>
-      </p:nvGrpSpPr>
-      <p:grpSpPr>
-        <a:xfrm>
-          <a:off x="0" y="0"/>
-          <a:ext cx="0" cy="0"/>
-          <a:chOff x="0" y="0"/>
-          <a:chExt cx="0" cy="0"/>
-        </a:xfrm>
-      </p:grpSpPr>
-      <p:sp>
-        <p:nvSpPr>
-          <p:cNvPr id="2" name="제목 1">
-            <a:extLst>
-              <a:ext uri="{FF2B5EF4-FFF2-40B4-BE49-F238E27FC236}">
-                <a16:creationId xmlns:a16="http://schemas.microsoft.com/office/drawing/2014/main" id="{D21C1AA9-5E52-3A11-B3B3-447787E29D09}"/>
-              </a:ext>
-            </a:extLst>
-          </p:cNvPr>
-          <p:cNvSpPr>
-            <a:spLocks noGrp="1"/>
-          </p:cNvSpPr>
-          <p:nvPr>
-            <p:ph type="title"/>
-          </p:nvPr>
-        </p:nvSpPr>
-        <p:spPr/>
-        <p:txBody>
-          <a:bodyPr/>
-          <a:lstStyle/>
-          <a:p>
-            <a:r>
-              <a:rPr lang="ko-KR" altLang="en-US" dirty="0"/>
-              <a:t>구현내용 및 개발환경 구성</a:t>
-            </a:r>
-          </a:p>
-        </p:txBody>
-      </p:sp>
-      <p:sp>
-        <p:nvSpPr>
-          <p:cNvPr id="4" name="내용 개체 틀 3">
-            <a:extLst>
-              <a:ext uri="{FF2B5EF4-FFF2-40B4-BE49-F238E27FC236}">
-                <a16:creationId xmlns:a16="http://schemas.microsoft.com/office/drawing/2014/main" id="{42F6317C-F28B-ECBE-0810-17736FC7D8AB}"/>
-              </a:ext>
-            </a:extLst>
-          </p:cNvPr>
-          <p:cNvSpPr>
-            <a:spLocks noGrp="1"/>
-          </p:cNvSpPr>
-          <p:nvPr>
-            <p:ph idx="1"/>
-          </p:nvPr>
-        </p:nvSpPr>
-        <p:spPr>
-          <a:xfrm>
-            <a:off x="417524" y="881752"/>
-            <a:ext cx="8490730" cy="3871162"/>
-          </a:xfrm>
-        </p:spPr>
-        <p:txBody>
-          <a:bodyPr/>
-          <a:lstStyle/>
-          <a:p>
-            <a:pPr marL="0" indent="0">
-              <a:buNone/>
-            </a:pPr>
-            <a:r>
-              <a:rPr lang="en-US" altLang="ko-KR" dirty="0"/>
-              <a:t>Spring </a:t>
-            </a:r>
-            <a:r>
-              <a:rPr lang="en-US" altLang="ko-KR" dirty="0" err="1"/>
-              <a:t>initializr</a:t>
-            </a:r>
-            <a:endParaRPr lang="en-US" altLang="ko-KR" dirty="0"/>
-          </a:p>
-          <a:p>
-            <a:pPr lvl="1"/>
-            <a:r>
-              <a:rPr lang="en-US" altLang="ko-KR" dirty="0">
-                <a:effectLst/>
-                <a:hlinkClick r:id="rId3"/>
-              </a:rPr>
-              <a:t>https://start.spring.io</a:t>
-            </a:r>
-            <a:endParaRPr lang="en-US" altLang="ko-KR" dirty="0">
-              <a:effectLst/>
-            </a:endParaRPr>
-          </a:p>
-          <a:p>
-            <a:pPr lvl="2"/>
-            <a:r>
-              <a:rPr lang="en-US" altLang="ko-KR" sz="400" dirty="0">
-                <a:effectLst/>
-                <a:hlinkClick r:id="rId4"/>
-              </a:rPr>
-              <a:t>https://start.spring.io/#!type=gradle-project-kotlin&amp;language=kotlin&amp;platformVersion=3.1.1&amp;packaging=jar&amp;jvmVersion=17&amp;groupId=dev.fastcampus&amp;artifactId=mvc&amp;name=mvc&amp;description=spring boot </a:t>
-            </a:r>
-            <a:r>
-              <a:rPr lang="en-US" altLang="ko-KR" sz="400" dirty="0" err="1">
-                <a:effectLst/>
-                <a:hlinkClick r:id="rId4"/>
-              </a:rPr>
-              <a:t>mvc&amp;packageName</a:t>
-            </a:r>
-            <a:r>
-              <a:rPr lang="en-US" altLang="ko-KR" sz="400" dirty="0">
-                <a:effectLst/>
-                <a:hlinkClick r:id="rId4"/>
-              </a:rPr>
-              <a:t>=</a:t>
-            </a:r>
-            <a:r>
-              <a:rPr lang="en-US" altLang="ko-KR" sz="400" dirty="0" err="1">
-                <a:effectLst/>
-                <a:hlinkClick r:id="rId4"/>
-              </a:rPr>
-              <a:t>dev.fastcampus.mvc&amp;dependencies</a:t>
-            </a:r>
-            <a:r>
-              <a:rPr lang="en-US" altLang="ko-KR" sz="400" dirty="0">
-                <a:effectLst/>
-                <a:hlinkClick r:id="rId4"/>
-              </a:rPr>
-              <a:t>=web,data-jpa,h2</a:t>
-            </a:r>
-            <a:endParaRPr lang="en-US" altLang="ko-KR" dirty="0">
-              <a:solidFill>
-                <a:srgbClr val="53585F"/>
-              </a:solidFill>
-            </a:endParaRPr>
-          </a:p>
-        </p:txBody>
-      </p:sp>
-      <p:sp>
-        <p:nvSpPr>
-          <p:cNvPr id="3" name="내용 개체 틀 2">
-            <a:extLst>
-              <a:ext uri="{FF2B5EF4-FFF2-40B4-BE49-F238E27FC236}">
-                <a16:creationId xmlns:a16="http://schemas.microsoft.com/office/drawing/2014/main" id="{D365921F-FD73-602A-04A4-3ADE45C98339}"/>
-              </a:ext>
-            </a:extLst>
-          </p:cNvPr>
-          <p:cNvSpPr>
-            <a:spLocks noGrp="1"/>
-          </p:cNvSpPr>
-          <p:nvPr>
-            <p:ph idx="11"/>
-          </p:nvPr>
-        </p:nvSpPr>
-        <p:spPr/>
-        <p:txBody>
-          <a:bodyPr/>
-          <a:lstStyle/>
-          <a:p>
-            <a:r>
-              <a:rPr lang="ko-KR" altLang="en-US" b="1" dirty="0"/>
-              <a:t>소개 및 환경구성</a:t>
-            </a:r>
-            <a:endParaRPr lang="ko-KR" altLang="en-US" dirty="0"/>
-          </a:p>
-        </p:txBody>
-      </p:sp>
-      <p:pic>
-        <p:nvPicPr>
-          <p:cNvPr id="5" name="그림 4">
-            <a:extLst>
-              <a:ext uri="{FF2B5EF4-FFF2-40B4-BE49-F238E27FC236}">
-                <a16:creationId xmlns:a16="http://schemas.microsoft.com/office/drawing/2014/main" id="{9CA9B169-02FE-EB31-6B4D-850C1D9DC340}"/>
-              </a:ext>
-            </a:extLst>
-          </p:cNvPr>
-          <p:cNvPicPr>
-            <a:picLocks noChangeAspect="1"/>
-          </p:cNvPicPr>
-          <p:nvPr/>
-        </p:nvPicPr>
-        <p:blipFill rotWithShape="1">
-          <a:blip r:embed="rId5"/>
-          <a:srcRect t="1790" b="9399"/>
-          <a:stretch/>
-        </p:blipFill>
-        <p:spPr>
-          <a:xfrm>
-            <a:off x="1538867" y="2046810"/>
-            <a:ext cx="5274527" cy="2578727"/>
-          </a:xfrm>
-          <a:prstGeom prst="rect">
-            <a:avLst/>
-          </a:prstGeom>
-        </p:spPr>
-      </p:pic>
-      <p:sp>
-        <p:nvSpPr>
-          <p:cNvPr id="6" name="바닥글 개체 틀 5">
-            <a:extLst>
-              <a:ext uri="{FF2B5EF4-FFF2-40B4-BE49-F238E27FC236}">
-                <a16:creationId xmlns:a16="http://schemas.microsoft.com/office/drawing/2014/main" id="{DF4653F8-5B83-443F-B3CB-291C68306849}"/>
-              </a:ext>
-            </a:extLst>
-          </p:cNvPr>
-          <p:cNvSpPr>
-            <a:spLocks noGrp="1"/>
-          </p:cNvSpPr>
-          <p:nvPr>
-            <p:ph type="ftr" sz="quarter" idx="3"/>
-          </p:nvPr>
-        </p:nvSpPr>
-        <p:spPr/>
-        <p:txBody>
-          <a:bodyPr/>
-          <a:lstStyle/>
-          <a:p>
-            <a:r>
-              <a:rPr lang="en-US" altLang="ko-KR"/>
-              <a:t>Spring MVC</a:t>
-            </a:r>
-            <a:endParaRPr lang="ko-KR" altLang="en-US" dirty="0"/>
-          </a:p>
-        </p:txBody>
-      </p:sp>
-    </p:spTree>
-    <p:extLst>
-      <p:ext uri="{BB962C8B-B14F-4D97-AF65-F5344CB8AC3E}">
-        <p14:creationId xmlns:p14="http://schemas.microsoft.com/office/powerpoint/2010/main" val="655341600"/>
-      </p:ext>
-    </p:extLst>
-  </p:cSld>
-  <p:clrMapOvr>
-    <a:masterClrMapping/>
-  </p:clrMapOvr>
-</p:sld>
-</file>
-
-<file path=ppt/slides/slide5.xml><?xml version="1.0" encoding="utf-8"?>
-<p:sld xmlns:a="http://schemas.openxmlformats.org/drawingml/2006/main" xmlns:r="http://schemas.openxmlformats.org/officeDocument/2006/relationships" xmlns:p="http://schemas.openxmlformats.org/presentationml/2006/main">
-  <p:cSld>
-    <p:spTree>
-      <p:nvGrpSpPr>
-        <p:cNvPr id="1" name=""/>
-        <p:cNvGrpSpPr/>
-        <p:nvPr/>
-      </p:nvGrpSpPr>
-      <p:grpSpPr>
-        <a:xfrm>
-          <a:off x="0" y="0"/>
-          <a:ext cx="0" cy="0"/>
-          <a:chOff x="0" y="0"/>
-          <a:chExt cx="0" cy="0"/>
-        </a:xfrm>
-      </p:grpSpPr>
-      <p:sp>
-        <p:nvSpPr>
-          <p:cNvPr id="2" name="제목 1">
-            <a:extLst>
-              <a:ext uri="{FF2B5EF4-FFF2-40B4-BE49-F238E27FC236}">
-                <a16:creationId xmlns:a16="http://schemas.microsoft.com/office/drawing/2014/main" id="{9896B29B-A1AE-E0C6-8543-753E63140B1C}"/>
-              </a:ext>
-            </a:extLst>
-          </p:cNvPr>
-          <p:cNvSpPr>
-            <a:spLocks noGrp="1"/>
-          </p:cNvSpPr>
-          <p:nvPr>
-            <p:ph type="ctrTitle"/>
-          </p:nvPr>
-        </p:nvSpPr>
-        <p:spPr/>
-        <p:txBody>
-          <a:bodyPr>
-            <a:normAutofit/>
-          </a:bodyPr>
-          <a:lstStyle/>
-          <a:p>
-            <a:r>
-              <a:rPr lang="en-US" altLang="ko" b="1" dirty="0">
-                <a:solidFill>
-                  <a:srgbClr val="ED234B"/>
-                </a:solidFill>
-              </a:rPr>
-              <a:t>Spring MVC</a:t>
-            </a:r>
-            <a:endParaRPr lang="ko-KR" altLang="en-US" b="1" dirty="0"/>
-          </a:p>
-        </p:txBody>
-      </p:sp>
-      <p:sp>
-        <p:nvSpPr>
-          <p:cNvPr id="4" name="부제목 3">
-            <a:extLst>
-              <a:ext uri="{FF2B5EF4-FFF2-40B4-BE49-F238E27FC236}">
-                <a16:creationId xmlns:a16="http://schemas.microsoft.com/office/drawing/2014/main" id="{7219E4B9-47F6-C7CA-B046-1256225C3574}"/>
-              </a:ext>
-            </a:extLst>
-          </p:cNvPr>
-          <p:cNvSpPr>
-            <a:spLocks noGrp="1"/>
-          </p:cNvSpPr>
-          <p:nvPr>
-            <p:ph type="subTitle" idx="1"/>
-          </p:nvPr>
-        </p:nvSpPr>
-        <p:spPr/>
-        <p:txBody>
-          <a:bodyPr>
-            <a:normAutofit/>
-          </a:bodyPr>
-          <a:lstStyle/>
-          <a:p>
-            <a:pPr marL="0" indent="0" algn="r">
-              <a:buNone/>
-            </a:pPr>
-            <a:r>
-              <a:rPr lang="ko-KR" altLang="en-US" b="1" dirty="0"/>
-              <a:t>서비스 구현</a:t>
-            </a:r>
-            <a:endParaRPr lang="ko-KR" altLang="en-US" dirty="0"/>
-          </a:p>
-        </p:txBody>
-      </p:sp>
-      <p:sp>
-        <p:nvSpPr>
-          <p:cNvPr id="3" name="텍스트 개체 틀 2">
-            <a:extLst>
-              <a:ext uri="{FF2B5EF4-FFF2-40B4-BE49-F238E27FC236}">
-                <a16:creationId xmlns:a16="http://schemas.microsoft.com/office/drawing/2014/main" id="{AC0A84AE-024E-0A77-CF67-051E328AE021}"/>
-              </a:ext>
-            </a:extLst>
-          </p:cNvPr>
-          <p:cNvSpPr>
-            <a:spLocks noGrp="1"/>
-          </p:cNvSpPr>
-          <p:nvPr>
-            <p:ph type="body" sz="quarter" idx="10"/>
-          </p:nvPr>
-        </p:nvSpPr>
-        <p:spPr/>
-        <p:txBody>
-          <a:bodyPr/>
-          <a:lstStyle/>
-          <a:p>
-            <a:endParaRPr lang="ko-KR" altLang="en-US"/>
-          </a:p>
-        </p:txBody>
-      </p:sp>
-    </p:spTree>
-    <p:extLst>
-      <p:ext uri="{BB962C8B-B14F-4D97-AF65-F5344CB8AC3E}">
-        <p14:creationId xmlns:p14="http://schemas.microsoft.com/office/powerpoint/2010/main" val="2984680853"/>
-      </p:ext>
-    </p:extLst>
-  </p:cSld>
-  <p:clrMapOvr>
-    <a:masterClrMapping/>
-  </p:clrMapOvr>
-</p:sld>
-</file>
-
-<file path=ppt/slides/slide6.xml><?xml version="1.0" encoding="utf-8"?>
-<p:sld xmlns:a="http://schemas.openxmlformats.org/drawingml/2006/main" xmlns:r="http://schemas.openxmlformats.org/officeDocument/2006/relationships" xmlns:p="http://schemas.openxmlformats.org/presentationml/2006/main">
-  <p:cSld>
-    <p:spTree>
-      <p:nvGrpSpPr>
-        <p:cNvPr id="1" name=""/>
-        <p:cNvGrpSpPr/>
-        <p:nvPr/>
-      </p:nvGrpSpPr>
-      <p:grpSpPr>
-        <a:xfrm>
-          <a:off x="0" y="0"/>
-          <a:ext cx="0" cy="0"/>
-          <a:chOff x="0" y="0"/>
-          <a:chExt cx="0" cy="0"/>
-        </a:xfrm>
-      </p:grpSpPr>
-      <p:sp>
-        <p:nvSpPr>
-          <p:cNvPr id="4" name="제목 3">
-            <a:extLst>
-              <a:ext uri="{FF2B5EF4-FFF2-40B4-BE49-F238E27FC236}">
-                <a16:creationId xmlns:a16="http://schemas.microsoft.com/office/drawing/2014/main" id="{D283F7C5-AF5C-DEEF-FC15-4B59CEF592DE}"/>
-              </a:ext>
-            </a:extLst>
-          </p:cNvPr>
-          <p:cNvSpPr>
-            <a:spLocks noGrp="1"/>
-          </p:cNvSpPr>
-          <p:nvPr>
-            <p:ph type="ctrTitle"/>
-          </p:nvPr>
-        </p:nvSpPr>
-        <p:spPr/>
-        <p:txBody>
-          <a:bodyPr/>
-          <a:lstStyle/>
-          <a:p>
-            <a:r>
-              <a:rPr lang="ko-KR" altLang="en-US" dirty="0"/>
-              <a:t>구현 실습</a:t>
-            </a:r>
-          </a:p>
-        </p:txBody>
-      </p:sp>
-      <p:sp>
-        <p:nvSpPr>
-          <p:cNvPr id="5" name="부제목 4">
-            <a:extLst>
-              <a:ext uri="{FF2B5EF4-FFF2-40B4-BE49-F238E27FC236}">
-                <a16:creationId xmlns:a16="http://schemas.microsoft.com/office/drawing/2014/main" id="{C884C73A-BBA1-E6A6-DDF5-9A946E28E963}"/>
-              </a:ext>
-            </a:extLst>
-          </p:cNvPr>
-          <p:cNvSpPr>
-            <a:spLocks noGrp="1"/>
-          </p:cNvSpPr>
-          <p:nvPr>
-            <p:ph type="subTitle" idx="1"/>
-          </p:nvPr>
-        </p:nvSpPr>
-        <p:spPr/>
-        <p:txBody>
-          <a:bodyPr/>
-          <a:lstStyle/>
-          <a:p>
-            <a:pPr marL="0" indent="0" algn="r">
-              <a:buNone/>
-            </a:pPr>
-            <a:r>
-              <a:rPr lang="en-US" altLang="ko-KR" dirty="0"/>
-              <a:t>Hello world </a:t>
-            </a:r>
-            <a:r>
-              <a:rPr lang="en-US" altLang="ko-KR"/>
-              <a:t>API </a:t>
-            </a:r>
-            <a:r>
-              <a:rPr lang="ko-KR" altLang="en-US" dirty="0"/>
-              <a:t>구현</a:t>
-            </a:r>
-          </a:p>
-        </p:txBody>
-      </p:sp>
-      <p:sp>
-        <p:nvSpPr>
-          <p:cNvPr id="3" name="텍스트 개체 틀 2">
-            <a:extLst>
-              <a:ext uri="{FF2B5EF4-FFF2-40B4-BE49-F238E27FC236}">
-                <a16:creationId xmlns:a16="http://schemas.microsoft.com/office/drawing/2014/main" id="{82BA57F7-5880-B5EF-0960-7C0F39C2F6FE}"/>
-              </a:ext>
-            </a:extLst>
-          </p:cNvPr>
-          <p:cNvSpPr>
-            <a:spLocks noGrp="1"/>
-          </p:cNvSpPr>
-          <p:nvPr>
-            <p:ph type="body" sz="quarter" idx="10"/>
-          </p:nvPr>
-        </p:nvSpPr>
-        <p:spPr/>
-        <p:txBody>
-          <a:bodyPr/>
-          <a:lstStyle/>
-          <a:p>
-            <a:endParaRPr lang="ko-KR" altLang="en-US"/>
-          </a:p>
-        </p:txBody>
-      </p:sp>
-    </p:spTree>
-    <p:extLst>
-      <p:ext uri="{BB962C8B-B14F-4D97-AF65-F5344CB8AC3E}">
-        <p14:creationId xmlns:p14="http://schemas.microsoft.com/office/powerpoint/2010/main" val="2848712885"/>
-      </p:ext>
-    </p:extLst>
-  </p:cSld>
-  <p:clrMapOvr>
-    <a:masterClrMapping/>
-  </p:clrMapOvr>
-</p:sld>
-</file>
-
-<file path=ppt/slides/slide7.xml><?xml version="1.0" encoding="utf-8"?>
-<p:sld xmlns:a="http://schemas.openxmlformats.org/drawingml/2006/main" xmlns:r="http://schemas.openxmlformats.org/officeDocument/2006/relationships" xmlns:p="http://schemas.openxmlformats.org/presentationml/2006/main">
-  <p:cSld>
-    <p:spTree>
-      <p:nvGrpSpPr>
-        <p:cNvPr id="1" name=""/>
-        <p:cNvGrpSpPr/>
-        <p:nvPr/>
-      </p:nvGrpSpPr>
-      <p:grpSpPr>
-        <a:xfrm>
-          <a:off x="0" y="0"/>
-          <a:ext cx="0" cy="0"/>
-          <a:chOff x="0" y="0"/>
-          <a:chExt cx="0" cy="0"/>
-        </a:xfrm>
-      </p:grpSpPr>
-      <p:sp>
-        <p:nvSpPr>
-          <p:cNvPr id="4" name="제목 3">
-            <a:extLst>
-              <a:ext uri="{FF2B5EF4-FFF2-40B4-BE49-F238E27FC236}">
-                <a16:creationId xmlns:a16="http://schemas.microsoft.com/office/drawing/2014/main" id="{D283F7C5-AF5C-DEEF-FC15-4B59CEF592DE}"/>
-              </a:ext>
-            </a:extLst>
-          </p:cNvPr>
-          <p:cNvSpPr>
-            <a:spLocks noGrp="1"/>
-          </p:cNvSpPr>
-          <p:nvPr>
-            <p:ph type="ctrTitle"/>
-          </p:nvPr>
-        </p:nvSpPr>
-        <p:spPr/>
-        <p:txBody>
-          <a:bodyPr/>
-          <a:lstStyle/>
-          <a:p>
-            <a:r>
-              <a:rPr lang="ko-KR" altLang="en-US" dirty="0"/>
-              <a:t>구현 실습</a:t>
-            </a:r>
-          </a:p>
-        </p:txBody>
-      </p:sp>
-      <p:sp>
-        <p:nvSpPr>
-          <p:cNvPr id="5" name="부제목 4">
-            <a:extLst>
-              <a:ext uri="{FF2B5EF4-FFF2-40B4-BE49-F238E27FC236}">
-                <a16:creationId xmlns:a16="http://schemas.microsoft.com/office/drawing/2014/main" id="{C884C73A-BBA1-E6A6-DDF5-9A946E28E963}"/>
-              </a:ext>
-            </a:extLst>
-          </p:cNvPr>
-          <p:cNvSpPr>
-            <a:spLocks noGrp="1"/>
-          </p:cNvSpPr>
-          <p:nvPr>
-            <p:ph type="subTitle" idx="1"/>
-          </p:nvPr>
-        </p:nvSpPr>
-        <p:spPr/>
-        <p:txBody>
-          <a:bodyPr/>
-          <a:lstStyle/>
-          <a:p>
-            <a:pPr marL="0" indent="0" algn="r">
-              <a:buNone/>
-            </a:pPr>
-            <a:r>
-              <a:rPr lang="en-US" altLang="ko-KR" dirty="0"/>
-              <a:t>CRUD </a:t>
-            </a:r>
-            <a:r>
-              <a:rPr lang="ko-KR" altLang="en-US" dirty="0"/>
-              <a:t>서비스 구현</a:t>
-            </a:r>
-          </a:p>
-        </p:txBody>
-      </p:sp>
-      <p:sp>
-        <p:nvSpPr>
-          <p:cNvPr id="3" name="텍스트 개체 틀 2">
-            <a:extLst>
-              <a:ext uri="{FF2B5EF4-FFF2-40B4-BE49-F238E27FC236}">
-                <a16:creationId xmlns:a16="http://schemas.microsoft.com/office/drawing/2014/main" id="{D61D8619-EC72-1B1F-DE54-F50C71E757B0}"/>
-              </a:ext>
-            </a:extLst>
-          </p:cNvPr>
-          <p:cNvSpPr>
-            <a:spLocks noGrp="1"/>
-          </p:cNvSpPr>
-          <p:nvPr>
-            <p:ph type="body" sz="quarter" idx="10"/>
-          </p:nvPr>
-        </p:nvSpPr>
-        <p:spPr/>
-        <p:txBody>
-          <a:bodyPr/>
-          <a:lstStyle/>
-          <a:p>
-            <a:endParaRPr lang="ko-KR" altLang="en-US"/>
-          </a:p>
-        </p:txBody>
-      </p:sp>
-    </p:spTree>
-    <p:extLst>
-      <p:ext uri="{BB962C8B-B14F-4D97-AF65-F5344CB8AC3E}">
-        <p14:creationId xmlns:p14="http://schemas.microsoft.com/office/powerpoint/2010/main" val="1085195890"/>
-      </p:ext>
-    </p:extLst>
-  </p:cSld>
-  <p:clrMapOvr>
-    <a:masterClrMapping/>
-  </p:clrMapOvr>
-</p:sld>
-</file>
-
-<file path=ppt/slides/slide8.xml><?xml version="1.0" encoding="utf-8"?>
-<p:sld xmlns:a="http://schemas.openxmlformats.org/drawingml/2006/main" xmlns:r="http://schemas.openxmlformats.org/officeDocument/2006/relationships" xmlns:p="http://schemas.openxmlformats.org/presentationml/2006/main">
-  <p:cSld>
-    <p:spTree>
-      <p:nvGrpSpPr>
-        <p:cNvPr id="1" name=""/>
-        <p:cNvGrpSpPr/>
-        <p:nvPr/>
-      </p:nvGrpSpPr>
-      <p:grpSpPr>
-        <a:xfrm>
-          <a:off x="0" y="0"/>
-          <a:ext cx="0" cy="0"/>
-          <a:chOff x="0" y="0"/>
-          <a:chExt cx="0" cy="0"/>
-        </a:xfrm>
-      </p:grpSpPr>
-      <p:sp>
-        <p:nvSpPr>
-          <p:cNvPr id="4" name="제목 3">
-            <a:extLst>
-              <a:ext uri="{FF2B5EF4-FFF2-40B4-BE49-F238E27FC236}">
-                <a16:creationId xmlns:a16="http://schemas.microsoft.com/office/drawing/2014/main" id="{D283F7C5-AF5C-DEEF-FC15-4B59CEF592DE}"/>
-              </a:ext>
-            </a:extLst>
-          </p:cNvPr>
-          <p:cNvSpPr>
-            <a:spLocks noGrp="1"/>
-          </p:cNvSpPr>
-          <p:nvPr>
-            <p:ph type="ctrTitle"/>
-          </p:nvPr>
-        </p:nvSpPr>
-        <p:spPr/>
-        <p:txBody>
-          <a:bodyPr/>
-          <a:lstStyle/>
-          <a:p>
-            <a:r>
-              <a:rPr lang="ko-KR" altLang="en-US" dirty="0"/>
-              <a:t>구현 실습</a:t>
-            </a:r>
-          </a:p>
-        </p:txBody>
-      </p:sp>
-      <p:sp>
-        <p:nvSpPr>
-          <p:cNvPr id="5" name="부제목 4">
-            <a:extLst>
-              <a:ext uri="{FF2B5EF4-FFF2-40B4-BE49-F238E27FC236}">
-                <a16:creationId xmlns:a16="http://schemas.microsoft.com/office/drawing/2014/main" id="{C884C73A-BBA1-E6A6-DDF5-9A946E28E963}"/>
-              </a:ext>
-            </a:extLst>
-          </p:cNvPr>
-          <p:cNvSpPr>
-            <a:spLocks noGrp="1"/>
-          </p:cNvSpPr>
-          <p:nvPr>
-            <p:ph type="subTitle" idx="1"/>
-          </p:nvPr>
-        </p:nvSpPr>
-        <p:spPr/>
-        <p:txBody>
-          <a:bodyPr/>
-          <a:lstStyle/>
-          <a:p>
-            <a:pPr marL="0" indent="0" algn="r">
-              <a:buNone/>
-            </a:pPr>
-            <a:r>
-              <a:rPr lang="en-US" altLang="ko-KR" dirty="0"/>
-              <a:t>Unit</a:t>
-            </a:r>
-            <a:r>
-              <a:rPr lang="ko-KR" altLang="en-US" dirty="0"/>
-              <a:t> 테스트 </a:t>
-            </a:r>
-            <a:r>
-              <a:rPr lang="en-US" altLang="ko-KR" dirty="0"/>
-              <a:t>(Junit)</a:t>
-            </a:r>
-            <a:endParaRPr lang="ko-KR" altLang="en-US" dirty="0"/>
-          </a:p>
-        </p:txBody>
-      </p:sp>
-      <p:sp>
-        <p:nvSpPr>
-          <p:cNvPr id="3" name="텍스트 개체 틀 2">
-            <a:extLst>
-              <a:ext uri="{FF2B5EF4-FFF2-40B4-BE49-F238E27FC236}">
-                <a16:creationId xmlns:a16="http://schemas.microsoft.com/office/drawing/2014/main" id="{EA3F3B8D-A3A0-58C5-3075-82938ED61372}"/>
-              </a:ext>
-            </a:extLst>
-          </p:cNvPr>
-          <p:cNvSpPr>
-            <a:spLocks noGrp="1"/>
-          </p:cNvSpPr>
-          <p:nvPr>
-            <p:ph type="body" sz="quarter" idx="10"/>
-          </p:nvPr>
-        </p:nvSpPr>
-        <p:spPr/>
-        <p:txBody>
-          <a:bodyPr/>
-          <a:lstStyle/>
-          <a:p>
-            <a:endParaRPr lang="ko-KR" altLang="en-US"/>
-          </a:p>
-        </p:txBody>
-      </p:sp>
-    </p:spTree>
-    <p:extLst>
-      <p:ext uri="{BB962C8B-B14F-4D97-AF65-F5344CB8AC3E}">
-        <p14:creationId xmlns:p14="http://schemas.microsoft.com/office/powerpoint/2010/main" val="388313514"/>
       </p:ext>
     </p:extLst>
   </p:cSld>

--- a/99.ppt/Ch2. 동기 서비스 구현 (Spring MVC).pptx
+++ b/99.ppt/Ch2. 동기 서비스 구현 (Spring MVC).pptx
@@ -5,23 +5,24 @@
     <p:sldMasterId id="2147483669" r:id="rId1"/>
   </p:sldMasterIdLst>
   <p:notesMasterIdLst>
-    <p:notesMasterId r:id="rId16"/>
+    <p:notesMasterId r:id="rId17"/>
   </p:notesMasterIdLst>
   <p:sldIdLst>
     <p:sldId id="271" r:id="rId2"/>
     <p:sldId id="270" r:id="rId3"/>
-    <p:sldId id="273" r:id="rId4"/>
-    <p:sldId id="274" r:id="rId5"/>
-    <p:sldId id="275" r:id="rId6"/>
-    <p:sldId id="272" r:id="rId7"/>
-    <p:sldId id="256" r:id="rId8"/>
-    <p:sldId id="258" r:id="rId9"/>
-    <p:sldId id="262" r:id="rId10"/>
-    <p:sldId id="264" r:id="rId11"/>
-    <p:sldId id="265" r:id="rId12"/>
-    <p:sldId id="267" r:id="rId13"/>
-    <p:sldId id="268" r:id="rId14"/>
-    <p:sldId id="269" r:id="rId15"/>
+    <p:sldId id="276" r:id="rId4"/>
+    <p:sldId id="273" r:id="rId5"/>
+    <p:sldId id="274" r:id="rId6"/>
+    <p:sldId id="275" r:id="rId7"/>
+    <p:sldId id="272" r:id="rId8"/>
+    <p:sldId id="256" r:id="rId9"/>
+    <p:sldId id="258" r:id="rId10"/>
+    <p:sldId id="262" r:id="rId11"/>
+    <p:sldId id="264" r:id="rId12"/>
+    <p:sldId id="265" r:id="rId13"/>
+    <p:sldId id="267" r:id="rId14"/>
+    <p:sldId id="268" r:id="rId15"/>
+    <p:sldId id="269" r:id="rId16"/>
   </p:sldIdLst>
   <p:sldSz cx="9144000" cy="5143500" type="screen16x9"/>
   <p:notesSz cx="6858000" cy="9144000"/>
@@ -682,7 +683,7 @@
           <a:p>
             <a:fld id="{4F243B46-72FF-4656-838A-691B9EB329E3}" type="slidenum">
               <a:rPr lang="ko-KR" altLang="en-US" smtClean="0"/>
-              <a:t>7</a:t>
+              <a:t>8</a:t>
             </a:fld>
             <a:endParaRPr lang="ko-KR" altLang="en-US"/>
           </a:p>
@@ -1429,7 +1430,7 @@
           <a:p>
             <a:fld id="{4F243B46-72FF-4656-838A-691B9EB329E3}" type="slidenum">
               <a:rPr lang="ko-KR" altLang="en-US" smtClean="0"/>
-              <a:t>8</a:t>
+              <a:t>9</a:t>
             </a:fld>
             <a:endParaRPr lang="ko-KR" altLang="en-US"/>
           </a:p>
@@ -1916,7 +1917,7 @@
           <a:p>
             <a:fld id="{4F243B46-72FF-4656-838A-691B9EB329E3}" type="slidenum">
               <a:rPr lang="ko-KR" altLang="en-US" smtClean="0"/>
-              <a:t>9</a:t>
+              <a:t>10</a:t>
             </a:fld>
             <a:endParaRPr lang="ko-KR" altLang="en-US"/>
           </a:p>
@@ -2044,7 +2045,7 @@
           <a:p>
             <a:fld id="{4F243B46-72FF-4656-838A-691B9EB329E3}" type="slidenum">
               <a:rPr lang="ko-KR" altLang="en-US" smtClean="0"/>
-              <a:t>10</a:t>
+              <a:t>11</a:t>
             </a:fld>
             <a:endParaRPr lang="ko-KR" altLang="en-US"/>
           </a:p>
@@ -2131,7 +2132,7 @@
           <a:p>
             <a:fld id="{4F243B46-72FF-4656-838A-691B9EB329E3}" type="slidenum">
               <a:rPr lang="ko-KR" altLang="en-US" smtClean="0"/>
-              <a:t>11</a:t>
+              <a:t>12</a:t>
             </a:fld>
             <a:endParaRPr lang="ko-KR" altLang="en-US"/>
           </a:p>
@@ -2243,7 +2244,7 @@
           <a:p>
             <a:fld id="{4F243B46-72FF-4656-838A-691B9EB329E3}" type="slidenum">
               <a:rPr lang="ko-KR" altLang="en-US" smtClean="0"/>
-              <a:t>12</a:t>
+              <a:t>13</a:t>
             </a:fld>
             <a:endParaRPr lang="ko-KR" altLang="en-US"/>
           </a:p>
@@ -2343,7 +2344,7 @@
           <a:p>
             <a:fld id="{4F243B46-72FF-4656-838A-691B9EB329E3}" type="slidenum">
               <a:rPr lang="ko-KR" altLang="en-US" smtClean="0"/>
-              <a:t>13</a:t>
+              <a:t>14</a:t>
             </a:fld>
             <a:endParaRPr lang="ko-KR" altLang="en-US"/>
           </a:p>
@@ -2455,7 +2456,7 @@
           <a:p>
             <a:fld id="{4F243B46-72FF-4656-838A-691B9EB329E3}" type="slidenum">
               <a:rPr lang="ko-KR" altLang="en-US" smtClean="0"/>
-              <a:t>14</a:t>
+              <a:t>15</a:t>
             </a:fld>
             <a:endParaRPr lang="ko-KR" altLang="en-US"/>
           </a:p>
@@ -4236,6 +4237,294 @@
             <p:ph idx="1"/>
           </p:nvPr>
         </p:nvSpPr>
+        <p:spPr/>
+        <p:txBody>
+          <a:bodyPr/>
+          <a:lstStyle/>
+          <a:p>
+            <a:pPr marL="0" indent="0">
+              <a:buNone/>
+            </a:pPr>
+            <a:r>
+              <a:rPr lang="ko-KR" altLang="en-US" dirty="0"/>
+              <a:t>구현내용</a:t>
+            </a:r>
+            <a:endParaRPr lang="en-US" altLang="ko-KR" dirty="0"/>
+          </a:p>
+        </p:txBody>
+      </p:sp>
+      <p:sp>
+        <p:nvSpPr>
+          <p:cNvPr id="3" name="내용 개체 틀 2">
+            <a:extLst>
+              <a:ext uri="{FF2B5EF4-FFF2-40B4-BE49-F238E27FC236}">
+                <a16:creationId xmlns:a16="http://schemas.microsoft.com/office/drawing/2014/main" id="{4E8142AA-5395-349A-E01B-C47831D728CC}"/>
+              </a:ext>
+            </a:extLst>
+          </p:cNvPr>
+          <p:cNvSpPr>
+            <a:spLocks noGrp="1"/>
+          </p:cNvSpPr>
+          <p:nvPr>
+            <p:ph idx="11"/>
+          </p:nvPr>
+        </p:nvSpPr>
+        <p:spPr/>
+        <p:txBody>
+          <a:bodyPr/>
+          <a:lstStyle/>
+          <a:p>
+            <a:r>
+              <a:rPr lang="ko-KR" altLang="en-US" b="1" dirty="0"/>
+              <a:t>소개 및 환경구성</a:t>
+            </a:r>
+            <a:endParaRPr lang="ko-KR" altLang="en-US" dirty="0"/>
+          </a:p>
+        </p:txBody>
+      </p:sp>
+      <p:sp>
+        <p:nvSpPr>
+          <p:cNvPr id="6" name="TextBox 5">
+            <a:extLst>
+              <a:ext uri="{FF2B5EF4-FFF2-40B4-BE49-F238E27FC236}">
+                <a16:creationId xmlns:a16="http://schemas.microsoft.com/office/drawing/2014/main" id="{A39D204B-5E6E-B41A-E4C9-3CF4ADB9FA39}"/>
+              </a:ext>
+            </a:extLst>
+          </p:cNvPr>
+          <p:cNvSpPr txBox="1"/>
+          <p:nvPr/>
+        </p:nvSpPr>
+        <p:spPr>
+          <a:xfrm>
+            <a:off x="4572000" y="1625113"/>
+            <a:ext cx="609462" cy="415498"/>
+          </a:xfrm>
+          <a:prstGeom prst="rect">
+            <a:avLst/>
+          </a:prstGeom>
+          <a:noFill/>
+        </p:spPr>
+        <p:txBody>
+          <a:bodyPr wrap="none" rtlCol="0">
+            <a:spAutoFit/>
+          </a:bodyPr>
+          <a:lstStyle/>
+          <a:p>
+            <a:r>
+              <a:rPr lang="en-US" altLang="ko-KR" sz="2100" dirty="0">
+                <a:latin typeface="Spoqa Han Sans Neo Medium" pitchFamily="2" charset="-127"/>
+                <a:ea typeface="Spoqa Han Sans Neo Medium" pitchFamily="2" charset="-127"/>
+              </a:rPr>
+              <a:t>API</a:t>
+            </a:r>
+            <a:endParaRPr lang="ko-KR" altLang="en-US" sz="2100" dirty="0">
+              <a:latin typeface="Spoqa Han Sans Neo Medium" pitchFamily="2" charset="-127"/>
+              <a:ea typeface="Spoqa Han Sans Neo Medium" pitchFamily="2" charset="-127"/>
+            </a:endParaRPr>
+          </a:p>
+        </p:txBody>
+      </p:sp>
+      <p:pic>
+        <p:nvPicPr>
+          <p:cNvPr id="10" name="그림 9">
+            <a:extLst>
+              <a:ext uri="{FF2B5EF4-FFF2-40B4-BE49-F238E27FC236}">
+                <a16:creationId xmlns:a16="http://schemas.microsoft.com/office/drawing/2014/main" id="{F89081F6-7C1F-033F-70EB-FE9BF669F526}"/>
+              </a:ext>
+            </a:extLst>
+          </p:cNvPr>
+          <p:cNvPicPr>
+            <a:picLocks noChangeAspect="1"/>
+          </p:cNvPicPr>
+          <p:nvPr/>
+        </p:nvPicPr>
+        <p:blipFill>
+          <a:blip r:embed="rId3"/>
+          <a:stretch>
+            <a:fillRect/>
+          </a:stretch>
+        </p:blipFill>
+        <p:spPr>
+          <a:xfrm>
+            <a:off x="4401063" y="2034561"/>
+            <a:ext cx="4249311" cy="2522318"/>
+          </a:xfrm>
+          <a:prstGeom prst="rect">
+            <a:avLst/>
+          </a:prstGeom>
+        </p:spPr>
+      </p:pic>
+      <p:pic>
+        <p:nvPicPr>
+          <p:cNvPr id="12" name="그림 11">
+            <a:extLst>
+              <a:ext uri="{FF2B5EF4-FFF2-40B4-BE49-F238E27FC236}">
+                <a16:creationId xmlns:a16="http://schemas.microsoft.com/office/drawing/2014/main" id="{2FBE5B6E-1A60-94D9-187F-913C139920B9}"/>
+              </a:ext>
+            </a:extLst>
+          </p:cNvPr>
+          <p:cNvPicPr>
+            <a:picLocks noChangeAspect="1"/>
+          </p:cNvPicPr>
+          <p:nvPr/>
+        </p:nvPicPr>
+        <p:blipFill>
+          <a:blip r:embed="rId4"/>
+          <a:stretch>
+            <a:fillRect/>
+          </a:stretch>
+        </p:blipFill>
+        <p:spPr>
+          <a:xfrm>
+            <a:off x="802803" y="2034561"/>
+            <a:ext cx="3313233" cy="2522318"/>
+          </a:xfrm>
+          <a:prstGeom prst="rect">
+            <a:avLst/>
+          </a:prstGeom>
+        </p:spPr>
+      </p:pic>
+      <p:sp>
+        <p:nvSpPr>
+          <p:cNvPr id="13" name="TextBox 12">
+            <a:extLst>
+              <a:ext uri="{FF2B5EF4-FFF2-40B4-BE49-F238E27FC236}">
+                <a16:creationId xmlns:a16="http://schemas.microsoft.com/office/drawing/2014/main" id="{C1D81F25-AA1B-5D79-2481-6935028480F3}"/>
+              </a:ext>
+            </a:extLst>
+          </p:cNvPr>
+          <p:cNvSpPr txBox="1"/>
+          <p:nvPr/>
+        </p:nvSpPr>
+        <p:spPr>
+          <a:xfrm>
+            <a:off x="831495" y="1592499"/>
+            <a:ext cx="1178528" cy="415498"/>
+          </a:xfrm>
+          <a:prstGeom prst="rect">
+            <a:avLst/>
+          </a:prstGeom>
+          <a:noFill/>
+        </p:spPr>
+        <p:txBody>
+          <a:bodyPr wrap="none" rtlCol="0">
+            <a:spAutoFit/>
+          </a:bodyPr>
+          <a:lstStyle/>
+          <a:p>
+            <a:r>
+              <a:rPr lang="ko-KR" altLang="en-US" sz="2100" dirty="0">
+                <a:latin typeface="Spoqa Han Sans Neo Medium" pitchFamily="2" charset="-127"/>
+                <a:ea typeface="Spoqa Han Sans Neo Medium" pitchFamily="2" charset="-127"/>
+              </a:rPr>
+              <a:t>자료구조</a:t>
+            </a:r>
+          </a:p>
+        </p:txBody>
+      </p:sp>
+      <p:sp>
+        <p:nvSpPr>
+          <p:cNvPr id="5" name="바닥글 개체 틀 4">
+            <a:extLst>
+              <a:ext uri="{FF2B5EF4-FFF2-40B4-BE49-F238E27FC236}">
+                <a16:creationId xmlns:a16="http://schemas.microsoft.com/office/drawing/2014/main" id="{745E46E5-157F-0B4A-6A36-275CB8C58BDF}"/>
+              </a:ext>
+            </a:extLst>
+          </p:cNvPr>
+          <p:cNvSpPr>
+            <a:spLocks noGrp="1"/>
+          </p:cNvSpPr>
+          <p:nvPr>
+            <p:ph type="ftr" sz="quarter" idx="3"/>
+          </p:nvPr>
+        </p:nvSpPr>
+        <p:spPr/>
+        <p:txBody>
+          <a:bodyPr/>
+          <a:lstStyle/>
+          <a:p>
+            <a:r>
+              <a:rPr lang="en-US" altLang="ko-KR"/>
+              <a:t>Spring MVC</a:t>
+            </a:r>
+            <a:endParaRPr lang="ko-KR" altLang="en-US" dirty="0"/>
+          </a:p>
+        </p:txBody>
+      </p:sp>
+    </p:spTree>
+    <p:extLst>
+      <p:ext uri="{BB962C8B-B14F-4D97-AF65-F5344CB8AC3E}">
+        <p14:creationId xmlns:p14="http://schemas.microsoft.com/office/powerpoint/2010/main" val="824592560"/>
+      </p:ext>
+    </p:extLst>
+  </p:cSld>
+  <p:clrMapOvr>
+    <a:masterClrMapping/>
+  </p:clrMapOvr>
+</p:sld>
+</file>
+
+<file path=ppt/slides/slide11.xml><?xml version="1.0" encoding="utf-8"?>
+<p:sld xmlns:a="http://schemas.openxmlformats.org/drawingml/2006/main" xmlns:r="http://schemas.openxmlformats.org/officeDocument/2006/relationships" xmlns:p="http://schemas.openxmlformats.org/presentationml/2006/main">
+  <p:cSld>
+    <p:spTree>
+      <p:nvGrpSpPr>
+        <p:cNvPr id="1" name=""/>
+        <p:cNvGrpSpPr/>
+        <p:nvPr/>
+      </p:nvGrpSpPr>
+      <p:grpSpPr>
+        <a:xfrm>
+          <a:off x="0" y="0"/>
+          <a:ext cx="0" cy="0"/>
+          <a:chOff x="0" y="0"/>
+          <a:chExt cx="0" cy="0"/>
+        </a:xfrm>
+      </p:grpSpPr>
+      <p:sp>
+        <p:nvSpPr>
+          <p:cNvPr id="2" name="제목 1">
+            <a:extLst>
+              <a:ext uri="{FF2B5EF4-FFF2-40B4-BE49-F238E27FC236}">
+                <a16:creationId xmlns:a16="http://schemas.microsoft.com/office/drawing/2014/main" id="{D21C1AA9-5E52-3A11-B3B3-447787E29D09}"/>
+              </a:ext>
+            </a:extLst>
+          </p:cNvPr>
+          <p:cNvSpPr>
+            <a:spLocks noGrp="1"/>
+          </p:cNvSpPr>
+          <p:nvPr>
+            <p:ph type="title"/>
+          </p:nvPr>
+        </p:nvSpPr>
+        <p:spPr/>
+        <p:txBody>
+          <a:bodyPr/>
+          <a:lstStyle/>
+          <a:p>
+            <a:r>
+              <a:rPr lang="ko-KR" altLang="en-US" dirty="0"/>
+              <a:t>구현내용 및 개발환경 구성</a:t>
+            </a:r>
+          </a:p>
+        </p:txBody>
+      </p:sp>
+      <p:sp>
+        <p:nvSpPr>
+          <p:cNvPr id="4" name="내용 개체 틀 3">
+            <a:extLst>
+              <a:ext uri="{FF2B5EF4-FFF2-40B4-BE49-F238E27FC236}">
+                <a16:creationId xmlns:a16="http://schemas.microsoft.com/office/drawing/2014/main" id="{42F6317C-F28B-ECBE-0810-17736FC7D8AB}"/>
+              </a:ext>
+            </a:extLst>
+          </p:cNvPr>
+          <p:cNvSpPr>
+            <a:spLocks noGrp="1"/>
+          </p:cNvSpPr>
+          <p:nvPr>
+            <p:ph idx="1"/>
+          </p:nvPr>
+        </p:nvSpPr>
         <p:spPr>
           <a:xfrm>
             <a:off x="417524" y="881752"/>
@@ -4417,130 +4706,6 @@
 </p:sld>
 </file>
 
-<file path=ppt/slides/slide11.xml><?xml version="1.0" encoding="utf-8"?>
-<p:sld xmlns:a="http://schemas.openxmlformats.org/drawingml/2006/main" xmlns:r="http://schemas.openxmlformats.org/officeDocument/2006/relationships" xmlns:p="http://schemas.openxmlformats.org/presentationml/2006/main">
-  <p:cSld>
-    <p:spTree>
-      <p:nvGrpSpPr>
-        <p:cNvPr id="1" name=""/>
-        <p:cNvGrpSpPr/>
-        <p:nvPr/>
-      </p:nvGrpSpPr>
-      <p:grpSpPr>
-        <a:xfrm>
-          <a:off x="0" y="0"/>
-          <a:ext cx="0" cy="0"/>
-          <a:chOff x="0" y="0"/>
-          <a:chExt cx="0" cy="0"/>
-        </a:xfrm>
-      </p:grpSpPr>
-      <p:sp>
-        <p:nvSpPr>
-          <p:cNvPr id="2" name="제목 1">
-            <a:extLst>
-              <a:ext uri="{FF2B5EF4-FFF2-40B4-BE49-F238E27FC236}">
-                <a16:creationId xmlns:a16="http://schemas.microsoft.com/office/drawing/2014/main" id="{9896B29B-A1AE-E0C6-8543-753E63140B1C}"/>
-              </a:ext>
-            </a:extLst>
-          </p:cNvPr>
-          <p:cNvSpPr>
-            <a:spLocks noGrp="1"/>
-          </p:cNvSpPr>
-          <p:nvPr>
-            <p:ph type="ctrTitle"/>
-          </p:nvPr>
-        </p:nvSpPr>
-        <p:spPr/>
-        <p:txBody>
-          <a:bodyPr>
-            <a:normAutofit/>
-          </a:bodyPr>
-          <a:lstStyle/>
-          <a:p>
-            <a:r>
-              <a:rPr lang="en-US" altLang="ko" b="1" dirty="0">
-                <a:solidFill>
-                  <a:srgbClr val="ED234B"/>
-                </a:solidFill>
-              </a:rPr>
-              <a:t>Spring MVC</a:t>
-            </a:r>
-            <a:endParaRPr lang="ko-KR" altLang="en-US" b="1" dirty="0"/>
-          </a:p>
-        </p:txBody>
-      </p:sp>
-      <p:sp>
-        <p:nvSpPr>
-          <p:cNvPr id="4" name="부제목 3">
-            <a:extLst>
-              <a:ext uri="{FF2B5EF4-FFF2-40B4-BE49-F238E27FC236}">
-                <a16:creationId xmlns:a16="http://schemas.microsoft.com/office/drawing/2014/main" id="{7219E4B9-47F6-C7CA-B046-1256225C3574}"/>
-              </a:ext>
-            </a:extLst>
-          </p:cNvPr>
-          <p:cNvSpPr>
-            <a:spLocks noGrp="1"/>
-          </p:cNvSpPr>
-          <p:nvPr>
-            <p:ph type="subTitle" idx="1"/>
-          </p:nvPr>
-        </p:nvSpPr>
-        <p:spPr/>
-        <p:txBody>
-          <a:bodyPr>
-            <a:normAutofit/>
-          </a:bodyPr>
-          <a:lstStyle/>
-          <a:p>
-            <a:pPr marL="0" indent="0" algn="r">
-              <a:buNone/>
-            </a:pPr>
-            <a:r>
-              <a:rPr lang="ko-KR" altLang="en-US" b="1" dirty="0"/>
-              <a:t>서비스 구현</a:t>
-            </a:r>
-            <a:endParaRPr lang="ko-KR" altLang="en-US" dirty="0"/>
-          </a:p>
-        </p:txBody>
-      </p:sp>
-      <p:sp>
-        <p:nvSpPr>
-          <p:cNvPr id="3" name="텍스트 개체 틀 2">
-            <a:extLst>
-              <a:ext uri="{FF2B5EF4-FFF2-40B4-BE49-F238E27FC236}">
-                <a16:creationId xmlns:a16="http://schemas.microsoft.com/office/drawing/2014/main" id="{AC0A84AE-024E-0A77-CF67-051E328AE021}"/>
-              </a:ext>
-            </a:extLst>
-          </p:cNvPr>
-          <p:cNvSpPr>
-            <a:spLocks noGrp="1"/>
-          </p:cNvSpPr>
-          <p:nvPr>
-            <p:ph type="body" sz="quarter" idx="10"/>
-          </p:nvPr>
-        </p:nvSpPr>
-        <p:spPr/>
-        <p:txBody>
-          <a:bodyPr/>
-          <a:lstStyle/>
-          <a:p>
-            <a:endParaRPr lang="ko-KR" altLang="en-US"/>
-          </a:p>
-        </p:txBody>
-      </p:sp>
-    </p:spTree>
-    <p:extLst>
-      <p:ext uri="{BB962C8B-B14F-4D97-AF65-F5344CB8AC3E}">
-        <p14:creationId xmlns:p14="http://schemas.microsoft.com/office/powerpoint/2010/main" val="2984680853"/>
-      </p:ext>
-    </p:extLst>
-  </p:cSld>
-  <p:clrMapOvr>
-    <a:masterClrMapping/>
-  </p:clrMapOvr>
-</p:sld>
-</file>
-
 <file path=ppt/slides/slide12.xml><?xml version="1.0" encoding="utf-8"?>
 <p:sld xmlns:a="http://schemas.openxmlformats.org/drawingml/2006/main" xmlns:r="http://schemas.openxmlformats.org/officeDocument/2006/relationships" xmlns:p="http://schemas.openxmlformats.org/presentationml/2006/main">
   <p:cSld>
@@ -4560,10 +4725,10 @@
       </p:grpSpPr>
       <p:sp>
         <p:nvSpPr>
-          <p:cNvPr id="4" name="제목 3">
+          <p:cNvPr id="2" name="제목 1">
             <a:extLst>
               <a:ext uri="{FF2B5EF4-FFF2-40B4-BE49-F238E27FC236}">
-                <a16:creationId xmlns:a16="http://schemas.microsoft.com/office/drawing/2014/main" id="{D283F7C5-AF5C-DEEF-FC15-4B59CEF592DE}"/>
+                <a16:creationId xmlns:a16="http://schemas.microsoft.com/office/drawing/2014/main" id="{9896B29B-A1AE-E0C6-8543-753E63140B1C}"/>
               </a:ext>
             </a:extLst>
           </p:cNvPr>
@@ -4576,22 +4741,29 @@
         </p:nvSpPr>
         <p:spPr/>
         <p:txBody>
-          <a:bodyPr/>
+          <a:bodyPr>
+            <a:normAutofit/>
+          </a:bodyPr>
           <a:lstStyle/>
           <a:p>
             <a:r>
-              <a:rPr lang="ko-KR" altLang="en-US" dirty="0"/>
-              <a:t>구현 실습</a:t>
-            </a:r>
-          </a:p>
-        </p:txBody>
-      </p:sp>
-      <p:sp>
-        <p:nvSpPr>
-          <p:cNvPr id="5" name="부제목 4">
+              <a:rPr lang="en-US" altLang="ko" b="1" dirty="0">
+                <a:solidFill>
+                  <a:srgbClr val="ED234B"/>
+                </a:solidFill>
+              </a:rPr>
+              <a:t>Spring MVC</a:t>
+            </a:r>
+            <a:endParaRPr lang="ko-KR" altLang="en-US" b="1" dirty="0"/>
+          </a:p>
+        </p:txBody>
+      </p:sp>
+      <p:sp>
+        <p:nvSpPr>
+          <p:cNvPr id="4" name="부제목 3">
             <a:extLst>
               <a:ext uri="{FF2B5EF4-FFF2-40B4-BE49-F238E27FC236}">
-                <a16:creationId xmlns:a16="http://schemas.microsoft.com/office/drawing/2014/main" id="{C884C73A-BBA1-E6A6-DDF5-9A946E28E963}"/>
+                <a16:creationId xmlns:a16="http://schemas.microsoft.com/office/drawing/2014/main" id="{7219E4B9-47F6-C7CA-B046-1256225C3574}"/>
               </a:ext>
             </a:extLst>
           </p:cNvPr>
@@ -4604,24 +4776,19 @@
         </p:nvSpPr>
         <p:spPr/>
         <p:txBody>
-          <a:bodyPr/>
+          <a:bodyPr>
+            <a:normAutofit/>
+          </a:bodyPr>
           <a:lstStyle/>
           <a:p>
             <a:pPr marL="0" indent="0" algn="r">
               <a:buNone/>
             </a:pPr>
             <a:r>
-              <a:rPr lang="en-US" altLang="ko-KR" dirty="0"/>
-              <a:t>Hello world </a:t>
-            </a:r>
-            <a:r>
-              <a:rPr lang="en-US" altLang="ko-KR"/>
-              <a:t>API </a:t>
-            </a:r>
-            <a:r>
-              <a:rPr lang="ko-KR" altLang="en-US" dirty="0"/>
-              <a:t>구현</a:t>
-            </a:r>
+              <a:rPr lang="ko-KR" altLang="en-US" b="1" dirty="0"/>
+              <a:t>서비스 구현</a:t>
+            </a:r>
+            <a:endParaRPr lang="ko-KR" altLang="en-US" dirty="0"/>
           </a:p>
         </p:txBody>
       </p:sp>
@@ -4630,7 +4797,7 @@
           <p:cNvPr id="3" name="텍스트 개체 틀 2">
             <a:extLst>
               <a:ext uri="{FF2B5EF4-FFF2-40B4-BE49-F238E27FC236}">
-                <a16:creationId xmlns:a16="http://schemas.microsoft.com/office/drawing/2014/main" id="{82BA57F7-5880-B5EF-0960-7C0F39C2F6FE}"/>
+                <a16:creationId xmlns:a16="http://schemas.microsoft.com/office/drawing/2014/main" id="{AC0A84AE-024E-0A77-CF67-051E328AE021}"/>
               </a:ext>
             </a:extLst>
           </p:cNvPr>
@@ -4653,7 +4820,7 @@
     </p:spTree>
     <p:extLst>
       <p:ext uri="{BB962C8B-B14F-4D97-AF65-F5344CB8AC3E}">
-        <p14:creationId xmlns:p14="http://schemas.microsoft.com/office/powerpoint/2010/main" val="2848712885"/>
+        <p14:creationId xmlns:p14="http://schemas.microsoft.com/office/powerpoint/2010/main" val="2984680853"/>
       </p:ext>
     </p:extLst>
   </p:cSld>
@@ -4734,6 +4901,128 @@
             </a:pPr>
             <a:r>
               <a:rPr lang="en-US" altLang="ko-KR" dirty="0"/>
+              <a:t>Hello world </a:t>
+            </a:r>
+            <a:r>
+              <a:rPr lang="en-US" altLang="ko-KR"/>
+              <a:t>API </a:t>
+            </a:r>
+            <a:r>
+              <a:rPr lang="ko-KR" altLang="en-US" dirty="0"/>
+              <a:t>구현</a:t>
+            </a:r>
+          </a:p>
+        </p:txBody>
+      </p:sp>
+      <p:sp>
+        <p:nvSpPr>
+          <p:cNvPr id="3" name="텍스트 개체 틀 2">
+            <a:extLst>
+              <a:ext uri="{FF2B5EF4-FFF2-40B4-BE49-F238E27FC236}">
+                <a16:creationId xmlns:a16="http://schemas.microsoft.com/office/drawing/2014/main" id="{82BA57F7-5880-B5EF-0960-7C0F39C2F6FE}"/>
+              </a:ext>
+            </a:extLst>
+          </p:cNvPr>
+          <p:cNvSpPr>
+            <a:spLocks noGrp="1"/>
+          </p:cNvSpPr>
+          <p:nvPr>
+            <p:ph type="body" sz="quarter" idx="10"/>
+          </p:nvPr>
+        </p:nvSpPr>
+        <p:spPr/>
+        <p:txBody>
+          <a:bodyPr/>
+          <a:lstStyle/>
+          <a:p>
+            <a:endParaRPr lang="ko-KR" altLang="en-US"/>
+          </a:p>
+        </p:txBody>
+      </p:sp>
+    </p:spTree>
+    <p:extLst>
+      <p:ext uri="{BB962C8B-B14F-4D97-AF65-F5344CB8AC3E}">
+        <p14:creationId xmlns:p14="http://schemas.microsoft.com/office/powerpoint/2010/main" val="2848712885"/>
+      </p:ext>
+    </p:extLst>
+  </p:cSld>
+  <p:clrMapOvr>
+    <a:masterClrMapping/>
+  </p:clrMapOvr>
+</p:sld>
+</file>
+
+<file path=ppt/slides/slide14.xml><?xml version="1.0" encoding="utf-8"?>
+<p:sld xmlns:a="http://schemas.openxmlformats.org/drawingml/2006/main" xmlns:r="http://schemas.openxmlformats.org/officeDocument/2006/relationships" xmlns:p="http://schemas.openxmlformats.org/presentationml/2006/main">
+  <p:cSld>
+    <p:spTree>
+      <p:nvGrpSpPr>
+        <p:cNvPr id="1" name=""/>
+        <p:cNvGrpSpPr/>
+        <p:nvPr/>
+      </p:nvGrpSpPr>
+      <p:grpSpPr>
+        <a:xfrm>
+          <a:off x="0" y="0"/>
+          <a:ext cx="0" cy="0"/>
+          <a:chOff x="0" y="0"/>
+          <a:chExt cx="0" cy="0"/>
+        </a:xfrm>
+      </p:grpSpPr>
+      <p:sp>
+        <p:nvSpPr>
+          <p:cNvPr id="4" name="제목 3">
+            <a:extLst>
+              <a:ext uri="{FF2B5EF4-FFF2-40B4-BE49-F238E27FC236}">
+                <a16:creationId xmlns:a16="http://schemas.microsoft.com/office/drawing/2014/main" id="{D283F7C5-AF5C-DEEF-FC15-4B59CEF592DE}"/>
+              </a:ext>
+            </a:extLst>
+          </p:cNvPr>
+          <p:cNvSpPr>
+            <a:spLocks noGrp="1"/>
+          </p:cNvSpPr>
+          <p:nvPr>
+            <p:ph type="ctrTitle"/>
+          </p:nvPr>
+        </p:nvSpPr>
+        <p:spPr/>
+        <p:txBody>
+          <a:bodyPr/>
+          <a:lstStyle/>
+          <a:p>
+            <a:r>
+              <a:rPr lang="ko-KR" altLang="en-US" dirty="0"/>
+              <a:t>구현 실습</a:t>
+            </a:r>
+          </a:p>
+        </p:txBody>
+      </p:sp>
+      <p:sp>
+        <p:nvSpPr>
+          <p:cNvPr id="5" name="부제목 4">
+            <a:extLst>
+              <a:ext uri="{FF2B5EF4-FFF2-40B4-BE49-F238E27FC236}">
+                <a16:creationId xmlns:a16="http://schemas.microsoft.com/office/drawing/2014/main" id="{C884C73A-BBA1-E6A6-DDF5-9A946E28E963}"/>
+              </a:ext>
+            </a:extLst>
+          </p:cNvPr>
+          <p:cNvSpPr>
+            <a:spLocks noGrp="1"/>
+          </p:cNvSpPr>
+          <p:nvPr>
+            <p:ph type="subTitle" idx="1"/>
+          </p:nvPr>
+        </p:nvSpPr>
+        <p:spPr/>
+        <p:txBody>
+          <a:bodyPr/>
+          <a:lstStyle/>
+          <a:p>
+            <a:pPr marL="0" indent="0" algn="r">
+              <a:buNone/>
+            </a:pPr>
+            <a:r>
+              <a:rPr lang="en-US" altLang="ko-KR" dirty="0"/>
               <a:t>CRUD </a:t>
             </a:r>
             <a:r>
@@ -4781,7 +5070,7 @@
 </p:sld>
 </file>
 
-<file path=ppt/slides/slide14.xml><?xml version="1.0" encoding="utf-8"?>
+<file path=ppt/slides/slide15.xml><?xml version="1.0" encoding="utf-8"?>
 <p:sld xmlns:a="http://schemas.openxmlformats.org/drawingml/2006/main" xmlns:r="http://schemas.openxmlformats.org/officeDocument/2006/relationships" xmlns:p="http://schemas.openxmlformats.org/presentationml/2006/main">
   <p:cSld>
     <p:spTree>
@@ -4983,6 +5272,66 @@
       </p:grpSpPr>
       <p:pic>
         <p:nvPicPr>
+          <p:cNvPr id="9" name="그림 8">
+            <a:extLst>
+              <a:ext uri="{FF2B5EF4-FFF2-40B4-BE49-F238E27FC236}">
+                <a16:creationId xmlns:a16="http://schemas.microsoft.com/office/drawing/2014/main" id="{94CCD6B2-7C7D-B299-E602-800A30A89441}"/>
+              </a:ext>
+            </a:extLst>
+          </p:cNvPr>
+          <p:cNvPicPr>
+            <a:picLocks noChangeAspect="1"/>
+          </p:cNvPicPr>
+          <p:nvPr/>
+        </p:nvPicPr>
+        <p:blipFill>
+          <a:blip r:embed="rId2"/>
+          <a:stretch>
+            <a:fillRect/>
+          </a:stretch>
+        </p:blipFill>
+        <p:spPr>
+          <a:xfrm>
+            <a:off x="671269" y="31371"/>
+            <a:ext cx="7801462" cy="5080757"/>
+          </a:xfrm>
+          <a:prstGeom prst="rect">
+            <a:avLst/>
+          </a:prstGeom>
+        </p:spPr>
+      </p:pic>
+    </p:spTree>
+    <p:extLst>
+      <p:ext uri="{BB962C8B-B14F-4D97-AF65-F5344CB8AC3E}">
+        <p14:creationId xmlns:p14="http://schemas.microsoft.com/office/powerpoint/2010/main" val="1012163046"/>
+      </p:ext>
+    </p:extLst>
+  </p:cSld>
+  <p:clrMapOvr>
+    <a:masterClrMapping/>
+  </p:clrMapOvr>
+</p:sld>
+</file>
+
+<file path=ppt/slides/slide4.xml><?xml version="1.0" encoding="utf-8"?>
+<p:sld xmlns:a="http://schemas.openxmlformats.org/drawingml/2006/main" xmlns:r="http://schemas.openxmlformats.org/officeDocument/2006/relationships" xmlns:p="http://schemas.openxmlformats.org/presentationml/2006/main">
+  <p:cSld>
+    <p:spTree>
+      <p:nvGrpSpPr>
+        <p:cNvPr id="1" name=""/>
+        <p:cNvGrpSpPr/>
+        <p:nvPr/>
+      </p:nvGrpSpPr>
+      <p:grpSpPr>
+        <a:xfrm>
+          <a:off x="0" y="0"/>
+          <a:ext cx="0" cy="0"/>
+          <a:chOff x="0" y="0"/>
+          <a:chExt cx="0" cy="0"/>
+        </a:xfrm>
+      </p:grpSpPr>
+      <p:pic>
+        <p:nvPicPr>
           <p:cNvPr id="1026" name="Picture 2" descr="researchgate.net">
             <a:extLst>
               <a:ext uri="{FF2B5EF4-FFF2-40B4-BE49-F238E27FC236}">
@@ -5082,7 +5431,7 @@
 </p:sld>
 </file>
 
-<file path=ppt/slides/slide4.xml><?xml version="1.0" encoding="utf-8"?>
+<file path=ppt/slides/slide5.xml><?xml version="1.0" encoding="utf-8"?>
 <p:sld xmlns:a="http://schemas.openxmlformats.org/drawingml/2006/main" xmlns:r="http://schemas.openxmlformats.org/officeDocument/2006/relationships" xmlns:p="http://schemas.openxmlformats.org/presentationml/2006/main">
   <p:cSld>
     <p:spTree>
@@ -5206,7 +5555,7 @@
 </p:sld>
 </file>
 
-<file path=ppt/slides/slide5.xml><?xml version="1.0" encoding="utf-8"?>
+<file path=ppt/slides/slide6.xml><?xml version="1.0" encoding="utf-8"?>
 <p:sld xmlns:a="http://schemas.openxmlformats.org/drawingml/2006/main" xmlns:r="http://schemas.openxmlformats.org/officeDocument/2006/relationships" xmlns:p="http://schemas.openxmlformats.org/presentationml/2006/main">
   <p:cSld>
     <p:spTree>
@@ -5303,7 +5652,7 @@
 </p:sld>
 </file>
 
-<file path=ppt/slides/slide6.xml><?xml version="1.0" encoding="utf-8"?>
+<file path=ppt/slides/slide7.xml><?xml version="1.0" encoding="utf-8"?>
 <p:sld xmlns:a="http://schemas.openxmlformats.org/drawingml/2006/main" xmlns:r="http://schemas.openxmlformats.org/officeDocument/2006/relationships" xmlns:p="http://schemas.openxmlformats.org/presentationml/2006/main">
   <p:cSld>
     <p:spTree>
@@ -5454,126 +5803,6 @@
 </p:sld>
 </file>
 
-<file path=ppt/slides/slide7.xml><?xml version="1.0" encoding="utf-8"?>
-<p:sld xmlns:a="http://schemas.openxmlformats.org/drawingml/2006/main" xmlns:r="http://schemas.openxmlformats.org/officeDocument/2006/relationships" xmlns:p="http://schemas.openxmlformats.org/presentationml/2006/main">
-  <p:cSld>
-    <p:spTree>
-      <p:nvGrpSpPr>
-        <p:cNvPr id="1" name=""/>
-        <p:cNvGrpSpPr/>
-        <p:nvPr/>
-      </p:nvGrpSpPr>
-      <p:grpSpPr>
-        <a:xfrm>
-          <a:off x="0" y="0"/>
-          <a:ext cx="0" cy="0"/>
-          <a:chOff x="0" y="0"/>
-          <a:chExt cx="0" cy="0"/>
-        </a:xfrm>
-      </p:grpSpPr>
-      <p:sp>
-        <p:nvSpPr>
-          <p:cNvPr id="2" name="제목 1">
-            <a:extLst>
-              <a:ext uri="{FF2B5EF4-FFF2-40B4-BE49-F238E27FC236}">
-                <a16:creationId xmlns:a16="http://schemas.microsoft.com/office/drawing/2014/main" id="{9896B29B-A1AE-E0C6-8543-753E63140B1C}"/>
-              </a:ext>
-            </a:extLst>
-          </p:cNvPr>
-          <p:cNvSpPr>
-            <a:spLocks noGrp="1"/>
-          </p:cNvSpPr>
-          <p:nvPr>
-            <p:ph type="ctrTitle"/>
-          </p:nvPr>
-        </p:nvSpPr>
-        <p:spPr/>
-        <p:txBody>
-          <a:bodyPr>
-            <a:normAutofit/>
-          </a:bodyPr>
-          <a:lstStyle/>
-          <a:p>
-            <a:r>
-              <a:rPr lang="en-US" altLang="ko-KR" b="1" dirty="0"/>
-              <a:t>Spring MVC</a:t>
-            </a:r>
-            <a:endParaRPr lang="ko-KR" altLang="en-US" b="1" dirty="0"/>
-          </a:p>
-        </p:txBody>
-      </p:sp>
-      <p:sp>
-        <p:nvSpPr>
-          <p:cNvPr id="4" name="부제목 3">
-            <a:extLst>
-              <a:ext uri="{FF2B5EF4-FFF2-40B4-BE49-F238E27FC236}">
-                <a16:creationId xmlns:a16="http://schemas.microsoft.com/office/drawing/2014/main" id="{7219E4B9-47F6-C7CA-B046-1256225C3574}"/>
-              </a:ext>
-            </a:extLst>
-          </p:cNvPr>
-          <p:cNvSpPr>
-            <a:spLocks noGrp="1"/>
-          </p:cNvSpPr>
-          <p:nvPr>
-            <p:ph type="subTitle" idx="1"/>
-          </p:nvPr>
-        </p:nvSpPr>
-        <p:spPr/>
-        <p:txBody>
-          <a:bodyPr>
-            <a:normAutofit/>
-          </a:bodyPr>
-          <a:lstStyle/>
-          <a:p>
-            <a:pPr marL="0" indent="0" algn="r">
-              <a:buNone/>
-            </a:pPr>
-            <a:r>
-              <a:rPr lang="ko-KR" altLang="en-US" b="1" dirty="0"/>
-              <a:t>소개 및 환경구성</a:t>
-            </a:r>
-            <a:endParaRPr lang="ko-KR" altLang="en-US" dirty="0"/>
-          </a:p>
-        </p:txBody>
-      </p:sp>
-      <p:sp>
-        <p:nvSpPr>
-          <p:cNvPr id="3" name="텍스트 개체 틀 2">
-            <a:extLst>
-              <a:ext uri="{FF2B5EF4-FFF2-40B4-BE49-F238E27FC236}">
-                <a16:creationId xmlns:a16="http://schemas.microsoft.com/office/drawing/2014/main" id="{27F5F7AF-1BDF-4E26-3853-E2B43A77EC33}"/>
-              </a:ext>
-            </a:extLst>
-          </p:cNvPr>
-          <p:cNvSpPr>
-            <a:spLocks noGrp="1"/>
-          </p:cNvSpPr>
-          <p:nvPr>
-            <p:ph type="body" sz="quarter" idx="10"/>
-          </p:nvPr>
-        </p:nvSpPr>
-        <p:spPr/>
-        <p:txBody>
-          <a:bodyPr/>
-          <a:lstStyle/>
-          <a:p>
-            <a:endParaRPr lang="ko-KR" altLang="en-US"/>
-          </a:p>
-        </p:txBody>
-      </p:sp>
-    </p:spTree>
-    <p:extLst>
-      <p:ext uri="{BB962C8B-B14F-4D97-AF65-F5344CB8AC3E}">
-        <p14:creationId xmlns:p14="http://schemas.microsoft.com/office/powerpoint/2010/main" val="226211511"/>
-      </p:ext>
-    </p:extLst>
-  </p:cSld>
-  <p:clrMapOvr>
-    <a:masterClrMapping/>
-  </p:clrMapOvr>
-</p:sld>
-</file>
-
 <file path=ppt/slides/slide8.xml><?xml version="1.0" encoding="utf-8"?>
 <p:sld xmlns:a="http://schemas.openxmlformats.org/drawingml/2006/main" xmlns:r="http://schemas.openxmlformats.org/officeDocument/2006/relationships" xmlns:p="http://schemas.openxmlformats.org/presentationml/2006/main">
   <p:cSld>
@@ -5596,7 +5825,7 @@
           <p:cNvPr id="2" name="제목 1">
             <a:extLst>
               <a:ext uri="{FF2B5EF4-FFF2-40B4-BE49-F238E27FC236}">
-                <a16:creationId xmlns:a16="http://schemas.microsoft.com/office/drawing/2014/main" id="{D21C1AA9-5E52-3A11-B3B3-447787E29D09}"/>
+                <a16:creationId xmlns:a16="http://schemas.microsoft.com/office/drawing/2014/main" id="{9896B29B-A1AE-E0C6-8543-753E63140B1C}"/>
               </a:ext>
             </a:extLst>
           </p:cNvPr>
@@ -5604,28 +5833,30 @@
             <a:spLocks noGrp="1"/>
           </p:cNvSpPr>
           <p:nvPr>
-            <p:ph type="title"/>
+            <p:ph type="ctrTitle"/>
           </p:nvPr>
         </p:nvSpPr>
         <p:spPr/>
         <p:txBody>
-          <a:bodyPr/>
+          <a:bodyPr>
+            <a:normAutofit/>
+          </a:bodyPr>
           <a:lstStyle/>
           <a:p>
             <a:r>
-              <a:rPr lang="en-US" altLang="ko-KR" dirty="0"/>
+              <a:rPr lang="en-US" altLang="ko-KR" b="1" dirty="0"/>
               <a:t>Spring MVC</a:t>
             </a:r>
-            <a:endParaRPr lang="ko-KR" altLang="en-US" dirty="0"/>
-          </a:p>
-        </p:txBody>
-      </p:sp>
-      <p:sp>
-        <p:nvSpPr>
-          <p:cNvPr id="4" name="내용 개체 틀 3">
+            <a:endParaRPr lang="ko-KR" altLang="en-US" b="1" dirty="0"/>
+          </a:p>
+        </p:txBody>
+      </p:sp>
+      <p:sp>
+        <p:nvSpPr>
+          <p:cNvPr id="4" name="부제목 3">
             <a:extLst>
               <a:ext uri="{FF2B5EF4-FFF2-40B4-BE49-F238E27FC236}">
-                <a16:creationId xmlns:a16="http://schemas.microsoft.com/office/drawing/2014/main" id="{42F6317C-F28B-ECBE-0810-17736FC7D8AB}"/>
+                <a16:creationId xmlns:a16="http://schemas.microsoft.com/office/drawing/2014/main" id="{7219E4B9-47F6-C7CA-B046-1256225C3574}"/>
               </a:ext>
             </a:extLst>
           </p:cNvPr>
@@ -5633,80 +5864,22 @@
             <a:spLocks noGrp="1"/>
           </p:cNvSpPr>
           <p:nvPr>
-            <p:ph idx="1"/>
+            <p:ph type="subTitle" idx="1"/>
           </p:nvPr>
         </p:nvSpPr>
         <p:spPr/>
         <p:txBody>
-          <a:bodyPr/>
+          <a:bodyPr>
+            <a:normAutofit/>
+          </a:bodyPr>
           <a:lstStyle/>
           <a:p>
-            <a:pPr marL="0" indent="0">
+            <a:pPr marL="0" indent="0" algn="r">
               <a:buNone/>
             </a:pPr>
             <a:r>
-              <a:rPr lang="en-US" altLang="ko-KR" dirty="0"/>
-              <a:t>Java</a:t>
-            </a:r>
-            <a:r>
-              <a:rPr lang="ko-KR" altLang="en-US" dirty="0"/>
-              <a:t>용 오픈소스 프레임워크 </a:t>
-            </a:r>
-            <a:r>
-              <a:rPr lang="en-US" altLang="ko-KR" dirty="0"/>
-              <a:t>(2003.06 release)</a:t>
-            </a:r>
-          </a:p>
-          <a:p>
-            <a:pPr marL="0" indent="0">
-              <a:buNone/>
-            </a:pPr>
-            <a:r>
-              <a:rPr lang="en-US" altLang="ko-KR" dirty="0"/>
-              <a:t>J2EE </a:t>
-            </a:r>
-            <a:r>
-              <a:rPr lang="ko-KR" altLang="en-US" dirty="0"/>
-              <a:t>경량 대체제로 큰 인기를 누렸음</a:t>
-            </a:r>
-            <a:endParaRPr lang="en-US" altLang="ko-KR" dirty="0"/>
-          </a:p>
-          <a:p>
-            <a:pPr lvl="1"/>
-            <a:r>
-              <a:rPr lang="en-US" altLang="ko-KR" dirty="0"/>
-              <a:t>POJO</a:t>
-            </a:r>
-          </a:p>
-          <a:p>
-            <a:pPr lvl="1"/>
-            <a:r>
-              <a:rPr lang="en-US" altLang="ko-KR" dirty="0"/>
-              <a:t>AOP</a:t>
-            </a:r>
-          </a:p>
-          <a:p>
-            <a:pPr lvl="1"/>
-            <a:r>
-              <a:rPr lang="en-US" altLang="ko-KR" dirty="0"/>
-              <a:t>Data access framework</a:t>
-            </a:r>
-          </a:p>
-          <a:p>
-            <a:pPr marL="0" indent="0">
-              <a:buNone/>
-            </a:pPr>
-            <a:r>
-              <a:rPr lang="ko-KR" altLang="en-US" dirty="0"/>
-              <a:t>설정보다 관습</a:t>
-            </a:r>
-            <a:endParaRPr lang="en-US" altLang="ko-KR" dirty="0"/>
-          </a:p>
-          <a:p>
-            <a:pPr lvl="1"/>
-            <a:r>
-              <a:rPr lang="en-US" altLang="ko-KR" dirty="0"/>
-              <a:t>Spring Boot</a:t>
+              <a:rPr lang="ko-KR" altLang="en-US" b="1" dirty="0"/>
+              <a:t>소개 및 환경구성</a:t>
             </a:r>
             <a:endParaRPr lang="ko-KR" altLang="en-US" dirty="0"/>
           </a:p>
@@ -5714,10 +5887,10 @@
       </p:sp>
       <p:sp>
         <p:nvSpPr>
-          <p:cNvPr id="3" name="내용 개체 틀 2">
+          <p:cNvPr id="3" name="텍스트 개체 틀 2">
             <a:extLst>
               <a:ext uri="{FF2B5EF4-FFF2-40B4-BE49-F238E27FC236}">
-                <a16:creationId xmlns:a16="http://schemas.microsoft.com/office/drawing/2014/main" id="{5C60B21B-D9F0-3457-2FCA-9D5402683985}"/>
+                <a16:creationId xmlns:a16="http://schemas.microsoft.com/office/drawing/2014/main" id="{27F5F7AF-1BDF-4E26-3853-E2B43A77EC33}"/>
               </a:ext>
             </a:extLst>
           </p:cNvPr>
@@ -5725,7 +5898,7 @@
             <a:spLocks noGrp="1"/>
           </p:cNvSpPr>
           <p:nvPr>
-            <p:ph idx="11"/>
+            <p:ph type="body" sz="quarter" idx="10"/>
           </p:nvPr>
         </p:nvSpPr>
         <p:spPr/>
@@ -5733,47 +5906,14 @@
           <a:bodyPr/>
           <a:lstStyle/>
           <a:p>
-            <a:r>
-              <a:rPr lang="ko-KR" altLang="en-US" b="1" dirty="0"/>
-              <a:t>소개 및 환경구성</a:t>
-            </a:r>
-            <a:endParaRPr lang="ko-KR" altLang="en-US" dirty="0"/>
-          </a:p>
-        </p:txBody>
-      </p:sp>
-      <p:sp>
-        <p:nvSpPr>
-          <p:cNvPr id="5" name="바닥글 개체 틀 4">
-            <a:extLst>
-              <a:ext uri="{FF2B5EF4-FFF2-40B4-BE49-F238E27FC236}">
-                <a16:creationId xmlns:a16="http://schemas.microsoft.com/office/drawing/2014/main" id="{FDE1F7BF-E126-70EB-826B-E45A4706B986}"/>
-              </a:ext>
-            </a:extLst>
-          </p:cNvPr>
-          <p:cNvSpPr>
-            <a:spLocks noGrp="1"/>
-          </p:cNvSpPr>
-          <p:nvPr>
-            <p:ph type="ftr" sz="quarter" idx="3"/>
-          </p:nvPr>
-        </p:nvSpPr>
-        <p:spPr/>
-        <p:txBody>
-          <a:bodyPr/>
-          <a:lstStyle/>
-          <a:p>
-            <a:r>
-              <a:rPr lang="en-US" altLang="ko-KR"/>
-              <a:t>Spring MVC</a:t>
-            </a:r>
-            <a:endParaRPr lang="ko-KR" altLang="en-US" dirty="0"/>
+            <a:endParaRPr lang="ko-KR" altLang="en-US"/>
           </a:p>
         </p:txBody>
       </p:sp>
     </p:spTree>
     <p:extLst>
       <p:ext uri="{BB962C8B-B14F-4D97-AF65-F5344CB8AC3E}">
-        <p14:creationId xmlns:p14="http://schemas.microsoft.com/office/powerpoint/2010/main" val="3299695468"/>
+        <p14:creationId xmlns:p14="http://schemas.microsoft.com/office/powerpoint/2010/main" val="226211511"/>
       </p:ext>
     </p:extLst>
   </p:cSld>
@@ -5822,9 +5962,10 @@
           <a:lstStyle/>
           <a:p>
             <a:r>
-              <a:rPr lang="ko-KR" altLang="en-US" dirty="0"/>
-              <a:t>구현내용 및 개발환경 구성</a:t>
-            </a:r>
+              <a:rPr lang="en-US" altLang="ko-KR" dirty="0"/>
+              <a:t>Spring MVC</a:t>
+            </a:r>
+            <a:endParaRPr lang="ko-KR" altLang="en-US" dirty="0"/>
           </a:p>
         </p:txBody>
       </p:sp>
@@ -5853,10 +5994,70 @@
               <a:buNone/>
             </a:pPr>
             <a:r>
-              <a:rPr lang="ko-KR" altLang="en-US" dirty="0"/>
-              <a:t>구현내용</a:t>
+              <a:rPr lang="en-US" altLang="ko-KR" dirty="0"/>
+              <a:t>Java</a:t>
+            </a:r>
+            <a:r>
+              <a:rPr lang="ko-KR" altLang="en-US" dirty="0"/>
+              <a:t>용 오픈소스 프레임워크 </a:t>
+            </a:r>
+            <a:r>
+              <a:rPr lang="en-US" altLang="ko-KR" dirty="0"/>
+              <a:t>(2003.06 release)</a:t>
+            </a:r>
+          </a:p>
+          <a:p>
+            <a:pPr marL="0" indent="0">
+              <a:buNone/>
+            </a:pPr>
+            <a:r>
+              <a:rPr lang="en-US" altLang="ko-KR" dirty="0"/>
+              <a:t>J2EE </a:t>
+            </a:r>
+            <a:r>
+              <a:rPr lang="ko-KR" altLang="en-US" dirty="0"/>
+              <a:t>경량 대체제로 큰 인기를 누렸음</a:t>
             </a:r>
             <a:endParaRPr lang="en-US" altLang="ko-KR" dirty="0"/>
+          </a:p>
+          <a:p>
+            <a:pPr lvl="1"/>
+            <a:r>
+              <a:rPr lang="en-US" altLang="ko-KR" dirty="0"/>
+              <a:t>POJO</a:t>
+            </a:r>
+          </a:p>
+          <a:p>
+            <a:pPr lvl="1"/>
+            <a:r>
+              <a:rPr lang="en-US" altLang="ko-KR" dirty="0"/>
+              <a:t>AOP</a:t>
+            </a:r>
+          </a:p>
+          <a:p>
+            <a:pPr lvl="1"/>
+            <a:r>
+              <a:rPr lang="en-US" altLang="ko-KR" dirty="0"/>
+              <a:t>Data access framework</a:t>
+            </a:r>
+          </a:p>
+          <a:p>
+            <a:pPr marL="0" indent="0">
+              <a:buNone/>
+            </a:pPr>
+            <a:r>
+              <a:rPr lang="ko-KR" altLang="en-US" dirty="0"/>
+              <a:t>설정보다 관습</a:t>
+            </a:r>
+            <a:endParaRPr lang="en-US" altLang="ko-KR" dirty="0"/>
+          </a:p>
+          <a:p>
+            <a:pPr lvl="1"/>
+            <a:r>
+              <a:rPr lang="en-US" altLang="ko-KR" dirty="0"/>
+              <a:t>Spring Boot</a:t>
+            </a:r>
+            <a:endParaRPr lang="ko-KR" altLang="en-US" dirty="0"/>
           </a:p>
         </p:txBody>
       </p:sp>
@@ -5865,7 +6066,7 @@
           <p:cNvPr id="3" name="내용 개체 틀 2">
             <a:extLst>
               <a:ext uri="{FF2B5EF4-FFF2-40B4-BE49-F238E27FC236}">
-                <a16:creationId xmlns:a16="http://schemas.microsoft.com/office/drawing/2014/main" id="{4E8142AA-5395-349A-E01B-C47831D728CC}"/>
+                <a16:creationId xmlns:a16="http://schemas.microsoft.com/office/drawing/2014/main" id="{5C60B21B-D9F0-3457-2FCA-9D5402683985}"/>
               </a:ext>
             </a:extLst>
           </p:cNvPr>
@@ -5891,153 +6092,13 @@
       </p:sp>
       <p:sp>
         <p:nvSpPr>
-          <p:cNvPr id="6" name="TextBox 5">
+          <p:cNvPr id="5" name="바닥글 개체 틀 4">
             <a:extLst>
               <a:ext uri="{FF2B5EF4-FFF2-40B4-BE49-F238E27FC236}">
-                <a16:creationId xmlns:a16="http://schemas.microsoft.com/office/drawing/2014/main" id="{A39D204B-5E6E-B41A-E4C9-3CF4ADB9FA39}"/>
+                <a16:creationId xmlns:a16="http://schemas.microsoft.com/office/drawing/2014/main" id="{FDE1F7BF-E126-70EB-826B-E45A4706B986}"/>
               </a:ext>
             </a:extLst>
           </p:cNvPr>
-          <p:cNvSpPr txBox="1"/>
-          <p:nvPr/>
-        </p:nvSpPr>
-        <p:spPr>
-          <a:xfrm>
-            <a:off x="4572000" y="1625113"/>
-            <a:ext cx="609462" cy="415498"/>
-          </a:xfrm>
-          <a:prstGeom prst="rect">
-            <a:avLst/>
-          </a:prstGeom>
-          <a:noFill/>
-        </p:spPr>
-        <p:txBody>
-          <a:bodyPr wrap="none" rtlCol="0">
-            <a:spAutoFit/>
-          </a:bodyPr>
-          <a:lstStyle/>
-          <a:p>
-            <a:r>
-              <a:rPr lang="en-US" altLang="ko-KR" sz="2100" dirty="0">
-                <a:latin typeface="Spoqa Han Sans Neo Medium" pitchFamily="2" charset="-127"/>
-                <a:ea typeface="Spoqa Han Sans Neo Medium" pitchFamily="2" charset="-127"/>
-              </a:rPr>
-              <a:t>API</a:t>
-            </a:r>
-            <a:endParaRPr lang="ko-KR" altLang="en-US" sz="2100" dirty="0">
-              <a:latin typeface="Spoqa Han Sans Neo Medium" pitchFamily="2" charset="-127"/>
-              <a:ea typeface="Spoqa Han Sans Neo Medium" pitchFamily="2" charset="-127"/>
-            </a:endParaRPr>
-          </a:p>
-        </p:txBody>
-      </p:sp>
-      <p:pic>
-        <p:nvPicPr>
-          <p:cNvPr id="10" name="그림 9">
-            <a:extLst>
-              <a:ext uri="{FF2B5EF4-FFF2-40B4-BE49-F238E27FC236}">
-                <a16:creationId xmlns:a16="http://schemas.microsoft.com/office/drawing/2014/main" id="{F89081F6-7C1F-033F-70EB-FE9BF669F526}"/>
-              </a:ext>
-            </a:extLst>
-          </p:cNvPr>
-          <p:cNvPicPr>
-            <a:picLocks noChangeAspect="1"/>
-          </p:cNvPicPr>
-          <p:nvPr/>
-        </p:nvPicPr>
-        <p:blipFill>
-          <a:blip r:embed="rId3"/>
-          <a:stretch>
-            <a:fillRect/>
-          </a:stretch>
-        </p:blipFill>
-        <p:spPr>
-          <a:xfrm>
-            <a:off x="4401063" y="2034561"/>
-            <a:ext cx="4249311" cy="2522318"/>
-          </a:xfrm>
-          <a:prstGeom prst="rect">
-            <a:avLst/>
-          </a:prstGeom>
-        </p:spPr>
-      </p:pic>
-      <p:pic>
-        <p:nvPicPr>
-          <p:cNvPr id="12" name="그림 11">
-            <a:extLst>
-              <a:ext uri="{FF2B5EF4-FFF2-40B4-BE49-F238E27FC236}">
-                <a16:creationId xmlns:a16="http://schemas.microsoft.com/office/drawing/2014/main" id="{2FBE5B6E-1A60-94D9-187F-913C139920B9}"/>
-              </a:ext>
-            </a:extLst>
-          </p:cNvPr>
-          <p:cNvPicPr>
-            <a:picLocks noChangeAspect="1"/>
-          </p:cNvPicPr>
-          <p:nvPr/>
-        </p:nvPicPr>
-        <p:blipFill>
-          <a:blip r:embed="rId4"/>
-          <a:stretch>
-            <a:fillRect/>
-          </a:stretch>
-        </p:blipFill>
-        <p:spPr>
-          <a:xfrm>
-            <a:off x="802803" y="2034561"/>
-            <a:ext cx="3313233" cy="2522318"/>
-          </a:xfrm>
-          <a:prstGeom prst="rect">
-            <a:avLst/>
-          </a:prstGeom>
-        </p:spPr>
-      </p:pic>
-      <p:sp>
-        <p:nvSpPr>
-          <p:cNvPr id="13" name="TextBox 12">
-            <a:extLst>
-              <a:ext uri="{FF2B5EF4-FFF2-40B4-BE49-F238E27FC236}">
-                <a16:creationId xmlns:a16="http://schemas.microsoft.com/office/drawing/2014/main" id="{C1D81F25-AA1B-5D79-2481-6935028480F3}"/>
-              </a:ext>
-            </a:extLst>
-          </p:cNvPr>
-          <p:cNvSpPr txBox="1"/>
-          <p:nvPr/>
-        </p:nvSpPr>
-        <p:spPr>
-          <a:xfrm>
-            <a:off x="831495" y="1592499"/>
-            <a:ext cx="1178528" cy="415498"/>
-          </a:xfrm>
-          <a:prstGeom prst="rect">
-            <a:avLst/>
-          </a:prstGeom>
-          <a:noFill/>
-        </p:spPr>
-        <p:txBody>
-          <a:bodyPr wrap="none" rtlCol="0">
-            <a:spAutoFit/>
-          </a:bodyPr>
-          <a:lstStyle/>
-          <a:p>
-            <a:r>
-              <a:rPr lang="ko-KR" altLang="en-US" sz="2100" dirty="0">
-                <a:latin typeface="Spoqa Han Sans Neo Medium" pitchFamily="2" charset="-127"/>
-                <a:ea typeface="Spoqa Han Sans Neo Medium" pitchFamily="2" charset="-127"/>
-              </a:rPr>
-              <a:t>자료구조</a:t>
-            </a:r>
-          </a:p>
-        </p:txBody>
-      </p:sp>
-      <p:sp>
-        <p:nvSpPr>
-          <p:cNvPr id="5" name="바닥글 개체 틀 4">
-            <a:extLst>
-              <a:ext uri="{FF2B5EF4-FFF2-40B4-BE49-F238E27FC236}">
-                <a16:creationId xmlns:a16="http://schemas.microsoft.com/office/drawing/2014/main" id="{745E46E5-157F-0B4A-6A36-275CB8C58BDF}"/>
-              </a:ext>
-            </a:extLst>
-          </p:cNvPr>
           <p:cNvSpPr>
             <a:spLocks noGrp="1"/>
           </p:cNvSpPr>
@@ -6061,7 +6122,7 @@
     </p:spTree>
     <p:extLst>
       <p:ext uri="{BB962C8B-B14F-4D97-AF65-F5344CB8AC3E}">
-        <p14:creationId xmlns:p14="http://schemas.microsoft.com/office/powerpoint/2010/main" val="824592560"/>
+        <p14:creationId xmlns:p14="http://schemas.microsoft.com/office/powerpoint/2010/main" val="3299695468"/>
       </p:ext>
     </p:extLst>
   </p:cSld>
